--- a/Day 1.pptx
+++ b/Day 1.pptx
@@ -268,7 +268,7 @@
           <a:p>
             <a:fld id="{909AFCF1-7F48-4D21-8D27-97E9804428B6}" type="datetimeFigureOut">
               <a:rPr lang="en-US" smtClean="0"/>
-              <a:t>8/19/2019</a:t>
+              <a:t>8/22/2019</a:t>
             </a:fld>
             <a:endParaRPr lang="en-US"/>
           </a:p>
@@ -717,7 +717,7 @@
           <a:p>
             <a:fld id="{A17B4B1F-9ADE-4FEE-88FC-832835B49A13}" type="datetime4">
               <a:rPr lang="en-US" smtClean="0"/>
-              <a:t>August 19, 2019</a:t>
+              <a:t>August 22, 2019</a:t>
             </a:fld>
             <a:endParaRPr lang="en-US" dirty="0"/>
           </a:p>
@@ -1115,7 +1115,7 @@
           <a:p>
             <a:fld id="{CAEF89AF-97FF-41FD-A810-843DAB910B39}" type="datetime4">
               <a:rPr lang="en-US" smtClean="0"/>
-              <a:t>August 19, 2019</a:t>
+              <a:t>August 22, 2019</a:t>
             </a:fld>
             <a:endParaRPr lang="en-US" dirty="0"/>
           </a:p>
@@ -1460,7 +1460,7 @@
           <a:p>
             <a:fld id="{58C37697-90A4-4007-8C23-BAAA588B27B3}" type="datetime4">
               <a:rPr lang="en-US" smtClean="0"/>
-              <a:t>August 19, 2019</a:t>
+              <a:t>August 22, 2019</a:t>
             </a:fld>
             <a:endParaRPr lang="en-US" dirty="0"/>
           </a:p>
@@ -1846,7 +1846,7 @@
           <a:p>
             <a:fld id="{C526132D-74A4-457B-9FB6-E79DB3FA6555}" type="datetime4">
               <a:rPr lang="en-US" smtClean="0"/>
-              <a:t>August 19, 2019</a:t>
+              <a:t>August 22, 2019</a:t>
             </a:fld>
             <a:endParaRPr lang="en-US" dirty="0"/>
           </a:p>
@@ -2189,7 +2189,7 @@
           <a:p>
             <a:fld id="{6A0291C7-F608-4246-89E2-5DBB54EDEF09}" type="datetime4">
               <a:rPr lang="en-US" smtClean="0"/>
-              <a:t>August 19, 2019</a:t>
+              <a:t>August 22, 2019</a:t>
             </a:fld>
             <a:endParaRPr lang="en-US" dirty="0"/>
           </a:p>
@@ -2367,7 +2367,7 @@
           <a:p>
             <a:fld id="{4D013C2E-F697-4ACF-9974-2B7ED63A336A}" type="datetime4">
               <a:rPr lang="en-US" smtClean="0"/>
-              <a:t>August 19, 2019</a:t>
+              <a:t>August 22, 2019</a:t>
             </a:fld>
             <a:endParaRPr lang="en-US" dirty="0"/>
           </a:p>
@@ -2612,7 +2612,7 @@
           <a:p>
             <a:fld id="{D4335327-653A-45BD-A8A4-D16B8D9BB63F}" type="datetime4">
               <a:rPr lang="en-US" smtClean="0"/>
-              <a:t>August 19, 2019</a:t>
+              <a:t>August 22, 2019</a:t>
             </a:fld>
             <a:endParaRPr lang="en-US" dirty="0"/>
           </a:p>
@@ -3299,7 +3299,7 @@
           <a:p>
             <a:fld id="{CAEF89AF-97FF-41FD-A810-843DAB910B39}" type="datetime4">
               <a:rPr lang="en-US" smtClean="0"/>
-              <a:t>August 19, 2019</a:t>
+              <a:t>August 22, 2019</a:t>
             </a:fld>
             <a:endParaRPr lang="en-US" dirty="0"/>
           </a:p>
@@ -3482,7 +3482,7 @@
           <a:p>
             <a:fld id="{CAEF89AF-97FF-41FD-A810-843DAB910B39}" type="datetime4">
               <a:rPr lang="en-US" smtClean="0"/>
-              <a:t>August 20, 2019</a:t>
+              <a:t>August 22, 2019</a:t>
             </a:fld>
             <a:endParaRPr lang="en-US" dirty="0"/>
           </a:p>
@@ -4202,7 +4202,7 @@
           <a:p>
             <a:fld id="{58C37697-90A4-4007-8C23-BAAA588B27B3}" type="datetime4">
               <a:rPr lang="en-US" smtClean="0"/>
-              <a:t>August 19, 2019</a:t>
+              <a:t>August 22, 2019</a:t>
             </a:fld>
             <a:endParaRPr lang="en-US" dirty="0"/>
           </a:p>
@@ -4361,7 +4361,7 @@
           <a:p>
             <a:fld id="{CAEF89AF-97FF-41FD-A810-843DAB910B39}" type="datetime4">
               <a:rPr lang="en-US" smtClean="0"/>
-              <a:t>August 19, 2019</a:t>
+              <a:t>August 22, 2019</a:t>
             </a:fld>
             <a:endParaRPr lang="en-US" dirty="0"/>
           </a:p>
@@ -4725,7 +4725,6 @@
               <a:rPr lang="en-US" dirty="0"/>
               <a:t>1-02</a:t>
             </a:r>
-            <a:endParaRPr lang="en-US" dirty="0"/>
           </a:p>
         </p:txBody>
       </p:sp>
@@ -4748,28 +4747,14 @@
           <a:p>
             <a:r>
               <a:rPr lang="en-US" dirty="0" smtClean="0"/>
-              <a:t>Add box() for objects in the </a:t>
-            </a:r>
-            <a:r>
-              <a:rPr lang="en-US" dirty="0" smtClean="0"/>
-              <a:t>body.</a:t>
-            </a:r>
-            <a:endParaRPr lang="en-US" dirty="0" smtClean="0"/>
-          </a:p>
-          <a:p>
-            <a:r>
-              <a:rPr lang="en-US" dirty="0" smtClean="0"/>
-              <a:t>Make </a:t>
-            </a:r>
-            <a:r>
-              <a:rPr lang="en-US" dirty="0" smtClean="0"/>
-              <a:t>the data dependent on “market</a:t>
-            </a:r>
-            <a:r>
-              <a:rPr lang="en-US" dirty="0" smtClean="0"/>
-              <a:t>” by</a:t>
-            </a:r>
-            <a:endParaRPr lang="en-US" dirty="0" smtClean="0"/>
+              <a:t>Add box() for objects in the body.</a:t>
+            </a:r>
+          </a:p>
+          <a:p>
+            <a:r>
+              <a:rPr lang="en-US" dirty="0" smtClean="0"/>
+              <a:t>Make the data dependent on “market” by</a:t>
+            </a:r>
           </a:p>
           <a:p>
             <a:pPr marL="971550" lvl="1" indent="-514350">
@@ -4778,11 +4763,7 @@
             </a:pPr>
             <a:r>
               <a:rPr lang="en-US" dirty="0" smtClean="0"/>
-              <a:t>Creating an input selector </a:t>
-            </a:r>
-            <a:r>
-              <a:rPr lang="en-US" dirty="0" smtClean="0"/>
-              <a:t>for market in the sidebar and make “SPP”  and “CAISO” available. </a:t>
+              <a:t>Creating an input selector for market in the sidebar and make “SPP”  and “CAISO” available. </a:t>
             </a:r>
           </a:p>
           <a:p>
@@ -4792,13 +4773,8 @@
             </a:pPr>
             <a:r>
               <a:rPr lang="en-US" dirty="0" smtClean="0"/>
-              <a:t>Creating </a:t>
-            </a:r>
-            <a:r>
-              <a:rPr lang="en-US" dirty="0" smtClean="0"/>
-              <a:t>a reactive object for data. </a:t>
-            </a:r>
-            <a:endParaRPr lang="en-US" dirty="0" smtClean="0"/>
+              <a:t>Creating a reactive object for data. </a:t>
+            </a:r>
           </a:p>
           <a:p>
             <a:pPr marL="971550" lvl="1" indent="-514350">
@@ -4809,7 +4785,6 @@
               <a:rPr lang="en-US" dirty="0" smtClean="0"/>
               <a:t>Reference the reactive objects in the plot and the table. </a:t>
             </a:r>
-            <a:endParaRPr lang="en-US" dirty="0" smtClean="0"/>
           </a:p>
           <a:p>
             <a:pPr lvl="1"/>
@@ -4846,7 +4821,6 @@
               <a:rPr lang="en-US" dirty="0" smtClean="0"/>
               <a:t>eactive</a:t>
             </a:r>
-            <a:endParaRPr lang="en-US" dirty="0" smtClean="0"/>
           </a:p>
         </p:txBody>
       </p:sp>
@@ -4913,7 +4887,7 @@
           <a:p>
             <a:fld id="{CAEF89AF-97FF-41FD-A810-843DAB910B39}" type="datetime4">
               <a:rPr lang="en-US" smtClean="0"/>
-              <a:t>August 20, 2019</a:t>
+              <a:t>August 22, 2019</a:t>
             </a:fld>
             <a:endParaRPr lang="en-US" dirty="0"/>
           </a:p>
@@ -5309,7 +5283,7 @@
           <a:p>
             <a:fld id="{CAEF89AF-97FF-41FD-A810-843DAB910B39}" type="datetime4">
               <a:rPr lang="en-US" smtClean="0"/>
-              <a:t>August 19, 2019</a:t>
+              <a:t>August 22, 2019</a:t>
             </a:fld>
             <a:endParaRPr lang="en-US" dirty="0"/>
           </a:p>
@@ -6306,7 +6280,7 @@
           <a:p>
             <a:fld id="{CAEF89AF-97FF-41FD-A810-843DAB910B39}" type="datetime4">
               <a:rPr lang="en-US" smtClean="0"/>
-              <a:t>August 19, 2019</a:t>
+              <a:t>August 22, 2019</a:t>
             </a:fld>
             <a:endParaRPr lang="en-US" dirty="0"/>
           </a:p>
@@ -6490,7 +6464,7 @@
           <a:p>
             <a:fld id="{CAEF89AF-97FF-41FD-A810-843DAB910B39}" type="datetime4">
               <a:rPr lang="en-US" smtClean="0"/>
-              <a:t>August 19, 2019</a:t>
+              <a:t>August 22, 2019</a:t>
             </a:fld>
             <a:endParaRPr lang="en-US" dirty="0"/>
           </a:p>
@@ -7912,7 +7886,7 @@
           <a:p>
             <a:fld id="{CAEF89AF-97FF-41FD-A810-843DAB910B39}" type="datetime4">
               <a:rPr lang="en-US" smtClean="0"/>
-              <a:t>August 19, 2019</a:t>
+              <a:t>August 22, 2019</a:t>
             </a:fld>
             <a:endParaRPr lang="en-US" dirty="0"/>
           </a:p>
@@ -8619,11 +8593,7 @@
             </a:pPr>
             <a:r>
               <a:rPr lang="en-US" dirty="0" smtClean="0"/>
-              <a:t>Add some texts </a:t>
-            </a:r>
-            <a:r>
-              <a:rPr lang="en-US" dirty="0" smtClean="0"/>
-              <a:t>using </a:t>
+              <a:t>Add some texts using </a:t>
             </a:r>
             <a:r>
               <a:rPr lang="en-US" dirty="0" err="1" smtClean="0"/>
@@ -8670,15 +8640,7 @@
             </a:r>
             <a:r>
               <a:rPr lang="en-US" dirty="0" smtClean="0"/>
-              <a:t>’ </a:t>
-            </a:r>
-            <a:r>
-              <a:rPr lang="en-US" dirty="0" smtClean="0"/>
-              <a:t>template, run it </a:t>
-            </a:r>
-            <a:r>
-              <a:rPr lang="en-US" dirty="0" smtClean="0"/>
-              <a:t>and notice</a:t>
+              <a:t>’ template, run it and notice</a:t>
             </a:r>
           </a:p>
           <a:p>
@@ -8808,7 +8770,7 @@
           <a:p>
             <a:fld id="{CAEF89AF-97FF-41FD-A810-843DAB910B39}" type="datetime4">
               <a:rPr lang="en-US" smtClean="0"/>
-              <a:t>August 19, 2019</a:t>
+              <a:t>August 22, 2019</a:t>
             </a:fld>
             <a:endParaRPr lang="en-US" dirty="0"/>
           </a:p>
@@ -9004,7 +8966,7 @@
           <a:p>
             <a:fld id="{CAEF89AF-97FF-41FD-A810-843DAB910B39}" type="datetime4">
               <a:rPr lang="en-US" smtClean="0"/>
-              <a:t>August 19, 2019</a:t>
+              <a:t>August 22, 2019</a:t>
             </a:fld>
             <a:endParaRPr lang="en-US" dirty="0"/>
           </a:p>
@@ -9152,7 +9114,7 @@
           <a:p>
             <a:fld id="{CAEF89AF-97FF-41FD-A810-843DAB910B39}" type="datetime4">
               <a:rPr lang="en-US" smtClean="0"/>
-              <a:t>August 19, 2019</a:t>
+              <a:t>August 22, 2019</a:t>
             </a:fld>
             <a:endParaRPr lang="en-US" dirty="0"/>
           </a:p>
@@ -9283,7 +9245,6 @@
               <a:rPr lang="en-US" dirty="0" smtClean="0"/>
               <a:t> (prepackaged interactive plots). </a:t>
             </a:r>
-            <a:endParaRPr lang="en-US" dirty="0" smtClean="0"/>
           </a:p>
           <a:p>
             <a:pPr lvl="1"/>
@@ -9361,7 +9322,7 @@
           <a:p>
             <a:fld id="{58C37697-90A4-4007-8C23-BAAA588B27B3}" type="datetime4">
               <a:rPr lang="en-US" smtClean="0"/>
-              <a:t>August 19, 2019</a:t>
+              <a:t>August 22, 2019</a:t>
             </a:fld>
             <a:endParaRPr lang="en-US" dirty="0"/>
           </a:p>
@@ -9564,7 +9525,7 @@
           <a:p>
             <a:fld id="{58C37697-90A4-4007-8C23-BAAA588B27B3}" type="datetime4">
               <a:rPr lang="en-US" smtClean="0"/>
-              <a:t>August 19, 2019</a:t>
+              <a:t>August 22, 2019</a:t>
             </a:fld>
             <a:endParaRPr lang="en-US" dirty="0"/>
           </a:p>
@@ -9685,22 +9646,14 @@
             <a:pPr lvl="1"/>
             <a:r>
               <a:rPr lang="en-US" dirty="0" smtClean="0"/>
-              <a:t>Hidden </a:t>
-            </a:r>
-            <a:r>
-              <a:rPr lang="en-US" dirty="0" smtClean="0"/>
-              <a:t>tabs</a:t>
+              <a:t>Hidden tabs</a:t>
             </a:r>
           </a:p>
           <a:p>
             <a:pPr lvl="1"/>
             <a:r>
               <a:rPr lang="en-US" dirty="0" smtClean="0"/>
-              <a:t>Use </a:t>
-            </a:r>
-            <a:r>
-              <a:rPr lang="en-US" dirty="0" smtClean="0"/>
-              <a:t>of information boxes. </a:t>
+              <a:t>Use of information boxes. </a:t>
             </a:r>
           </a:p>
           <a:p>
@@ -9720,7 +9673,6 @@
               <a:rPr lang="en-US" dirty="0" smtClean="0"/>
               <a:t>Synched up date-pickers. </a:t>
             </a:r>
-            <a:endParaRPr lang="en-US" dirty="0" smtClean="0"/>
           </a:p>
           <a:p>
             <a:pPr lvl="1"/>
@@ -9810,7 +9762,7 @@
           <a:p>
             <a:fld id="{58C37697-90A4-4007-8C23-BAAA588B27B3}" type="datetime4">
               <a:rPr lang="en-US" smtClean="0"/>
-              <a:t>August 19, 2019</a:t>
+              <a:t>August 22, 2019</a:t>
             </a:fld>
             <a:endParaRPr lang="en-US" dirty="0"/>
           </a:p>
@@ -9908,7 +9860,18 @@
           <a:p>
             <a:r>
               <a:rPr lang="en-US" dirty="0" smtClean="0"/>
-              <a:t>HTML reports with interactivity. </a:t>
+              <a:t>Notice:</a:t>
+            </a:r>
+          </a:p>
+          <a:p>
+            <a:pPr lvl="1"/>
+            <a:r>
+              <a:rPr lang="en-US" dirty="0" smtClean="0"/>
+              <a:t>HTML </a:t>
+            </a:r>
+            <a:r>
+              <a:rPr lang="en-US" dirty="0" smtClean="0"/>
+              <a:t>reports with interactivity. </a:t>
             </a:r>
             <a:endParaRPr lang="en-US" dirty="0"/>
           </a:p>
@@ -9977,7 +9940,7 @@
           <a:p>
             <a:fld id="{CAEF89AF-97FF-41FD-A810-843DAB910B39}" type="datetime4">
               <a:rPr lang="en-US" smtClean="0"/>
-              <a:t>August 19, 2019</a:t>
+              <a:t>August 22, 2019</a:t>
             </a:fld>
             <a:endParaRPr lang="en-US" dirty="0"/>
           </a:p>
@@ -10125,7 +10088,7 @@
           <a:p>
             <a:fld id="{5A7C7455-7BAE-4F57-835F-B43DCD64C886}" type="datetime4">
               <a:rPr lang="en-US" smtClean="0"/>
-              <a:t>August 19, 2019</a:t>
+              <a:t>August 22, 2019</a:t>
             </a:fld>
             <a:endParaRPr lang="en-US" dirty="0"/>
           </a:p>
@@ -10270,7 +10233,7 @@
           <a:p>
             <a:fld id="{58C37697-90A4-4007-8C23-BAAA588B27B3}" type="datetime4">
               <a:rPr lang="en-US" smtClean="0"/>
-              <a:t>August 19, 2019</a:t>
+              <a:t>August 22, 2019</a:t>
             </a:fld>
             <a:endParaRPr lang="en-US" dirty="0"/>
           </a:p>
@@ -10535,7 +10498,7 @@
           <a:p>
             <a:fld id="{58C37697-90A4-4007-8C23-BAAA588B27B3}" type="datetime4">
               <a:rPr lang="en-US" smtClean="0"/>
-              <a:t>August 19, 2019</a:t>
+              <a:t>August 22, 2019</a:t>
             </a:fld>
             <a:endParaRPr lang="en-US" dirty="0"/>
           </a:p>
@@ -11535,7 +11498,7 @@
           <a:p>
             <a:fld id="{58C37697-90A4-4007-8C23-BAAA588B27B3}" type="datetime4">
               <a:rPr lang="en-US" smtClean="0"/>
-              <a:t>August 19, 2019</a:t>
+              <a:t>August 22, 2019</a:t>
             </a:fld>
             <a:endParaRPr lang="en-US" dirty="0"/>
           </a:p>
@@ -12233,7 +12196,7 @@
           <a:p>
             <a:fld id="{58C37697-90A4-4007-8C23-BAAA588B27B3}" type="datetime4">
               <a:rPr lang="en-US" smtClean="0"/>
-              <a:t>August 19, 2019</a:t>
+              <a:t>August 22, 2019</a:t>
             </a:fld>
             <a:endParaRPr lang="en-US" dirty="0"/>
           </a:p>
@@ -12914,7 +12877,6 @@
               <a:rPr lang="en-US" dirty="0"/>
               <a:t>time</a:t>
             </a:r>
-            <a:endParaRPr lang="en-US" dirty="0"/>
           </a:p>
         </p:txBody>
       </p:sp>
@@ -13026,9 +12988,24 @@
             </a:pPr>
             <a:r>
               <a:rPr lang="en-US" dirty="0" smtClean="0"/>
-              <a:t>Make sure to change the name and email before running the line 30. </a:t>
-            </a:r>
-            <a:endParaRPr lang="en-US" dirty="0" smtClean="0"/>
+              <a:t>Make sure to change the </a:t>
+            </a:r>
+            <a:r>
+              <a:rPr lang="en-US" dirty="0" smtClean="0"/>
+              <a:t>name (</a:t>
+            </a:r>
+            <a:r>
+              <a:rPr lang="en-US" dirty="0" err="1" smtClean="0"/>
+              <a:t>github</a:t>
+            </a:r>
+            <a:r>
+              <a:rPr lang="en-US" dirty="0" smtClean="0"/>
+              <a:t> username) </a:t>
+            </a:r>
+            <a:r>
+              <a:rPr lang="en-US" dirty="0" smtClean="0"/>
+              <a:t>and email before running the line 30. </a:t>
+            </a:r>
           </a:p>
           <a:p>
             <a:pPr marL="514350" indent="-514350">
@@ -13037,15 +13014,7 @@
             </a:pPr>
             <a:r>
               <a:rPr lang="en-US" dirty="0" smtClean="0"/>
-              <a:t>Get a </a:t>
-            </a:r>
-            <a:r>
-              <a:rPr lang="en-US" dirty="0" smtClean="0"/>
-              <a:t>cheat sheet </a:t>
-            </a:r>
-            <a:r>
-              <a:rPr lang="en-US" dirty="0" smtClean="0"/>
-              <a:t>and look through it. </a:t>
+              <a:t>Get a cheat sheet and look through it. </a:t>
             </a:r>
           </a:p>
           <a:p>
@@ -13120,7 +13089,7 @@
           <a:p>
             <a:fld id="{58C37697-90A4-4007-8C23-BAAA588B27B3}" type="datetime4">
               <a:rPr lang="en-US" smtClean="0"/>
-              <a:t>August 19, 2019</a:t>
+              <a:t>August 22, 2019</a:t>
             </a:fld>
             <a:endParaRPr lang="en-US" dirty="0"/>
           </a:p>
@@ -13277,7 +13246,7 @@
           <a:p>
             <a:fld id="{58C37697-90A4-4007-8C23-BAAA588B27B3}" type="datetime4">
               <a:rPr lang="en-US" smtClean="0"/>
-              <a:t>August 19, 2019</a:t>
+              <a:t>August 22, 2019</a:t>
             </a:fld>
             <a:endParaRPr lang="en-US" dirty="0"/>
           </a:p>
@@ -14227,7 +14196,7 @@
           <a:p>
             <a:fld id="{58C37697-90A4-4007-8C23-BAAA588B27B3}" type="datetime4">
               <a:rPr lang="en-US" smtClean="0"/>
-              <a:t>August 19, 2019</a:t>
+              <a:t>August 22, 2019</a:t>
             </a:fld>
             <a:endParaRPr lang="en-US" dirty="0"/>
           </a:p>
@@ -15058,7 +15027,7 @@
           <a:p>
             <a:fld id="{CAEF89AF-97FF-41FD-A810-843DAB910B39}" type="datetime4">
               <a:rPr lang="en-US" smtClean="0"/>
-              <a:t>August 19, 2019</a:t>
+              <a:t>August 22, 2019</a:t>
             </a:fld>
             <a:endParaRPr lang="en-US" dirty="0"/>
           </a:p>
@@ -15282,7 +15251,7 @@
           <a:p>
             <a:fld id="{58C37697-90A4-4007-8C23-BAAA588B27B3}" type="datetime4">
               <a:rPr lang="en-US" smtClean="0"/>
-              <a:t>August 19, 2019</a:t>
+              <a:t>August 22, 2019</a:t>
             </a:fld>
             <a:endParaRPr lang="en-US" dirty="0"/>
           </a:p>
@@ -15707,7 +15676,7 @@
           <a:p>
             <a:fld id="{CAEF89AF-97FF-41FD-A810-843DAB910B39}" type="datetime4">
               <a:rPr lang="en-US" smtClean="0"/>
-              <a:t>August 19, 2019</a:t>
+              <a:t>August 22, 2019</a:t>
             </a:fld>
             <a:endParaRPr lang="en-US" dirty="0"/>
           </a:p>
@@ -15923,7 +15892,6 @@
               <a:rPr lang="en-US" dirty="0"/>
               <a:t>Exercise 1-05</a:t>
             </a:r>
-            <a:endParaRPr lang="en-US" dirty="0"/>
           </a:p>
         </p:txBody>
       </p:sp>
@@ -15990,7 +15958,7 @@
           <a:p>
             <a:fld id="{CAEF89AF-97FF-41FD-A810-843DAB910B39}" type="datetime4">
               <a:rPr lang="en-US" smtClean="0"/>
-              <a:t>August 20, 2019</a:t>
+              <a:t>August 22, 2019</a:t>
             </a:fld>
             <a:endParaRPr lang="en-US" dirty="0"/>
           </a:p>
@@ -16198,7 +16166,6 @@
               <a:rPr lang="en-US" dirty="0"/>
               <a:t>1-05</a:t>
             </a:r>
-            <a:endParaRPr lang="en-US" dirty="0"/>
           </a:p>
         </p:txBody>
       </p:sp>
@@ -16219,24 +16186,14 @@
           <a:p>
             <a:r>
               <a:rPr lang="en-US" dirty="0" smtClean="0"/>
-              <a:t>Add a input selector where you can choose which </a:t>
-            </a:r>
-            <a:r>
-              <a:rPr lang="en-US" dirty="0" smtClean="0"/>
-              <a:t>price columns </a:t>
-            </a:r>
-            <a:r>
-              <a:rPr lang="en-US" dirty="0" smtClean="0"/>
-              <a:t>to show. </a:t>
-            </a:r>
-            <a:endParaRPr lang="en-US" dirty="0" smtClean="0"/>
+              <a:t>Add a input selector where you can choose which price columns to show. </a:t>
+            </a:r>
           </a:p>
           <a:p>
             <a:r>
               <a:rPr lang="en-US" dirty="0" smtClean="0"/>
               <a:t>Use: </a:t>
             </a:r>
-            <a:endParaRPr lang="en-US" dirty="0" smtClean="0"/>
           </a:p>
           <a:p>
             <a:pPr lvl="1"/>
@@ -16342,7 +16299,7 @@
           <a:p>
             <a:fld id="{CAEF89AF-97FF-41FD-A810-843DAB910B39}" type="datetime4">
               <a:rPr lang="en-US" smtClean="0"/>
-              <a:t>August 20, 2019</a:t>
+              <a:t>August 22, 2019</a:t>
             </a:fld>
             <a:endParaRPr lang="en-US" dirty="0"/>
           </a:p>
@@ -16428,7 +16385,6 @@
               <a:rPr lang="en-US" dirty="0"/>
               <a:t>Exercise 1-05</a:t>
             </a:r>
-            <a:endParaRPr lang="en-US" dirty="0"/>
           </a:p>
         </p:txBody>
       </p:sp>
@@ -16477,11 +16433,7 @@
             <a:pPr lvl="1"/>
             <a:r>
               <a:rPr lang="en-US" sz="2400" dirty="0" smtClean="0"/>
-              <a:t>Reactivity </a:t>
-            </a:r>
-            <a:r>
-              <a:rPr lang="en-US" sz="2400" dirty="0" smtClean="0"/>
-              <a:t>can become complicated fast, if you use particular objects in the app. </a:t>
+              <a:t>Reactivity can become complicated fast, if you use particular objects in the app. </a:t>
             </a:r>
           </a:p>
           <a:p>
@@ -16510,13 +16462,8 @@
             <a:pPr lvl="1"/>
             <a:r>
               <a:rPr lang="en-US" sz="2400" dirty="0" smtClean="0"/>
-              <a:t>A flash of error </a:t>
-            </a:r>
-            <a:r>
-              <a:rPr lang="en-US" sz="2400" dirty="0" smtClean="0"/>
-              <a:t>messages.  </a:t>
-            </a:r>
-            <a:endParaRPr lang="en-US" sz="2400" dirty="0" smtClean="0"/>
+              <a:t>A flash of error messages.  </a:t>
+            </a:r>
           </a:p>
           <a:p>
             <a:pPr lvl="1"/>
@@ -16591,7 +16538,7 @@
           <a:p>
             <a:fld id="{CAEF89AF-97FF-41FD-A810-843DAB910B39}" type="datetime4">
               <a:rPr lang="en-US" smtClean="0"/>
-              <a:t>August 20, 2019</a:t>
+              <a:t>August 22, 2019</a:t>
             </a:fld>
             <a:endParaRPr lang="en-US" dirty="0"/>
           </a:p>
@@ -16619,6 +16566,13 @@
           <a:prstGeom prst="rect">
             <a:avLst/>
           </a:prstGeom>
+          <a:ln>
+            <a:solidFill>
+              <a:schemeClr val="bg1">
+                <a:lumMod val="50000"/>
+              </a:schemeClr>
+            </a:solidFill>
+          </a:ln>
         </p:spPr>
       </p:pic>
       <p:pic>
@@ -16643,6 +16597,13 @@
           <a:prstGeom prst="rect">
             <a:avLst/>
           </a:prstGeom>
+          <a:ln>
+            <a:solidFill>
+              <a:schemeClr val="bg1">
+                <a:lumMod val="50000"/>
+              </a:schemeClr>
+            </a:solidFill>
+          </a:ln>
         </p:spPr>
       </p:pic>
     </p:spTree>
@@ -16884,7 +16845,7 @@
           <a:p>
             <a:fld id="{CAEF89AF-97FF-41FD-A810-843DAB910B39}" type="datetime4">
               <a:rPr lang="en-US" smtClean="0"/>
-              <a:t>August 19, 2019</a:t>
+              <a:t>August 22, 2019</a:t>
             </a:fld>
             <a:endParaRPr lang="en-US" dirty="0"/>
           </a:p>
@@ -16982,7 +16943,6 @@
               <a:rPr lang="en-US" dirty="0"/>
               <a:t>1-06 </a:t>
             </a:r>
-            <a:endParaRPr lang="en-US" dirty="0"/>
           </a:p>
         </p:txBody>
       </p:sp>
@@ -17049,7 +17009,7 @@
           <a:p>
             <a:fld id="{CAEF89AF-97FF-41FD-A810-843DAB910B39}" type="datetime4">
               <a:rPr lang="en-US" smtClean="0"/>
-              <a:t>August 20, 2019</a:t>
+              <a:t>August 22, 2019</a:t>
             </a:fld>
             <a:endParaRPr lang="en-US" dirty="0"/>
           </a:p>
@@ -17430,7 +17390,7 @@
           <a:p>
             <a:fld id="{CAEF89AF-97FF-41FD-A810-843DAB910B39}" type="datetime4">
               <a:rPr lang="en-US" smtClean="0"/>
-              <a:t>August 19, 2019</a:t>
+              <a:t>August 22, 2019</a:t>
             </a:fld>
             <a:endParaRPr lang="en-US" dirty="0"/>
           </a:p>
@@ -17496,7 +17456,6 @@
               <a:rPr lang="en-US" dirty="0"/>
               <a:t>1-06 </a:t>
             </a:r>
-            <a:endParaRPr lang="en-US" dirty="0"/>
           </a:p>
         </p:txBody>
       </p:sp>
@@ -17540,11 +17499,7 @@
             </a:r>
             <a:r>
               <a:rPr lang="en-US" dirty="0" smtClean="0"/>
-              <a:t> UI </a:t>
-            </a:r>
-            <a:r>
-              <a:rPr lang="en-US" dirty="0" smtClean="0"/>
-              <a:t>variable</a:t>
+              <a:t> UI variable</a:t>
             </a:r>
             <a:r>
               <a:rPr lang="en-US" dirty="0"/>
@@ -17566,16 +17521,11 @@
               <a:rPr lang="en-US" dirty="0" smtClean="0"/>
               <a:t> values. </a:t>
             </a:r>
-            <a:endParaRPr lang="en-US" dirty="0" smtClean="0"/>
-          </a:p>
-          <a:p>
-            <a:r>
-              <a:rPr lang="en-US" dirty="0" smtClean="0"/>
-              <a:t>Add another market “MISO” </a:t>
-            </a:r>
-            <a:r>
-              <a:rPr lang="en-US" dirty="0" smtClean="0"/>
-              <a:t>to </a:t>
+          </a:p>
+          <a:p>
+            <a:r>
+              <a:rPr lang="en-US" dirty="0" smtClean="0"/>
+              <a:t>Add another market “MISO” to </a:t>
             </a:r>
             <a:r>
               <a:rPr lang="en-US" dirty="0" err="1" smtClean="0"/>
@@ -17583,13 +17533,8 @@
             </a:r>
             <a:r>
               <a:rPr lang="en-US" dirty="0" smtClean="0"/>
-              <a:t> and use validate</a:t>
-            </a:r>
-            <a:r>
-              <a:rPr lang="en-US" dirty="0" smtClean="0"/>
-              <a:t>() for checking if the data source exists. </a:t>
-            </a:r>
-            <a:endParaRPr lang="en-US" dirty="0" smtClean="0"/>
+              <a:t> and use validate() for checking if the data source exists. </a:t>
+            </a:r>
           </a:p>
           <a:p>
             <a:endParaRPr lang="en-US" dirty="0"/>
@@ -17684,7 +17629,7 @@
           <a:p>
             <a:fld id="{CAEF89AF-97FF-41FD-A810-843DAB910B39}" type="datetime4">
               <a:rPr lang="en-US" smtClean="0"/>
-              <a:t>August 20, 2019</a:t>
+              <a:t>August 22, 2019</a:t>
             </a:fld>
             <a:endParaRPr lang="en-US" dirty="0"/>
           </a:p>
@@ -17972,7 +17917,7 @@
           <a:p>
             <a:fld id="{CAEF89AF-97FF-41FD-A810-843DAB910B39}" type="datetime4">
               <a:rPr lang="en-US" smtClean="0"/>
-              <a:t>August 19, 2019</a:t>
+              <a:t>August 22, 2019</a:t>
             </a:fld>
             <a:endParaRPr lang="en-US" dirty="0"/>
           </a:p>
@@ -18225,7 +18170,7 @@
           <a:p>
             <a:fld id="{CAEF89AF-97FF-41FD-A810-843DAB910B39}" type="datetime4">
               <a:rPr lang="en-US" smtClean="0"/>
-              <a:t>August 19, 2019</a:t>
+              <a:t>August 22, 2019</a:t>
             </a:fld>
             <a:endParaRPr lang="en-US" dirty="0"/>
           </a:p>
@@ -18553,11 +18498,7 @@
           <a:p>
             <a:r>
               <a:rPr lang="en-US" dirty="0" smtClean="0"/>
-              <a:t>Use of Observe </a:t>
-            </a:r>
-            <a:r>
-              <a:rPr lang="en-US" dirty="0" smtClean="0"/>
-              <a:t>and </a:t>
+              <a:t>Use of Observe and </a:t>
             </a:r>
             <a:r>
               <a:rPr lang="en-US" dirty="0" err="1" smtClean="0"/>
@@ -18630,7 +18571,7 @@
           <a:p>
             <a:fld id="{CAEF89AF-97FF-41FD-A810-843DAB910B39}" type="datetime4">
               <a:rPr lang="en-US" smtClean="0"/>
-              <a:t>August 19, 2019</a:t>
+              <a:t>August 22, 2019</a:t>
             </a:fld>
             <a:endParaRPr lang="en-US" dirty="0"/>
           </a:p>
@@ -18879,7 +18820,7 @@
           <a:p>
             <a:fld id="{CAEF89AF-97FF-41FD-A810-843DAB910B39}" type="datetime4">
               <a:rPr lang="en-US" smtClean="0"/>
-              <a:t>August 19, 2019</a:t>
+              <a:t>August 22, 2019</a:t>
             </a:fld>
             <a:endParaRPr lang="en-US" dirty="0"/>
           </a:p>
@@ -19072,7 +19013,7 @@
           <a:p>
             <a:fld id="{CAEF89AF-97FF-41FD-A810-843DAB910B39}" type="datetime4">
               <a:rPr lang="en-US" smtClean="0"/>
-              <a:t>August 19, 2019</a:t>
+              <a:t>August 22, 2019</a:t>
             </a:fld>
             <a:endParaRPr lang="en-US" dirty="0"/>
           </a:p>
@@ -19290,7 +19231,7 @@
           <a:p>
             <a:fld id="{58C37697-90A4-4007-8C23-BAAA588B27B3}" type="datetime4">
               <a:rPr lang="en-US" smtClean="0"/>
-              <a:t>August 19, 2019</a:t>
+              <a:t>August 22, 2019</a:t>
             </a:fld>
             <a:endParaRPr lang="en-US" dirty="0"/>
           </a:p>
@@ -19478,7 +19419,6 @@
               <a:rPr lang="en-US" dirty="0" smtClean="0"/>
               <a:t>Easy user input table. </a:t>
             </a:r>
-            <a:endParaRPr lang="en-US" dirty="0" smtClean="0"/>
           </a:p>
           <a:p>
             <a:pPr marL="914400" lvl="1" indent="-514350">
@@ -19489,7 +19429,6 @@
               <a:rPr lang="en-US" dirty="0" smtClean="0"/>
               <a:t>Excel like look and feel. </a:t>
             </a:r>
-            <a:endParaRPr lang="en-US" dirty="0" smtClean="0"/>
           </a:p>
           <a:p>
             <a:pPr marL="914400" lvl="1" indent="-514350">
@@ -19563,7 +19502,7 @@
           <a:p>
             <a:fld id="{58C37697-90A4-4007-8C23-BAAA588B27B3}" type="datetime4">
               <a:rPr lang="en-US" smtClean="0"/>
-              <a:t>August 19, 2019</a:t>
+              <a:t>August 22, 2019</a:t>
             </a:fld>
             <a:endParaRPr lang="en-US" dirty="0"/>
           </a:p>
@@ -19718,7 +19657,7 @@
           <a:p>
             <a:fld id="{CAEF89AF-97FF-41FD-A810-843DAB910B39}" type="datetime4">
               <a:rPr lang="en-US" smtClean="0"/>
-              <a:t>August 19, 2019</a:t>
+              <a:t>August 22, 2019</a:t>
             </a:fld>
             <a:endParaRPr lang="en-US" dirty="0"/>
           </a:p>
@@ -20018,7 +19957,6 @@
               <a:rPr lang="en-US" dirty="0"/>
               <a:t>1-08</a:t>
             </a:r>
-            <a:endParaRPr lang="en-US" dirty="0"/>
           </a:p>
         </p:txBody>
       </p:sp>
@@ -20280,7 +20218,7 @@
           <a:p>
             <a:fld id="{CAEF89AF-97FF-41FD-A810-843DAB910B39}" type="datetime4">
               <a:rPr lang="en-US" smtClean="0"/>
-              <a:t>August 20, 2019</a:t>
+              <a:t>August 22, 2019</a:t>
             </a:fld>
             <a:endParaRPr lang="en-US" dirty="0"/>
           </a:p>
@@ -20417,7 +20355,7 @@
           <a:p>
             <a:fld id="{58C37697-90A4-4007-8C23-BAAA588B27B3}" type="datetime4">
               <a:rPr lang="en-US" smtClean="0"/>
-              <a:t>August 19, 2019</a:t>
+              <a:t>August 22, 2019</a:t>
             </a:fld>
             <a:endParaRPr lang="en-US" dirty="0"/>
           </a:p>
@@ -20933,7 +20871,7 @@
           <a:p>
             <a:fld id="{CAEF89AF-97FF-41FD-A810-843DAB910B39}" type="datetime4">
               <a:rPr lang="en-US" smtClean="0"/>
-              <a:t>August 19, 2019</a:t>
+              <a:t>August 22, 2019</a:t>
             </a:fld>
             <a:endParaRPr lang="en-US" dirty="0"/>
           </a:p>
@@ -21012,7 +20950,7 @@
         <p:spPr/>
         <p:txBody>
           <a:bodyPr>
-            <a:normAutofit lnSpcReduction="10000"/>
+            <a:normAutofit fontScale="92500" lnSpcReduction="10000"/>
           </a:bodyPr>
           <a:lstStyle/>
           <a:p>
@@ -21067,6 +21005,10 @@
               <a:rPr lang="en-US" dirty="0" err="1" smtClean="0"/>
               <a:t>Plotly</a:t>
             </a:r>
+            <a:endParaRPr lang="en-US" dirty="0" smtClean="0"/>
+          </a:p>
+          <a:p>
+            <a:pPr lvl="1"/>
             <a:endParaRPr lang="en-US" dirty="0"/>
           </a:p>
           <a:p>
@@ -21179,7 +21121,7 @@
           <a:p>
             <a:fld id="{58C37697-90A4-4007-8C23-BAAA588B27B3}" type="datetime4">
               <a:rPr lang="en-US" smtClean="0"/>
-              <a:t>August 20, 2019</a:t>
+              <a:t>August 22, 2019</a:t>
             </a:fld>
             <a:endParaRPr lang="en-US" dirty="0"/>
           </a:p>
@@ -21334,7 +21276,7 @@
           <a:p>
             <a:fld id="{CAEF89AF-97FF-41FD-A810-843DAB910B39}" type="datetime4">
               <a:rPr lang="en-US" smtClean="0"/>
-              <a:t>August 20, 2019</a:t>
+              <a:t>August 22, 2019</a:t>
             </a:fld>
             <a:endParaRPr lang="en-US" dirty="0"/>
           </a:p>
@@ -21524,7 +21466,6 @@
               <a:rPr lang="en-US" dirty="0"/>
               <a:t>1-09</a:t>
             </a:r>
-            <a:endParaRPr lang="en-US" dirty="0"/>
           </a:p>
         </p:txBody>
       </p:sp>
@@ -21623,7 +21564,6 @@
               <a:rPr lang="en-US" dirty="0" smtClean="0"/>
               <a:t> function. </a:t>
             </a:r>
-            <a:endParaRPr lang="en-US" dirty="0" smtClean="0"/>
           </a:p>
           <a:p>
             <a:pPr lvl="1"/>
@@ -21698,7 +21638,6 @@
               <a:rPr lang="en-US" dirty="0"/>
               <a:t>()</a:t>
             </a:r>
-            <a:endParaRPr lang="en-US" dirty="0"/>
           </a:p>
         </p:txBody>
       </p:sp>
@@ -21765,7 +21704,7 @@
           <a:p>
             <a:fld id="{CAEF89AF-97FF-41FD-A810-843DAB910B39}" type="datetime4">
               <a:rPr lang="en-US" smtClean="0"/>
-              <a:t>August 20, 2019</a:t>
+              <a:t>August 22, 2019</a:t>
             </a:fld>
             <a:endParaRPr lang="en-US" dirty="0"/>
           </a:p>
@@ -21913,7 +21852,7 @@
           <a:p>
             <a:fld id="{CDB6A48C-7D50-4342-AD40-34A91176B866}" type="datetime4">
               <a:rPr lang="en-US" smtClean="0"/>
-              <a:t>August 19, 2019</a:t>
+              <a:t>August 22, 2019</a:t>
             </a:fld>
             <a:endParaRPr lang="en-US" dirty="0"/>
           </a:p>
@@ -22176,7 +22115,7 @@
           <a:p>
             <a:fld id="{CAEF89AF-97FF-41FD-A810-843DAB910B39}" type="datetime4">
               <a:rPr lang="en-US" smtClean="0"/>
-              <a:t>August 20, 2019</a:t>
+              <a:t>August 22, 2019</a:t>
             </a:fld>
             <a:endParaRPr lang="en-US" dirty="0"/>
           </a:p>
@@ -22454,11 +22393,7 @@
           <a:p>
             <a:r>
               <a:rPr lang="en-US" sz="2400" dirty="0" smtClean="0"/>
-              <a:t>HTML recommended. </a:t>
-            </a:r>
-            <a:r>
-              <a:rPr lang="en-US" sz="2400" dirty="0" smtClean="0"/>
-              <a:t> </a:t>
+              <a:t>HTML recommended.  </a:t>
             </a:r>
           </a:p>
           <a:p>
@@ -22532,7 +22467,7 @@
           <a:p>
             <a:fld id="{CAEF89AF-97FF-41FD-A810-843DAB910B39}" type="datetime4">
               <a:rPr lang="en-US" smtClean="0"/>
-              <a:t>August 20, 2019</a:t>
+              <a:t>August 22, 2019</a:t>
             </a:fld>
             <a:endParaRPr lang="en-US" dirty="0"/>
           </a:p>
@@ -23129,7 +23064,7 @@
           <a:p>
             <a:fld id="{58C37697-90A4-4007-8C23-BAAA588B27B3}" type="datetime4">
               <a:rPr lang="en-US" smtClean="0"/>
-              <a:t>August 19, 2019</a:t>
+              <a:t>August 22, 2019</a:t>
             </a:fld>
             <a:endParaRPr lang="en-US" dirty="0"/>
           </a:p>
@@ -23330,11 +23265,7 @@
           <a:p>
             <a:r>
               <a:rPr lang="en-US" dirty="0" smtClean="0"/>
-              <a:t>Hiding </a:t>
-            </a:r>
-            <a:r>
-              <a:rPr lang="en-US" dirty="0" smtClean="0"/>
-              <a:t>Items</a:t>
+              <a:t>Hiding Items</a:t>
             </a:r>
             <a:br>
               <a:rPr lang="en-US" dirty="0" smtClean="0"/>
@@ -23532,7 +23463,7 @@
           <a:p>
             <a:fld id="{CAEF89AF-97FF-41FD-A810-843DAB910B39}" type="datetime4">
               <a:rPr lang="en-US" smtClean="0"/>
-              <a:t>August 20, 2019</a:t>
+              <a:t>August 22, 2019</a:t>
             </a:fld>
             <a:endParaRPr lang="en-US" dirty="0"/>
           </a:p>
@@ -23716,7 +23647,7 @@
           <a:p>
             <a:fld id="{CAEF89AF-97FF-41FD-A810-843DAB910B39}" type="datetime4">
               <a:rPr lang="en-US" smtClean="0"/>
-              <a:t>August 20, 2019</a:t>
+              <a:t>August 22, 2019</a:t>
             </a:fld>
             <a:endParaRPr lang="en-US" dirty="0"/>
           </a:p>
@@ -24002,33 +23933,74 @@
         </p:nvSpPr>
         <p:spPr/>
         <p:txBody>
-          <a:bodyPr/>
-          <a:lstStyle/>
-          <a:p>
-            <a:r>
-              <a:rPr lang="en-US" dirty="0" smtClean="0"/>
-              <a:t>“Server” may refer to the server section of the app. </a:t>
-            </a:r>
-          </a:p>
-          <a:p>
-            <a:r>
-              <a:rPr lang="en-US" dirty="0" smtClean="0"/>
+          <a:bodyPr>
+            <a:normAutofit/>
+          </a:bodyPr>
+          <a:lstStyle/>
+          <a:p>
+            <a:pPr marL="514350" indent="-514350">
+              <a:buFont typeface="+mj-lt"/>
+              <a:buAutoNum type="arabicPeriod"/>
+            </a:pPr>
+            <a:r>
+              <a:rPr lang="en-US" sz="2800" dirty="0" smtClean="0"/>
+              <a:t>“</a:t>
+            </a:r>
+            <a:r>
+              <a:rPr lang="en-US" sz="2800" dirty="0" smtClean="0"/>
+              <a:t>Server” may refer to the server section of the app. </a:t>
+            </a:r>
+          </a:p>
+          <a:p>
+            <a:pPr marL="514350" indent="-514350">
+              <a:buFont typeface="+mj-lt"/>
+              <a:buAutoNum type="arabicPeriod"/>
+            </a:pPr>
+            <a:r>
+              <a:rPr lang="en-US" sz="2800" dirty="0" smtClean="0"/>
               <a:t>“Shiny Server” may mean an actual web server that hosts shiny apps. </a:t>
             </a:r>
           </a:p>
           <a:p>
             <a:pPr lvl="1"/>
             <a:r>
-              <a:rPr lang="en-US" dirty="0" smtClean="0"/>
+              <a:rPr lang="en-US" sz="2400" dirty="0" smtClean="0"/>
               <a:t>Topics of deployment will be covered tomorrow. </a:t>
             </a:r>
-          </a:p>
-          <a:p>
-            <a:r>
-              <a:rPr lang="en-US" dirty="0" smtClean="0"/>
-              <a:t>You have to know the context for knowing which one means. </a:t>
-            </a:r>
-            <a:endParaRPr lang="en-US" dirty="0"/>
+            <a:endParaRPr lang="en-US" sz="2400" dirty="0" smtClean="0"/>
+          </a:p>
+          <a:p>
+            <a:pPr lvl="1"/>
+            <a:endParaRPr lang="en-US" sz="2400" dirty="0" smtClean="0"/>
+          </a:p>
+          <a:p>
+            <a:r>
+              <a:rPr lang="en-US" sz="2800" dirty="0" smtClean="0"/>
+              <a:t>You have to know the context for knowing </a:t>
+            </a:r>
+            <a:r>
+              <a:rPr lang="en-US" sz="2800" dirty="0" smtClean="0"/>
+              <a:t>which. </a:t>
+            </a:r>
+          </a:p>
+          <a:p>
+            <a:pPr lvl="1"/>
+            <a:r>
+              <a:rPr lang="en-US" sz="2400" dirty="0" smtClean="0"/>
+              <a:t>We’ll talk more about (1) today. </a:t>
+            </a:r>
+          </a:p>
+          <a:p>
+            <a:pPr lvl="1"/>
+            <a:r>
+              <a:rPr lang="en-US" sz="2400" dirty="0" smtClean="0"/>
+              <a:t>We’ll talk more about (2) tomorrow. </a:t>
+            </a:r>
+            <a:endParaRPr lang="en-US" sz="2400" dirty="0" smtClean="0"/>
+          </a:p>
+          <a:p>
+            <a:pPr lvl="1"/>
+            <a:endParaRPr lang="en-US" sz="2400" dirty="0"/>
           </a:p>
         </p:txBody>
       </p:sp>
@@ -24095,7 +24067,7 @@
           <a:p>
             <a:fld id="{CAEF89AF-97FF-41FD-A810-843DAB910B39}" type="datetime4">
               <a:rPr lang="en-US" smtClean="0"/>
-              <a:t>August 19, 2019</a:t>
+              <a:t>August 22, 2019</a:t>
             </a:fld>
             <a:endParaRPr lang="en-US" dirty="0"/>
           </a:p>
@@ -24242,7 +24214,7 @@
           <a:p>
             <a:fld id="{CAEF89AF-97FF-41FD-A810-843DAB910B39}" type="datetime4">
               <a:rPr lang="en-US" smtClean="0"/>
-              <a:t>August 19, 2019</a:t>
+              <a:t>August 22, 2019</a:t>
             </a:fld>
             <a:endParaRPr lang="en-US" dirty="0"/>
           </a:p>
@@ -24409,7 +24381,7 @@
           <a:p>
             <a:fld id="{58C37697-90A4-4007-8C23-BAAA588B27B3}" type="datetime4">
               <a:rPr lang="en-US" smtClean="0"/>
-              <a:t>August 19, 2019</a:t>
+              <a:t>August 22, 2019</a:t>
             </a:fld>
             <a:endParaRPr lang="en-US" dirty="0"/>
           </a:p>
@@ -24528,11 +24500,7 @@
           <a:p>
             <a:r>
               <a:rPr lang="en-US" sz="2000" dirty="0" smtClean="0"/>
-              <a:t>Many examples online will have everything in one script </a:t>
-            </a:r>
-            <a:r>
-              <a:rPr lang="en-US" sz="2000" dirty="0" smtClean="0"/>
-              <a:t>called </a:t>
+              <a:t>Many examples online will have everything in one script called </a:t>
             </a:r>
             <a:r>
               <a:rPr lang="en-US" sz="2000" dirty="0" err="1" smtClean="0"/>
@@ -24542,7 +24510,6 @@
               <a:rPr lang="en-US" sz="2000" dirty="0" smtClean="0"/>
               <a:t>. </a:t>
             </a:r>
-            <a:endParaRPr lang="en-US" sz="2000" dirty="0" smtClean="0"/>
           </a:p>
           <a:p>
             <a:pPr lvl="1"/>
@@ -24571,17 +24538,8 @@
             <a:pPr lvl="1"/>
             <a:r>
               <a:rPr lang="en-US" sz="1800" dirty="0" smtClean="0"/>
-              <a:t>For </a:t>
-            </a:r>
-            <a:r>
-              <a:rPr lang="en-US" sz="1800" dirty="0" smtClean="0"/>
-              <a:t>a small app, it’s easy to </a:t>
-            </a:r>
-            <a:r>
-              <a:rPr lang="en-US" sz="1800" dirty="0" smtClean="0"/>
-              <a:t>see everything. </a:t>
-            </a:r>
-            <a:endParaRPr lang="en-US" sz="1800" dirty="0" smtClean="0"/>
+              <a:t>For a small app, it’s easy to see everything. </a:t>
+            </a:r>
           </a:p>
           <a:p>
             <a:endParaRPr lang="en-US" sz="1200" dirty="0" smtClean="0"/>
@@ -24632,7 +24590,6 @@
               <a:rPr lang="en-US" sz="2000" dirty="0" smtClean="0"/>
               <a:t>All these 3 files needs to be in a same folder. </a:t>
             </a:r>
-            <a:endParaRPr lang="en-US" sz="2000" dirty="0" smtClean="0"/>
           </a:p>
           <a:p>
             <a:pPr lvl="1"/>
@@ -24658,7 +24615,7 @@
             </a:r>
             <a:r>
               <a:rPr lang="en-US" sz="1800" dirty="0" err="1" smtClean="0"/>
-              <a:t>Rstudio</a:t>
+              <a:t>RStudio</a:t>
             </a:r>
             <a:r>
               <a:rPr lang="en-US" sz="1800" dirty="0" smtClean="0"/>
@@ -24740,7 +24697,7 @@
           <a:p>
             <a:fld id="{CAEF89AF-97FF-41FD-A810-843DAB910B39}" type="datetime4">
               <a:rPr lang="en-US" smtClean="0"/>
-              <a:t>August 19, 2019</a:t>
+              <a:t>August 22, 2019</a:t>
             </a:fld>
             <a:endParaRPr lang="en-US" dirty="0"/>
           </a:p>
@@ -24934,7 +24891,7 @@
           <a:p>
             <a:fld id="{CAEF89AF-97FF-41FD-A810-843DAB910B39}" type="datetime4">
               <a:rPr lang="en-US" smtClean="0"/>
-              <a:t>August 19, 2019</a:t>
+              <a:t>August 22, 2019</a:t>
             </a:fld>
             <a:endParaRPr lang="en-US" dirty="0"/>
           </a:p>
@@ -25421,11 +25378,7 @@
             </a:r>
             <a:r>
               <a:rPr lang="en-US" sz="1200" dirty="0" smtClean="0"/>
-              <a:t> requests</a:t>
-            </a:r>
-            <a:r>
-              <a:rPr lang="en-US" sz="1200" dirty="0" smtClean="0"/>
-              <a:t> “</a:t>
+              <a:t> requests “</a:t>
             </a:r>
             <a:r>
               <a:rPr lang="en-US" sz="1200" dirty="0" err="1" smtClean="0"/>
@@ -25726,27 +25679,7 @@
             </a:r>
             <a:r>
               <a:rPr lang="en-US" dirty="0" smtClean="0"/>
-              <a:t> </a:t>
-            </a:r>
-            <a:r>
-              <a:rPr lang="en-US" dirty="0" smtClean="0"/>
-              <a:t>requests * when it encounters *Output</a:t>
-            </a:r>
-            <a:r>
-              <a:rPr lang="en-US" dirty="0" smtClean="0"/>
-              <a:t>(). </a:t>
-            </a:r>
-            <a:r>
-              <a:rPr lang="en-US" dirty="0" smtClean="0"/>
-              <a:t>The s</a:t>
-            </a:r>
-            <a:r>
-              <a:rPr lang="en-US" dirty="0" smtClean="0"/>
-              <a:t>erver </a:t>
-            </a:r>
-            <a:r>
-              <a:rPr lang="en-US" dirty="0" smtClean="0"/>
-              <a:t>returns </a:t>
+              <a:t> requests * when it encounters *Output(). The server returns </a:t>
             </a:r>
             <a:r>
               <a:rPr lang="en-US" dirty="0"/>
@@ -25754,15 +25687,7 @@
             </a:r>
             <a:r>
               <a:rPr lang="en-US" dirty="0" smtClean="0"/>
-              <a:t>utput</a:t>
-            </a:r>
-            <a:r>
-              <a:rPr lang="en-US" dirty="0" smtClean="0"/>
-              <a:t>$* of a corresponding data </a:t>
-            </a:r>
-            <a:r>
-              <a:rPr lang="en-US" dirty="0" smtClean="0"/>
-              <a:t>type, </a:t>
+              <a:t>utput$* of a corresponding data type, </a:t>
             </a:r>
             <a:r>
               <a:rPr lang="en-US" dirty="0"/>
@@ -25772,7 +25697,6 @@
               <a:rPr lang="en-US" dirty="0" smtClean="0"/>
               <a:t>*().</a:t>
             </a:r>
-            <a:endParaRPr lang="en-US" dirty="0" smtClean="0"/>
           </a:p>
           <a:p>
             <a:endParaRPr lang="en-US" sz="1900" dirty="0"/>
@@ -25789,7 +25713,6 @@
               <a:rPr lang="en-US" sz="2500" dirty="0" smtClean="0"/>
               <a:t>Cheat Sheet</a:t>
             </a:r>
-            <a:endParaRPr lang="en-US" sz="2500" dirty="0" smtClean="0"/>
           </a:p>
           <a:p>
             <a:pPr lvl="1"/>
@@ -25889,7 +25812,7 @@
           <a:p>
             <a:fld id="{CAEF89AF-97FF-41FD-A810-843DAB910B39}" type="datetime4">
               <a:rPr lang="en-US" smtClean="0"/>
-              <a:t>August 19, 2019</a:t>
+              <a:t>August 22, 2019</a:t>
             </a:fld>
             <a:endParaRPr lang="en-US" dirty="0"/>
           </a:p>

--- a/Day 1.pptx
+++ b/Day 1.pptx
@@ -268,7 +268,7 @@
           <a:p>
             <a:fld id="{909AFCF1-7F48-4D21-8D27-97E9804428B6}" type="datetimeFigureOut">
               <a:rPr lang="en-US" smtClean="0"/>
-              <a:t>8/22/2019</a:t>
+              <a:t>8/26/2019</a:t>
             </a:fld>
             <a:endParaRPr lang="en-US"/>
           </a:p>
@@ -332,38 +332,37 @@
           <a:p>
             <a:pPr lvl="0"/>
             <a:r>
-              <a:rPr lang="en-US" smtClean="0"/>
+              <a:rPr lang="en-US"/>
               <a:t>Click to edit Master text styles</a:t>
             </a:r>
           </a:p>
           <a:p>
             <a:pPr lvl="1"/>
             <a:r>
-              <a:rPr lang="en-US" smtClean="0"/>
+              <a:rPr lang="en-US"/>
               <a:t>Second level</a:t>
             </a:r>
           </a:p>
           <a:p>
             <a:pPr lvl="2"/>
             <a:r>
-              <a:rPr lang="en-US" smtClean="0"/>
+              <a:rPr lang="en-US"/>
               <a:t>Third level</a:t>
             </a:r>
           </a:p>
           <a:p>
             <a:pPr lvl="3"/>
             <a:r>
-              <a:rPr lang="en-US" smtClean="0"/>
+              <a:rPr lang="en-US"/>
               <a:t>Fourth level</a:t>
             </a:r>
           </a:p>
           <a:p>
             <a:pPr lvl="4"/>
             <a:r>
-              <a:rPr lang="en-US" smtClean="0"/>
+              <a:rPr lang="en-US"/>
               <a:t>Fifth level</a:t>
             </a:r>
-            <a:endParaRPr lang="en-US"/>
           </a:p>
         </p:txBody>
       </p:sp>
@@ -574,10 +573,9 @@
           <a:lstStyle/>
           <a:p>
             <a:r>
-              <a:rPr lang="en-US" smtClean="0"/>
+              <a:rPr lang="en-US"/>
               <a:t>Click to edit Master title style</a:t>
             </a:r>
-            <a:endParaRPr lang="en-US"/>
           </a:p>
         </p:txBody>
       </p:sp>
@@ -693,10 +691,9 @@
           </a:lstStyle>
           <a:p>
             <a:r>
-              <a:rPr lang="en-US" smtClean="0"/>
+              <a:rPr lang="en-US"/>
               <a:t>Click to edit Master subtitle style</a:t>
             </a:r>
-            <a:endParaRPr lang="en-US"/>
           </a:p>
         </p:txBody>
       </p:sp>
@@ -717,7 +714,7 @@
           <a:p>
             <a:fld id="{A17B4B1F-9ADE-4FEE-88FC-832835B49A13}" type="datetime4">
               <a:rPr lang="en-US" smtClean="0"/>
-              <a:t>August 22, 2019</a:t>
+              <a:t>August 26, 2019</a:t>
             </a:fld>
             <a:endParaRPr lang="en-US" dirty="0"/>
           </a:p>
@@ -846,10 +843,9 @@
           </a:lstStyle>
           <a:p>
             <a:r>
-              <a:rPr lang="en-US" dirty="0" smtClean="0"/>
+              <a:rPr lang="en-US" dirty="0"/>
               <a:t>CONFIDENTIAL &amp; PROPRIETARY</a:t>
             </a:r>
-            <a:endParaRPr lang="en-US" dirty="0"/>
           </a:p>
         </p:txBody>
       </p:sp>
@@ -904,7 +900,7 @@
           <a:lstStyle/>
           <a:p>
             <a:r>
-              <a:rPr lang="en-US" smtClean="0"/>
+              <a:rPr lang="en-US"/>
               <a:t>Click to edit Master title style</a:t>
             </a:r>
             <a:endParaRPr lang="en-US" dirty="0"/>
@@ -928,35 +924,35 @@
           <a:p>
             <a:pPr lvl="0"/>
             <a:r>
-              <a:rPr lang="en-US" smtClean="0"/>
+              <a:rPr lang="en-US"/>
               <a:t>Edit Master text styles</a:t>
             </a:r>
           </a:p>
           <a:p>
             <a:pPr lvl="1"/>
             <a:r>
-              <a:rPr lang="en-US" smtClean="0"/>
+              <a:rPr lang="en-US"/>
               <a:t>Second level</a:t>
             </a:r>
           </a:p>
           <a:p>
             <a:pPr lvl="2"/>
             <a:r>
-              <a:rPr lang="en-US" smtClean="0"/>
+              <a:rPr lang="en-US"/>
               <a:t>Third level</a:t>
             </a:r>
           </a:p>
           <a:p>
             <a:pPr lvl="3"/>
             <a:r>
-              <a:rPr lang="en-US" smtClean="0"/>
+              <a:rPr lang="en-US"/>
               <a:t>Fourth level</a:t>
             </a:r>
           </a:p>
           <a:p>
             <a:pPr lvl="4"/>
             <a:r>
-              <a:rPr lang="en-US" smtClean="0"/>
+              <a:rPr lang="en-US"/>
               <a:t>Fifth level</a:t>
             </a:r>
             <a:endParaRPr lang="en-US" dirty="0"/>
@@ -1086,10 +1082,9 @@
           </a:lstStyle>
           <a:p>
             <a:r>
-              <a:rPr lang="en-US" dirty="0" smtClean="0"/>
+              <a:rPr lang="en-US" dirty="0"/>
               <a:t>CONFIDENTIAL &amp; PROPRIETARY</a:t>
             </a:r>
-            <a:endParaRPr lang="en-US" dirty="0"/>
           </a:p>
         </p:txBody>
       </p:sp>
@@ -1115,7 +1110,7 @@
           <a:p>
             <a:fld id="{CAEF89AF-97FF-41FD-A810-843DAB910B39}" type="datetime4">
               <a:rPr lang="en-US" smtClean="0"/>
-              <a:t>August 22, 2019</a:t>
+              <a:t>August 26, 2019</a:t>
             </a:fld>
             <a:endParaRPr lang="en-US" dirty="0"/>
           </a:p>
@@ -1182,10 +1177,9 @@
           </a:lstStyle>
           <a:p>
             <a:r>
-              <a:rPr lang="en-US" dirty="0" smtClean="0"/>
+              <a:rPr lang="en-US" dirty="0"/>
               <a:t>Click to edit Master SUB title style</a:t>
             </a:r>
-            <a:endParaRPr lang="en-US" dirty="0"/>
           </a:p>
         </p:txBody>
       </p:sp>
@@ -1302,7 +1296,7 @@
           <a:p>
             <a:pPr lvl="0"/>
             <a:r>
-              <a:rPr lang="en-US" dirty="0" smtClean="0"/>
+              <a:rPr lang="en-US" dirty="0"/>
               <a:t>Click to edit Master title styles</a:t>
             </a:r>
           </a:p>
@@ -1431,10 +1425,9 @@
           </a:lstStyle>
           <a:p>
             <a:r>
-              <a:rPr lang="en-US" dirty="0" smtClean="0"/>
+              <a:rPr lang="en-US" dirty="0"/>
               <a:t>CONFIDENTIAL &amp; PROPRIETARY</a:t>
             </a:r>
-            <a:endParaRPr lang="en-US" dirty="0"/>
           </a:p>
         </p:txBody>
       </p:sp>
@@ -1460,7 +1453,7 @@
           <a:p>
             <a:fld id="{58C37697-90A4-4007-8C23-BAAA588B27B3}" type="datetime4">
               <a:rPr lang="en-US" smtClean="0"/>
-              <a:t>August 22, 2019</a:t>
+              <a:t>August 26, 2019</a:t>
             </a:fld>
             <a:endParaRPr lang="en-US" dirty="0"/>
           </a:p>
@@ -1517,7 +1510,7 @@
           <a:lstStyle/>
           <a:p>
             <a:r>
-              <a:rPr lang="en-US" smtClean="0"/>
+              <a:rPr lang="en-US"/>
               <a:t>Click to edit Master title style</a:t>
             </a:r>
             <a:endParaRPr lang="en-US" dirty="0"/>
@@ -1574,38 +1567,37 @@
           <a:p>
             <a:pPr lvl="0"/>
             <a:r>
-              <a:rPr lang="en-US" smtClean="0"/>
+              <a:rPr lang="en-US"/>
               <a:t>Edit Master text styles</a:t>
             </a:r>
           </a:p>
           <a:p>
             <a:pPr lvl="1"/>
             <a:r>
-              <a:rPr lang="en-US" smtClean="0"/>
+              <a:rPr lang="en-US"/>
               <a:t>Second level</a:t>
             </a:r>
           </a:p>
           <a:p>
             <a:pPr lvl="2"/>
             <a:r>
-              <a:rPr lang="en-US" smtClean="0"/>
+              <a:rPr lang="en-US"/>
               <a:t>Third level</a:t>
             </a:r>
           </a:p>
           <a:p>
             <a:pPr lvl="3"/>
             <a:r>
-              <a:rPr lang="en-US" smtClean="0"/>
+              <a:rPr lang="en-US"/>
               <a:t>Fourth level</a:t>
             </a:r>
           </a:p>
           <a:p>
             <a:pPr lvl="4"/>
             <a:r>
-              <a:rPr lang="en-US" smtClean="0"/>
+              <a:rPr lang="en-US"/>
               <a:t>Fifth level</a:t>
             </a:r>
-            <a:endParaRPr lang="en-US"/>
           </a:p>
         </p:txBody>
       </p:sp>
@@ -1659,38 +1651,37 @@
           <a:p>
             <a:pPr lvl="0"/>
             <a:r>
-              <a:rPr lang="en-US" smtClean="0"/>
+              <a:rPr lang="en-US"/>
               <a:t>Edit Master text styles</a:t>
             </a:r>
           </a:p>
           <a:p>
             <a:pPr lvl="1"/>
             <a:r>
-              <a:rPr lang="en-US" smtClean="0"/>
+              <a:rPr lang="en-US"/>
               <a:t>Second level</a:t>
             </a:r>
           </a:p>
           <a:p>
             <a:pPr lvl="2"/>
             <a:r>
-              <a:rPr lang="en-US" smtClean="0"/>
+              <a:rPr lang="en-US"/>
               <a:t>Third level</a:t>
             </a:r>
           </a:p>
           <a:p>
             <a:pPr lvl="3"/>
             <a:r>
-              <a:rPr lang="en-US" smtClean="0"/>
+              <a:rPr lang="en-US"/>
               <a:t>Fourth level</a:t>
             </a:r>
           </a:p>
           <a:p>
             <a:pPr lvl="4"/>
             <a:r>
-              <a:rPr lang="en-US" smtClean="0"/>
+              <a:rPr lang="en-US"/>
               <a:t>Fifth level</a:t>
             </a:r>
-            <a:endParaRPr lang="en-US"/>
           </a:p>
         </p:txBody>
       </p:sp>
@@ -1817,10 +1808,9 @@
           </a:lstStyle>
           <a:p>
             <a:r>
-              <a:rPr lang="en-US" dirty="0" smtClean="0"/>
+              <a:rPr lang="en-US" dirty="0"/>
               <a:t>CONFIDENTIAL &amp; PROPRIETARY</a:t>
             </a:r>
-            <a:endParaRPr lang="en-US" dirty="0"/>
           </a:p>
         </p:txBody>
       </p:sp>
@@ -1846,7 +1836,7 @@
           <a:p>
             <a:fld id="{C526132D-74A4-457B-9FB6-E79DB3FA6555}" type="datetime4">
               <a:rPr lang="en-US" smtClean="0"/>
-              <a:t>August 22, 2019</a:t>
+              <a:t>August 26, 2019</a:t>
             </a:fld>
             <a:endParaRPr lang="en-US" dirty="0"/>
           </a:p>
@@ -2057,14 +2047,11 @@
           </a:lstStyle>
           <a:p>
             <a:r>
-              <a:rPr lang="en-US" sz="2400" dirty="0" smtClean="0">
+              <a:rPr lang="en-US" sz="2400" dirty="0">
                 <a:latin typeface="+mj-lt"/>
               </a:rPr>
               <a:t>SUBTITLE</a:t>
             </a:r>
-            <a:endParaRPr lang="en-US" sz="2400" dirty="0">
-              <a:latin typeface="+mj-lt"/>
-            </a:endParaRPr>
           </a:p>
         </p:txBody>
       </p:sp>
@@ -2125,7 +2112,7 @@
           <a:p>
             <a:pPr lvl="0"/>
             <a:r>
-              <a:rPr lang="en-US" smtClean="0"/>
+              <a:rPr lang="en-US"/>
               <a:t>Edit Master text styles</a:t>
             </a:r>
           </a:p>
@@ -2160,10 +2147,9 @@
           </a:lstStyle>
           <a:p>
             <a:r>
-              <a:rPr lang="en-US" dirty="0" smtClean="0"/>
+              <a:rPr lang="en-US" dirty="0"/>
               <a:t>CONFIDENTIAL &amp; PROPRIETARY</a:t>
             </a:r>
-            <a:endParaRPr lang="en-US" dirty="0"/>
           </a:p>
         </p:txBody>
       </p:sp>
@@ -2189,7 +2175,7 @@
           <a:p>
             <a:fld id="{6A0291C7-F608-4246-89E2-5DBB54EDEF09}" type="datetime4">
               <a:rPr lang="en-US" smtClean="0"/>
-              <a:t>August 22, 2019</a:t>
+              <a:t>August 26, 2019</a:t>
             </a:fld>
             <a:endParaRPr lang="en-US" dirty="0"/>
           </a:p>
@@ -2227,7 +2213,7 @@
           </a:lstStyle>
           <a:p>
             <a:r>
-              <a:rPr lang="en-US" sz="4000" dirty="0" smtClean="0">
+              <a:rPr lang="en-US" sz="4000" dirty="0">
                 <a:latin typeface="+mj-lt"/>
               </a:rPr>
               <a:t>Title</a:t>
@@ -2284,10 +2270,9 @@
           <a:lstStyle/>
           <a:p>
             <a:r>
-              <a:rPr lang="en-US" dirty="0" smtClean="0"/>
+              <a:rPr lang="en-US" dirty="0"/>
               <a:t>CONFIDENTIAL &amp; PROPRIETARY</a:t>
             </a:r>
-            <a:endParaRPr lang="en-US" dirty="0"/>
           </a:p>
         </p:txBody>
       </p:sp>
@@ -2367,7 +2352,7 @@
           <a:p>
             <a:fld id="{4D013C2E-F697-4ACF-9974-2B7ED63A336A}" type="datetime4">
               <a:rPr lang="en-US" smtClean="0"/>
-              <a:t>August 22, 2019</a:t>
+              <a:t>August 26, 2019</a:t>
             </a:fld>
             <a:endParaRPr lang="en-US" dirty="0"/>
           </a:p>
@@ -2510,7 +2495,7 @@
           <a:lstStyle/>
           <a:p>
             <a:r>
-              <a:rPr lang="en-US" smtClean="0"/>
+              <a:rPr lang="en-US"/>
               <a:t>Click to edit Master title style</a:t>
             </a:r>
             <a:endParaRPr lang="en-US" dirty="0"/>
@@ -2544,35 +2529,35 @@
           <a:p>
             <a:pPr lvl="0"/>
             <a:r>
-              <a:rPr lang="en-US" smtClean="0"/>
+              <a:rPr lang="en-US"/>
               <a:t>Edit Master text styles</a:t>
             </a:r>
           </a:p>
           <a:p>
             <a:pPr lvl="1"/>
             <a:r>
-              <a:rPr lang="en-US" smtClean="0"/>
+              <a:rPr lang="en-US"/>
               <a:t>Second level</a:t>
             </a:r>
           </a:p>
           <a:p>
             <a:pPr lvl="2"/>
             <a:r>
-              <a:rPr lang="en-US" smtClean="0"/>
+              <a:rPr lang="en-US"/>
               <a:t>Third level</a:t>
             </a:r>
           </a:p>
           <a:p>
             <a:pPr lvl="3"/>
             <a:r>
-              <a:rPr lang="en-US" smtClean="0"/>
+              <a:rPr lang="en-US"/>
               <a:t>Fourth level</a:t>
             </a:r>
           </a:p>
           <a:p>
             <a:pPr lvl="4"/>
             <a:r>
-              <a:rPr lang="en-US" smtClean="0"/>
+              <a:rPr lang="en-US"/>
               <a:t>Fifth level</a:t>
             </a:r>
             <a:endParaRPr lang="en-US" dirty="0"/>
@@ -2612,7 +2597,7 @@
           <a:p>
             <a:fld id="{D4335327-653A-45BD-A8A4-D16B8D9BB63F}" type="datetime4">
               <a:rPr lang="en-US" smtClean="0"/>
-              <a:t>August 22, 2019</a:t>
+              <a:t>August 26, 2019</a:t>
             </a:fld>
             <a:endParaRPr lang="en-US" dirty="0"/>
           </a:p>
@@ -2650,10 +2635,9 @@
           </a:lstStyle>
           <a:p>
             <a:r>
-              <a:rPr lang="en-US" dirty="0" smtClean="0"/>
+              <a:rPr lang="en-US" dirty="0"/>
               <a:t>CONFIDENTIAL &amp; PROPRIETARY</a:t>
             </a:r>
-            <a:endParaRPr lang="en-US" dirty="0"/>
           </a:p>
         </p:txBody>
       </p:sp>
@@ -3000,17 +2984,16 @@
           <a:lstStyle/>
           <a:p>
             <a:r>
-              <a:rPr lang="en-US" dirty="0" smtClean="0"/>
+              <a:rPr lang="en-US" dirty="0"/>
               <a:t>Shiny Workshop</a:t>
             </a:r>
             <a:br>
-              <a:rPr lang="en-US" dirty="0" smtClean="0"/>
+              <a:rPr lang="en-US" dirty="0"/>
             </a:br>
             <a:r>
-              <a:rPr lang="en-US" dirty="0" smtClean="0"/>
+              <a:rPr lang="en-US" dirty="0"/>
               <a:t>Day 1</a:t>
             </a:r>
-            <a:endParaRPr lang="en-US" dirty="0"/>
           </a:p>
         </p:txBody>
       </p:sp>
@@ -3030,16 +3013,15 @@
           <a:lstStyle/>
           <a:p>
             <a:r>
-              <a:rPr lang="en-US" dirty="0" smtClean="0"/>
+              <a:rPr lang="en-US" dirty="0"/>
               <a:t>August 27, 2019</a:t>
             </a:r>
           </a:p>
           <a:p>
             <a:r>
-              <a:rPr lang="en-US" dirty="0" smtClean="0"/>
+              <a:rPr lang="en-US" dirty="0"/>
               <a:t>TEA Analytics</a:t>
             </a:r>
-            <a:endParaRPr lang="en-US" dirty="0"/>
           </a:p>
         </p:txBody>
       </p:sp>
@@ -3053,13 +3035,6 @@
   <p:clrMapOvr>
     <a:masterClrMapping/>
   </p:clrMapOvr>
-  <p:timing>
-    <p:tnLst>
-      <p:par>
-        <p:cTn id="1" dur="indefinite" restart="never" nodeType="tmRoot"/>
-      </p:par>
-    </p:tnLst>
-  </p:timing>
 </p:sld>
 </file>
 
@@ -3098,30 +3073,30 @@
           <a:lstStyle/>
           <a:p>
             <a:r>
-              <a:rPr lang="en-US" dirty="0" smtClean="0"/>
+              <a:rPr lang="en-US" dirty="0"/>
               <a:t>‘</a:t>
             </a:r>
             <a:r>
-              <a:rPr lang="en-US" dirty="0" err="1" smtClean="0"/>
+              <a:rPr lang="en-US" dirty="0" err="1"/>
               <a:t>teadashboard</a:t>
             </a:r>
             <a:r>
-              <a:rPr lang="en-US" dirty="0" smtClean="0"/>
+              <a:rPr lang="en-US" dirty="0"/>
               <a:t>’</a:t>
             </a:r>
             <a:br>
-              <a:rPr lang="en-US" dirty="0" smtClean="0"/>
+              <a:rPr lang="en-US" dirty="0"/>
             </a:br>
             <a:r>
-              <a:rPr lang="en-US" sz="2700" dirty="0" smtClean="0"/>
+              <a:rPr lang="en-US" sz="2700" dirty="0"/>
               <a:t>TEA-version of ‘</a:t>
             </a:r>
             <a:r>
-              <a:rPr lang="en-US" sz="2700" dirty="0" err="1" smtClean="0"/>
+              <a:rPr lang="en-US" sz="2700" dirty="0" err="1"/>
               <a:t>shinydashboard</a:t>
             </a:r>
             <a:r>
-              <a:rPr lang="en-US" sz="2700" dirty="0" smtClean="0"/>
+              <a:rPr lang="en-US" sz="2700" dirty="0"/>
               <a:t>’</a:t>
             </a:r>
             <a:endParaRPr lang="en-US" dirty="0"/>
@@ -3151,74 +3126,58 @@
           <a:lstStyle/>
           <a:p>
             <a:r>
-              <a:rPr lang="en-US" sz="2800" dirty="0" smtClean="0"/>
+              <a:rPr lang="en-US" sz="2800" dirty="0"/>
               <a:t>In general, we recommend using the ‘</a:t>
             </a:r>
             <a:r>
-              <a:rPr lang="en-US" sz="2800" dirty="0" err="1" smtClean="0"/>
+              <a:rPr lang="en-US" sz="2800" dirty="0" err="1"/>
               <a:t>teadashboard</a:t>
             </a:r>
             <a:r>
-              <a:rPr lang="en-US" sz="2800" dirty="0" smtClean="0"/>
+              <a:rPr lang="en-US" sz="2800" dirty="0"/>
               <a:t>.’ </a:t>
             </a:r>
           </a:p>
           <a:p>
             <a:r>
-              <a:rPr lang="en-US" sz="2800" dirty="0" smtClean="0"/>
+              <a:rPr lang="en-US" sz="2800" dirty="0"/>
               <a:t>All functionalities are the same with </a:t>
             </a:r>
             <a:r>
-              <a:rPr lang="en-US" sz="2800" dirty="0" err="1" smtClean="0"/>
+              <a:rPr lang="en-US" sz="2800" dirty="0" err="1"/>
               <a:t>shinydashboard</a:t>
             </a:r>
             <a:r>
-              <a:rPr lang="en-US" sz="2800" dirty="0" smtClean="0"/>
+              <a:rPr lang="en-US" sz="2800" dirty="0"/>
               <a:t>. </a:t>
             </a:r>
           </a:p>
           <a:p>
             <a:r>
-              <a:rPr lang="en-US" sz="2800" dirty="0" smtClean="0"/>
+              <a:rPr lang="en-US" sz="2800" dirty="0"/>
               <a:t>Open “</a:t>
             </a:r>
             <a:r>
-              <a:rPr lang="en-US" sz="2800" dirty="0" err="1" smtClean="0"/>
+              <a:rPr lang="en-US" sz="2800" dirty="0" err="1"/>
               <a:t>TheSimplest</a:t>
             </a:r>
             <a:r>
               <a:rPr lang="en-US" sz="2800" dirty="0"/>
-              <a:t>” </a:t>
-            </a:r>
-            <a:r>
-              <a:rPr lang="en-US" sz="2800" dirty="0" smtClean="0"/>
-              <a:t>template</a:t>
-            </a:r>
-            <a:r>
-              <a:rPr lang="en-US" sz="2800" dirty="0"/>
-              <a:t> </a:t>
-            </a:r>
-            <a:r>
-              <a:rPr lang="en-US" sz="2800" dirty="0" smtClean="0"/>
-              <a:t>and run it. </a:t>
+              <a:t>” template and run it. </a:t>
             </a:r>
           </a:p>
           <a:p>
             <a:pPr lvl="1"/>
             <a:r>
               <a:rPr lang="en-US" sz="2400" dirty="0"/>
-              <a:t>T</a:t>
-            </a:r>
-            <a:r>
-              <a:rPr lang="en-US" sz="2400" dirty="0" smtClean="0"/>
-              <a:t>he </a:t>
-            </a:r>
-            <a:r>
-              <a:rPr lang="en-US" sz="2400" dirty="0" err="1" smtClean="0"/>
+              <a:t>The </a:t>
+            </a:r>
+            <a:r>
+              <a:rPr lang="en-US" sz="2400" dirty="0" err="1"/>
               <a:t>RunApp</a:t>
             </a:r>
             <a:r>
-              <a:rPr lang="en-US" sz="2400" dirty="0" smtClean="0"/>
+              <a:rPr lang="en-US" sz="2400" dirty="0"/>
               <a:t> button. </a:t>
             </a:r>
           </a:p>
@@ -3226,10 +3185,10 @@
             <a:pPr marL="0" indent="0">
               <a:buNone/>
             </a:pPr>
-            <a:endParaRPr lang="en-US" sz="2800" dirty="0" smtClean="0"/>
-          </a:p>
-          <a:p>
-            <a:endParaRPr lang="en-US" sz="2800" dirty="0" smtClean="0"/>
+            <a:endParaRPr lang="en-US" sz="2800" dirty="0"/>
+          </a:p>
+          <a:p>
+            <a:endParaRPr lang="en-US" sz="2800" dirty="0"/>
           </a:p>
           <a:p>
             <a:endParaRPr lang="en-US" sz="2800" dirty="0"/>
@@ -3275,7 +3234,7 @@
           <a:lstStyle/>
           <a:p>
             <a:r>
-              <a:rPr lang="en-US" smtClean="0"/>
+              <a:rPr lang="en-US"/>
               <a:t>CONFIDENTIAL &amp; PROPRIETARY</a:t>
             </a:r>
             <a:endParaRPr lang="en-US" dirty="0"/>
@@ -3299,7 +3258,7 @@
           <a:p>
             <a:fld id="{CAEF89AF-97FF-41FD-A810-843DAB910B39}" type="datetime4">
               <a:rPr lang="en-US" smtClean="0"/>
-              <a:t>August 22, 2019</a:t>
+              <a:t>August 26, 2019</a:t>
             </a:fld>
             <a:endParaRPr lang="en-US" dirty="0"/>
           </a:p>
@@ -3339,13 +3298,6 @@
   <p:clrMapOvr>
     <a:masterClrMapping/>
   </p:clrMapOvr>
-  <p:timing>
-    <p:tnLst>
-      <p:par>
-        <p:cTn id="1" dur="indefinite" restart="never" nodeType="tmRoot"/>
-      </p:par>
-    </p:tnLst>
-  </p:timing>
 </p:sld>
 </file>
 
@@ -3383,13 +3335,8 @@
           <a:p>
             <a:r>
               <a:rPr lang="en-US" dirty="0"/>
-              <a:t>Exercise </a:t>
-            </a:r>
-            <a:r>
-              <a:rPr lang="en-US" dirty="0" smtClean="0"/>
-              <a:t>1-01</a:t>
-            </a:r>
-            <a:endParaRPr lang="en-US" dirty="0"/>
+              <a:t>Exercise 1-01</a:t>
+            </a:r>
           </a:p>
         </p:txBody>
       </p:sp>
@@ -3458,7 +3405,7 @@
           <a:lstStyle/>
           <a:p>
             <a:r>
-              <a:rPr lang="en-US" smtClean="0"/>
+              <a:rPr lang="en-US"/>
               <a:t>CONFIDENTIAL &amp; PROPRIETARY</a:t>
             </a:r>
             <a:endParaRPr lang="en-US" dirty="0"/>
@@ -3482,7 +3429,7 @@
           <a:p>
             <a:fld id="{CAEF89AF-97FF-41FD-A810-843DAB910B39}" type="datetime4">
               <a:rPr lang="en-US" smtClean="0"/>
-              <a:t>August 22, 2019</a:t>
+              <a:t>August 26, 2019</a:t>
             </a:fld>
             <a:endParaRPr lang="en-US" dirty="0"/>
           </a:p>
@@ -3526,10 +3473,9 @@
           <a:p>
             <a:pPr algn="ctr"/>
             <a:r>
-              <a:rPr lang="en-US" dirty="0" smtClean="0"/>
+              <a:rPr lang="en-US" dirty="0"/>
               <a:t>Add section 1. </a:t>
             </a:r>
-            <a:endParaRPr lang="en-US" dirty="0"/>
           </a:p>
         </p:txBody>
       </p:sp>
@@ -3571,10 +3517,9 @@
           <a:p>
             <a:pPr algn="ctr"/>
             <a:r>
-              <a:rPr lang="en-US" dirty="0" smtClean="0"/>
+              <a:rPr lang="en-US" dirty="0"/>
               <a:t>Add Date range selector.</a:t>
             </a:r>
-            <a:endParaRPr lang="en-US" dirty="0"/>
           </a:p>
         </p:txBody>
       </p:sp>
@@ -3616,18 +3561,9 @@
           <a:p>
             <a:pPr algn="ctr"/>
             <a:r>
-              <a:rPr lang="en-US" dirty="0" smtClean="0"/>
-              <a:t>Add time series plot </a:t>
-            </a:r>
-            <a:r>
-              <a:rPr lang="en-US" dirty="0"/>
-              <a:t>for </a:t>
-            </a:r>
-            <a:r>
-              <a:rPr lang="en-US" dirty="0" smtClean="0"/>
-              <a:t>HistSpotMonthlyAve_SPP.csv. </a:t>
-            </a:r>
-            <a:endParaRPr lang="en-US" dirty="0"/>
+              <a:rPr lang="en-US" dirty="0"/>
+              <a:t>Add time series plot for HistSpotMonthlyAve_SPP.csv. </a:t>
+            </a:r>
           </a:p>
         </p:txBody>
       </p:sp>
@@ -3669,10 +3605,9 @@
           <a:p>
             <a:pPr algn="ctr"/>
             <a:r>
-              <a:rPr lang="en-US" dirty="0" smtClean="0"/>
+              <a:rPr lang="en-US" dirty="0"/>
               <a:t>Add a corresponding table.</a:t>
             </a:r>
-            <a:endParaRPr lang="en-US" dirty="0"/>
           </a:p>
         </p:txBody>
       </p:sp>
@@ -3938,10 +3873,9 @@
           <a:lstStyle/>
           <a:p>
             <a:r>
-              <a:rPr lang="en-US" dirty="0" smtClean="0"/>
+              <a:rPr lang="en-US" dirty="0"/>
               <a:t>Exercise: 1-01</a:t>
             </a:r>
-            <a:endParaRPr lang="en-US" dirty="0"/>
           </a:p>
         </p:txBody>
       </p:sp>
@@ -3967,7 +3901,7 @@
               <a:buAutoNum type="arabicPeriod"/>
             </a:pPr>
             <a:r>
-              <a:rPr lang="en-US" sz="2400" dirty="0" smtClean="0"/>
+              <a:rPr lang="en-US" sz="2400" dirty="0"/>
               <a:t>Run the simplest template.</a:t>
             </a:r>
           </a:p>
@@ -3977,41 +3911,41 @@
               <a:buAutoNum type="arabicPeriod"/>
             </a:pPr>
             <a:r>
-              <a:rPr lang="en-US" sz="2400" dirty="0" smtClean="0"/>
+              <a:rPr lang="en-US" sz="2400" dirty="0"/>
               <a:t>Break it down to 3 files. </a:t>
             </a:r>
           </a:p>
           <a:p>
             <a:pPr lvl="1"/>
             <a:r>
-              <a:rPr lang="en-US" sz="2000" dirty="0" smtClean="0"/>
+              <a:rPr lang="en-US" sz="2000" dirty="0"/>
               <a:t>Create a app folder. </a:t>
             </a:r>
           </a:p>
           <a:p>
             <a:pPr lvl="1"/>
             <a:r>
-              <a:rPr lang="en-US" sz="2000" dirty="0" err="1" smtClean="0"/>
+              <a:rPr lang="en-US" sz="2000" dirty="0" err="1"/>
               <a:t>Ui.r</a:t>
             </a:r>
             <a:r>
-              <a:rPr lang="en-US" sz="2000" dirty="0" smtClean="0"/>
+              <a:rPr lang="en-US" sz="2000" dirty="0"/>
               <a:t>, </a:t>
             </a:r>
             <a:r>
-              <a:rPr lang="en-US" sz="2000" dirty="0" err="1" smtClean="0"/>
+              <a:rPr lang="en-US" sz="2000" dirty="0" err="1"/>
               <a:t>server.r</a:t>
             </a:r>
             <a:r>
-              <a:rPr lang="en-US" sz="2000" dirty="0" smtClean="0"/>
+              <a:rPr lang="en-US" sz="2000" dirty="0"/>
               <a:t>, and </a:t>
             </a:r>
             <a:r>
-              <a:rPr lang="en-US" sz="2000" dirty="0" err="1" smtClean="0"/>
+              <a:rPr lang="en-US" sz="2000" dirty="0" err="1"/>
               <a:t>global.r</a:t>
             </a:r>
             <a:r>
-              <a:rPr lang="en-US" sz="2000" dirty="0" smtClean="0"/>
+              <a:rPr lang="en-US" sz="2000" dirty="0"/>
               <a:t>.</a:t>
             </a:r>
           </a:p>
@@ -4021,36 +3955,36 @@
               <a:buAutoNum type="arabicPeriod"/>
             </a:pPr>
             <a:r>
-              <a:rPr lang="en-US" sz="2400" dirty="0" smtClean="0"/>
+              <a:rPr lang="en-US" sz="2400" dirty="0"/>
               <a:t>Add the following: </a:t>
             </a:r>
           </a:p>
           <a:p>
             <a:pPr lvl="1"/>
             <a:r>
-              <a:rPr lang="en-US" sz="2000" dirty="0" smtClean="0"/>
+              <a:rPr lang="en-US" sz="2000" dirty="0"/>
               <a:t>Read in SPP data in ‘Data’ folder. </a:t>
             </a:r>
           </a:p>
           <a:p>
             <a:pPr lvl="1"/>
             <a:r>
-              <a:rPr lang="en-US" sz="2000" dirty="0" smtClean="0"/>
+              <a:rPr lang="en-US" sz="2000" dirty="0"/>
               <a:t>Add a section (</a:t>
             </a:r>
             <a:r>
-              <a:rPr lang="en-US" sz="2000" dirty="0" err="1" smtClean="0"/>
+              <a:rPr lang="en-US" sz="2000" dirty="0" err="1"/>
               <a:t>menuitem</a:t>
             </a:r>
             <a:r>
-              <a:rPr lang="en-US" sz="2000" dirty="0" smtClean="0"/>
+              <a:rPr lang="en-US" sz="2000" dirty="0"/>
               <a:t>)</a:t>
             </a:r>
           </a:p>
           <a:p>
             <a:pPr lvl="1"/>
             <a:r>
-              <a:rPr lang="en-US" sz="2000" dirty="0" smtClean="0"/>
+              <a:rPr lang="en-US" sz="2000" dirty="0"/>
               <a:t>Add a date range selector </a:t>
             </a:r>
           </a:p>
@@ -4064,34 +3998,34 @@
           <a:p>
             <a:pPr lvl="1"/>
             <a:r>
-              <a:rPr lang="en-US" sz="2000" dirty="0" smtClean="0"/>
+              <a:rPr lang="en-US" sz="2000" dirty="0"/>
               <a:t>Add a table.  </a:t>
             </a:r>
           </a:p>
           <a:p>
             <a:pPr lvl="2"/>
-            <a:endParaRPr lang="en-US" sz="1800" dirty="0" smtClean="0"/>
-          </a:p>
-          <a:p>
-            <a:r>
-              <a:rPr lang="en-US" sz="2400" dirty="0" smtClean="0"/>
+            <a:endParaRPr lang="en-US" sz="1800" dirty="0"/>
+          </a:p>
+          <a:p>
+            <a:r>
+              <a:rPr lang="en-US" sz="2400" dirty="0"/>
               <a:t>Use</a:t>
             </a:r>
           </a:p>
           <a:p>
             <a:pPr lvl="1"/>
             <a:r>
-              <a:rPr lang="en-US" sz="2000" dirty="0" smtClean="0"/>
+              <a:rPr lang="en-US" sz="2000" dirty="0"/>
               <a:t>Read.csv</a:t>
             </a:r>
           </a:p>
           <a:p>
             <a:pPr lvl="1"/>
             <a:r>
-              <a:rPr lang="en-US" sz="2000" dirty="0" err="1" smtClean="0"/>
+              <a:rPr lang="en-US" sz="2000" dirty="0" err="1"/>
               <a:t>menuItem</a:t>
             </a:r>
-            <a:endParaRPr lang="en-US" sz="2000" dirty="0" smtClean="0"/>
+            <a:endParaRPr lang="en-US" sz="2000" dirty="0"/>
           </a:p>
           <a:p>
             <a:pPr lvl="1"/>
@@ -4099,43 +4033,43 @@
               <a:rPr lang="en-US" sz="2000" dirty="0" err="1"/>
               <a:t>dateRangeInput</a:t>
             </a:r>
-            <a:endParaRPr lang="en-US" sz="2000" dirty="0" smtClean="0"/>
+            <a:endParaRPr lang="en-US" sz="2000" dirty="0"/>
           </a:p>
           <a:p>
             <a:pPr lvl="1"/>
             <a:r>
-              <a:rPr lang="en-US" sz="2000" dirty="0" err="1" smtClean="0"/>
+              <a:rPr lang="en-US" sz="2000" dirty="0" err="1"/>
               <a:t>plotOutput</a:t>
             </a:r>
             <a:r>
-              <a:rPr lang="en-US" sz="2000" dirty="0" smtClean="0"/>
+              <a:rPr lang="en-US" sz="2000" dirty="0"/>
               <a:t>/</a:t>
             </a:r>
             <a:r>
-              <a:rPr lang="en-US" sz="2000" dirty="0" err="1" smtClean="0"/>
+              <a:rPr lang="en-US" sz="2000" dirty="0" err="1"/>
               <a:t>renderPlot</a:t>
             </a:r>
-            <a:endParaRPr lang="en-US" sz="2000" dirty="0" smtClean="0"/>
+            <a:endParaRPr lang="en-US" sz="2000" dirty="0"/>
           </a:p>
           <a:p>
             <a:pPr lvl="1"/>
             <a:r>
-              <a:rPr lang="en-US" sz="2000" dirty="0" err="1" smtClean="0"/>
+              <a:rPr lang="en-US" sz="2000" dirty="0" err="1"/>
               <a:t>dataTableOutput</a:t>
             </a:r>
             <a:r>
-              <a:rPr lang="en-US" sz="2000" dirty="0" smtClean="0"/>
+              <a:rPr lang="en-US" sz="2000" dirty="0"/>
               <a:t>/</a:t>
             </a:r>
             <a:r>
-              <a:rPr lang="en-US" sz="2000" dirty="0" err="1" smtClean="0"/>
+              <a:rPr lang="en-US" sz="2000" dirty="0" err="1"/>
               <a:t>renderDataTable</a:t>
             </a:r>
             <a:endParaRPr lang="en-US" sz="2000" dirty="0"/>
           </a:p>
           <a:p>
             <a:pPr lvl="1"/>
-            <a:endParaRPr lang="en-US" sz="2000" dirty="0" smtClean="0"/>
+            <a:endParaRPr lang="en-US" sz="2000" dirty="0"/>
           </a:p>
         </p:txBody>
       </p:sp>
@@ -4178,7 +4112,7 @@
           <a:lstStyle/>
           <a:p>
             <a:r>
-              <a:rPr lang="en-US" smtClean="0"/>
+              <a:rPr lang="en-US"/>
               <a:t>CONFIDENTIAL &amp; PROPRIETARY</a:t>
             </a:r>
             <a:endParaRPr lang="en-US" dirty="0"/>
@@ -4202,7 +4136,7 @@
           <a:p>
             <a:fld id="{58C37697-90A4-4007-8C23-BAAA588B27B3}" type="datetime4">
               <a:rPr lang="en-US" smtClean="0"/>
-              <a:t>August 22, 2019</a:t>
+              <a:t>August 26, 2019</a:t>
             </a:fld>
             <a:endParaRPr lang="en-US" dirty="0"/>
           </a:p>
@@ -4218,13 +4152,6 @@
   <p:clrMapOvr>
     <a:masterClrMapping/>
   </p:clrMapOvr>
-  <p:timing>
-    <p:tnLst>
-      <p:par>
-        <p:cTn id="1" dur="indefinite" restart="never" nodeType="tmRoot"/>
-      </p:par>
-    </p:tnLst>
-  </p:timing>
 </p:sld>
 </file>
 
@@ -4262,13 +4189,8 @@
           <a:p>
             <a:r>
               <a:rPr lang="en-US" dirty="0"/>
-              <a:t>Exercise </a:t>
-            </a:r>
-            <a:r>
-              <a:rPr lang="en-US" dirty="0" smtClean="0"/>
-              <a:t>1-02</a:t>
-            </a:r>
-            <a:endParaRPr lang="en-US" dirty="0"/>
+              <a:t>Exercise 1-02</a:t>
+            </a:r>
           </a:p>
         </p:txBody>
       </p:sp>
@@ -4337,7 +4259,7 @@
           <a:lstStyle/>
           <a:p>
             <a:r>
-              <a:rPr lang="en-US" smtClean="0"/>
+              <a:rPr lang="en-US"/>
               <a:t>CONFIDENTIAL &amp; PROPRIETARY</a:t>
             </a:r>
             <a:endParaRPr lang="en-US" dirty="0"/>
@@ -4361,7 +4283,7 @@
           <a:p>
             <a:fld id="{CAEF89AF-97FF-41FD-A810-843DAB910B39}" type="datetime4">
               <a:rPr lang="en-US" smtClean="0"/>
-              <a:t>August 22, 2019</a:t>
+              <a:t>August 26, 2019</a:t>
             </a:fld>
             <a:endParaRPr lang="en-US" dirty="0"/>
           </a:p>
@@ -4405,10 +4327,9 @@
           <a:p>
             <a:pPr algn="ctr"/>
             <a:r>
-              <a:rPr lang="en-US" dirty="0" smtClean="0"/>
+              <a:rPr lang="en-US" dirty="0"/>
               <a:t>Add a selector for Market. </a:t>
             </a:r>
-            <a:endParaRPr lang="en-US" dirty="0"/>
           </a:p>
         </p:txBody>
       </p:sp>
@@ -4450,10 +4371,9 @@
           <a:p>
             <a:pPr algn="ctr"/>
             <a:r>
-              <a:rPr lang="en-US" dirty="0" smtClean="0"/>
+              <a:rPr lang="en-US" dirty="0"/>
               <a:t>Display the corresponding data.  </a:t>
             </a:r>
-            <a:endParaRPr lang="en-US" dirty="0"/>
           </a:p>
         </p:txBody>
       </p:sp>
@@ -4495,10 +4415,9 @@
           <a:p>
             <a:pPr algn="ctr"/>
             <a:r>
-              <a:rPr lang="en-US" dirty="0" smtClean="0"/>
+              <a:rPr lang="en-US" dirty="0"/>
               <a:t>All objects in boxes. </a:t>
             </a:r>
-            <a:endParaRPr lang="en-US" dirty="0"/>
           </a:p>
         </p:txBody>
       </p:sp>
@@ -4718,12 +4637,8 @@
           <a:lstStyle/>
           <a:p>
             <a:r>
-              <a:rPr lang="en-US" dirty="0" smtClean="0"/>
-              <a:t>Exercise </a:t>
-            </a:r>
-            <a:r>
-              <a:rPr lang="en-US" dirty="0"/>
-              <a:t>1-02</a:t>
+              <a:rPr lang="en-US" dirty="0"/>
+              <a:t>Exercise 1-02</a:t>
             </a:r>
           </a:p>
         </p:txBody>
@@ -4746,13 +4661,13 @@
           <a:lstStyle/>
           <a:p>
             <a:r>
-              <a:rPr lang="en-US" dirty="0" smtClean="0"/>
+              <a:rPr lang="en-US" dirty="0"/>
               <a:t>Add box() for objects in the body.</a:t>
             </a:r>
           </a:p>
           <a:p>
             <a:r>
-              <a:rPr lang="en-US" dirty="0" smtClean="0"/>
+              <a:rPr lang="en-US" dirty="0"/>
               <a:t>Make the data dependent on “market” by</a:t>
             </a:r>
           </a:p>
@@ -4762,7 +4677,7 @@
               <a:buAutoNum type="arabicPeriod"/>
             </a:pPr>
             <a:r>
-              <a:rPr lang="en-US" dirty="0" smtClean="0"/>
+              <a:rPr lang="en-US" dirty="0"/>
               <a:t>Creating an input selector for market in the sidebar and make “SPP”  and “CAISO” available. </a:t>
             </a:r>
           </a:p>
@@ -4772,7 +4687,7 @@
               <a:buAutoNum type="arabicPeriod"/>
             </a:pPr>
             <a:r>
-              <a:rPr lang="en-US" dirty="0" smtClean="0"/>
+              <a:rPr lang="en-US" dirty="0"/>
               <a:t>Creating a reactive object for data. </a:t>
             </a:r>
           </a:p>
@@ -4782,7 +4697,7 @@
               <a:buAutoNum type="arabicPeriod"/>
             </a:pPr>
             <a:r>
-              <a:rPr lang="en-US" dirty="0" smtClean="0"/>
+              <a:rPr lang="en-US" dirty="0"/>
               <a:t>Reference the reactive objects in the plot and the table. </a:t>
             </a:r>
           </a:p>
@@ -4792,34 +4707,30 @@
           </a:p>
           <a:p>
             <a:r>
-              <a:rPr lang="en-US" dirty="0" smtClean="0"/>
+              <a:rPr lang="en-US" dirty="0"/>
               <a:t>Use: </a:t>
             </a:r>
           </a:p>
           <a:p>
             <a:pPr lvl="1"/>
             <a:r>
-              <a:rPr lang="en-US" dirty="0" smtClean="0"/>
+              <a:rPr lang="en-US" dirty="0"/>
               <a:t>box</a:t>
             </a:r>
           </a:p>
           <a:p>
             <a:pPr lvl="1"/>
             <a:r>
-              <a:rPr lang="en-US" dirty="0" err="1" smtClean="0"/>
+              <a:rPr lang="en-US" dirty="0" err="1"/>
               <a:t>selectInput</a:t>
             </a:r>
-            <a:endParaRPr lang="en-US" dirty="0" smtClean="0"/>
+            <a:endParaRPr lang="en-US" dirty="0"/>
           </a:p>
           <a:p>
             <a:pPr lvl="1"/>
             <a:r>
               <a:rPr lang="en-US" dirty="0"/>
-              <a:t>r</a:t>
-            </a:r>
-            <a:r>
-              <a:rPr lang="en-US" dirty="0" smtClean="0"/>
-              <a:t>eactive</a:t>
+              <a:t>reactive</a:t>
             </a:r>
           </a:p>
         </p:txBody>
@@ -4863,7 +4774,7 @@
           <a:lstStyle/>
           <a:p>
             <a:r>
-              <a:rPr lang="en-US" smtClean="0"/>
+              <a:rPr lang="en-US"/>
               <a:t>CONFIDENTIAL &amp; PROPRIETARY</a:t>
             </a:r>
             <a:endParaRPr lang="en-US" dirty="0"/>
@@ -4887,7 +4798,7 @@
           <a:p>
             <a:fld id="{CAEF89AF-97FF-41FD-A810-843DAB910B39}" type="datetime4">
               <a:rPr lang="en-US" smtClean="0"/>
-              <a:t>August 22, 2019</a:t>
+              <a:t>August 26, 2019</a:t>
             </a:fld>
             <a:endParaRPr lang="en-US" dirty="0"/>
           </a:p>
@@ -4903,13 +4814,6 @@
   <p:clrMapOvr>
     <a:masterClrMapping/>
   </p:clrMapOvr>
-  <p:timing>
-    <p:tnLst>
-      <p:par>
-        <p:cTn id="1" dur="indefinite" restart="never" nodeType="tmRoot"/>
-      </p:par>
-    </p:tnLst>
-  </p:timing>
 </p:sld>
 </file>
 
@@ -5108,10 +5012,9 @@
           <a:lstStyle/>
           <a:p>
             <a:r>
-              <a:rPr lang="en-US" dirty="0" smtClean="0"/>
+              <a:rPr lang="en-US" dirty="0"/>
               <a:t>Reactive? </a:t>
             </a:r>
-            <a:endParaRPr lang="en-US" dirty="0"/>
           </a:p>
         </p:txBody>
       </p:sp>
@@ -5133,7 +5036,7 @@
           <a:lstStyle/>
           <a:p>
             <a:r>
-              <a:rPr lang="en-US" dirty="0" smtClean="0"/>
+              <a:rPr lang="en-US" dirty="0"/>
               <a:t>Reactive objects live in reactive environments.</a:t>
             </a:r>
           </a:p>
@@ -5141,42 +5044,42 @@
             <a:endParaRPr lang="en-US" dirty="0"/>
           </a:p>
           <a:p>
-            <a:endParaRPr lang="en-US" dirty="0" smtClean="0"/>
-          </a:p>
-          <a:p>
-            <a:r>
-              <a:rPr lang="en-US" dirty="0" smtClean="0"/>
+            <a:endParaRPr lang="en-US" dirty="0"/>
+          </a:p>
+          <a:p>
+            <a:r>
+              <a:rPr lang="en-US" dirty="0"/>
               <a:t>Reactive objects</a:t>
             </a:r>
           </a:p>
           <a:p>
             <a:pPr lvl="1"/>
             <a:r>
-              <a:rPr lang="en-US" dirty="0" err="1" smtClean="0"/>
+              <a:rPr lang="en-US" dirty="0" err="1"/>
               <a:t>Input$xxx</a:t>
             </a:r>
-            <a:endParaRPr lang="en-US" dirty="0" smtClean="0"/>
+            <a:endParaRPr lang="en-US" dirty="0"/>
           </a:p>
           <a:p>
             <a:pPr lvl="1"/>
             <a:r>
-              <a:rPr lang="en-US" dirty="0" smtClean="0"/>
+              <a:rPr lang="en-US" dirty="0"/>
               <a:t>Reactive()</a:t>
             </a:r>
           </a:p>
           <a:p>
             <a:pPr lvl="1"/>
             <a:r>
-              <a:rPr lang="en-US" dirty="0" err="1" smtClean="0"/>
+              <a:rPr lang="en-US" dirty="0" err="1"/>
               <a:t>reactiveValue</a:t>
             </a:r>
-            <a:endParaRPr lang="en-US" dirty="0" smtClean="0"/>
+            <a:endParaRPr lang="en-US" dirty="0"/>
           </a:p>
           <a:p>
             <a:pPr marL="457200" lvl="1" indent="0">
               <a:buNone/>
             </a:pPr>
-            <a:endParaRPr lang="en-US" dirty="0" smtClean="0"/>
+            <a:endParaRPr lang="en-US" dirty="0"/>
           </a:p>
           <a:p>
             <a:pPr marL="457200" lvl="1" indent="0">
@@ -5186,32 +5089,31 @@
               <a:rPr lang="en-US" dirty="0"/>
               <a:t>	</a:t>
             </a:r>
-            <a:endParaRPr lang="en-US" dirty="0" smtClean="0"/>
-          </a:p>
-          <a:p>
-            <a:r>
-              <a:rPr lang="en-US" dirty="0" smtClean="0"/>
+          </a:p>
+          <a:p>
+            <a:r>
+              <a:rPr lang="en-US" dirty="0"/>
               <a:t>Reactive Environments</a:t>
             </a:r>
           </a:p>
           <a:p>
             <a:pPr lvl="1"/>
             <a:r>
-              <a:rPr lang="en-US" dirty="0" smtClean="0"/>
+              <a:rPr lang="en-US" dirty="0"/>
               <a:t>Inside render*</a:t>
             </a:r>
           </a:p>
           <a:p>
             <a:pPr lvl="1"/>
             <a:r>
-              <a:rPr lang="en-US" dirty="0" smtClean="0"/>
+              <a:rPr lang="en-US" dirty="0"/>
               <a:t>Inside reactive*</a:t>
             </a:r>
           </a:p>
           <a:p>
             <a:pPr lvl="1"/>
             <a:r>
-              <a:rPr lang="en-US" dirty="0" smtClean="0"/>
+              <a:rPr lang="en-US" dirty="0"/>
               <a:t>Inside observe*. </a:t>
             </a:r>
           </a:p>
@@ -5259,7 +5161,7 @@
           <a:lstStyle/>
           <a:p>
             <a:r>
-              <a:rPr lang="en-US" smtClean="0"/>
+              <a:rPr lang="en-US"/>
               <a:t>CONFIDENTIAL &amp; PROPRIETARY</a:t>
             </a:r>
             <a:endParaRPr lang="en-US" dirty="0"/>
@@ -5283,7 +5185,7 @@
           <a:p>
             <a:fld id="{CAEF89AF-97FF-41FD-A810-843DAB910B39}" type="datetime4">
               <a:rPr lang="en-US" smtClean="0"/>
-              <a:t>August 22, 2019</a:t>
+              <a:t>August 26, 2019</a:t>
             </a:fld>
             <a:endParaRPr lang="en-US" dirty="0"/>
           </a:p>
@@ -6210,10 +6112,9 @@
           <a:lstStyle/>
           <a:p>
             <a:r>
-              <a:rPr lang="en-US" dirty="0" smtClean="0"/>
+              <a:rPr lang="en-US" dirty="0"/>
               <a:t>Layout</a:t>
             </a:r>
-            <a:endParaRPr lang="en-US" dirty="0"/>
           </a:p>
         </p:txBody>
       </p:sp>
@@ -6256,7 +6157,7 @@
           <a:lstStyle/>
           <a:p>
             <a:r>
-              <a:rPr lang="en-US" smtClean="0"/>
+              <a:rPr lang="en-US"/>
               <a:t>CONFIDENTIAL &amp; PROPRIETARY</a:t>
             </a:r>
             <a:endParaRPr lang="en-US" dirty="0"/>
@@ -6280,7 +6181,7 @@
           <a:p>
             <a:fld id="{CAEF89AF-97FF-41FD-A810-843DAB910B39}" type="datetime4">
               <a:rPr lang="en-US" smtClean="0"/>
-              <a:t>August 22, 2019</a:t>
+              <a:t>August 26, 2019</a:t>
             </a:fld>
             <a:endParaRPr lang="en-US" dirty="0"/>
           </a:p>
@@ -6296,13 +6197,6 @@
   <p:clrMapOvr>
     <a:masterClrMapping/>
   </p:clrMapOvr>
-  <p:timing>
-    <p:tnLst>
-      <p:par>
-        <p:cTn id="1" dur="indefinite" restart="never" nodeType="tmRoot"/>
-      </p:par>
-    </p:tnLst>
-  </p:timing>
 </p:sld>
 </file>
 
@@ -6339,10 +6233,9 @@
           <a:lstStyle/>
           <a:p>
             <a:r>
-              <a:rPr lang="en-US" dirty="0" smtClean="0"/>
+              <a:rPr lang="en-US" dirty="0"/>
               <a:t>Layout (1-03)</a:t>
             </a:r>
-            <a:endParaRPr lang="en-US" dirty="0"/>
           </a:p>
         </p:txBody>
       </p:sp>
@@ -6369,33 +6262,33 @@
           <a:lstStyle/>
           <a:p>
             <a:r>
-              <a:rPr lang="en-US" dirty="0" smtClean="0"/>
+              <a:rPr lang="en-US" dirty="0"/>
               <a:t>Always use boxes. </a:t>
             </a:r>
           </a:p>
           <a:p>
             <a:r>
-              <a:rPr lang="en-US" dirty="0" smtClean="0"/>
+              <a:rPr lang="en-US" dirty="0"/>
               <a:t>Use </a:t>
             </a:r>
             <a:r>
-              <a:rPr lang="en-US" dirty="0" err="1" smtClean="0"/>
+              <a:rPr lang="en-US" dirty="0" err="1"/>
               <a:t>fluidRow</a:t>
             </a:r>
             <a:r>
-              <a:rPr lang="en-US" dirty="0" smtClean="0"/>
+              <a:rPr lang="en-US" dirty="0"/>
               <a:t> and columns for dividing the page. </a:t>
             </a:r>
           </a:p>
           <a:p>
             <a:r>
-              <a:rPr lang="en-US" dirty="0" smtClean="0"/>
+              <a:rPr lang="en-US" dirty="0"/>
               <a:t>Within the divided section of the page, width is specified over 12. </a:t>
             </a:r>
           </a:p>
           <a:p>
             <a:r>
-              <a:rPr lang="en-US" dirty="0" smtClean="0"/>
+              <a:rPr lang="en-US" dirty="0"/>
               <a:t>Height specification optional. </a:t>
             </a:r>
           </a:p>
@@ -6440,7 +6333,7 @@
           <a:lstStyle/>
           <a:p>
             <a:r>
-              <a:rPr lang="en-US" smtClean="0"/>
+              <a:rPr lang="en-US"/>
               <a:t>CONFIDENTIAL &amp; PROPRIETARY</a:t>
             </a:r>
             <a:endParaRPr lang="en-US" dirty="0"/>
@@ -6464,7 +6357,7 @@
           <a:p>
             <a:fld id="{CAEF89AF-97FF-41FD-A810-843DAB910B39}" type="datetime4">
               <a:rPr lang="en-US" smtClean="0"/>
-              <a:t>August 22, 2019</a:t>
+              <a:t>August 26, 2019</a:t>
             </a:fld>
             <a:endParaRPr lang="en-US" dirty="0"/>
           </a:p>
@@ -6698,10 +6591,9 @@
           <a:p>
             <a:pPr algn="ctr"/>
             <a:r>
-              <a:rPr lang="en-US" sz="1400" dirty="0" smtClean="0"/>
+              <a:rPr lang="en-US" sz="1400" dirty="0"/>
               <a:t>Box (3)</a:t>
             </a:r>
-            <a:endParaRPr lang="en-US" sz="1400" dirty="0"/>
           </a:p>
         </p:txBody>
       </p:sp>
@@ -6742,13 +6634,8 @@
             <a:pPr algn="ctr"/>
             <a:r>
               <a:rPr lang="en-US" sz="1400" dirty="0"/>
-              <a:t>Box (width = </a:t>
-            </a:r>
-            <a:r>
-              <a:rPr lang="en-US" sz="1400" dirty="0" smtClean="0"/>
-              <a:t>9)</a:t>
-            </a:r>
-            <a:endParaRPr lang="en-US" sz="1400" dirty="0"/>
+              <a:t>Box (width = 9)</a:t>
+            </a:r>
           </a:p>
         </p:txBody>
       </p:sp>
@@ -6888,10 +6775,9 @@
           <a:p>
             <a:pPr algn="ctr"/>
             <a:r>
-              <a:rPr lang="en-US" sz="1400" dirty="0" smtClean="0"/>
+              <a:rPr lang="en-US" sz="1400" dirty="0"/>
               <a:t>Box (6)</a:t>
             </a:r>
-            <a:endParaRPr lang="en-US" sz="1400" dirty="0"/>
           </a:p>
         </p:txBody>
       </p:sp>
@@ -6931,10 +6817,9 @@
           <a:p>
             <a:pPr algn="ctr"/>
             <a:r>
-              <a:rPr lang="en-US" sz="1400" dirty="0" smtClean="0"/>
+              <a:rPr lang="en-US" sz="1400" dirty="0"/>
               <a:t>Box(12)</a:t>
             </a:r>
-            <a:endParaRPr lang="en-US" sz="1400" dirty="0"/>
           </a:p>
         </p:txBody>
       </p:sp>
@@ -6974,10 +6859,9 @@
           <a:p>
             <a:pPr algn="ctr"/>
             <a:r>
-              <a:rPr lang="en-US" sz="1400" dirty="0" smtClean="0"/>
+              <a:rPr lang="en-US" sz="1400" dirty="0"/>
               <a:t>Box (width = 12)</a:t>
             </a:r>
-            <a:endParaRPr lang="en-US" sz="1400" dirty="0"/>
           </a:p>
         </p:txBody>
       </p:sp>
@@ -7004,10 +6888,9 @@
           <a:lstStyle/>
           <a:p>
             <a:r>
-              <a:rPr lang="en-US" dirty="0" smtClean="0"/>
+              <a:rPr lang="en-US" dirty="0"/>
               <a:t>Fluid row</a:t>
             </a:r>
-            <a:endParaRPr lang="en-US" dirty="0"/>
           </a:p>
         </p:txBody>
       </p:sp>
@@ -7034,10 +6917,9 @@
           <a:lstStyle/>
           <a:p>
             <a:r>
-              <a:rPr lang="en-US" dirty="0" smtClean="0"/>
+              <a:rPr lang="en-US" dirty="0"/>
               <a:t>Fluid row</a:t>
             </a:r>
-            <a:endParaRPr lang="en-US" dirty="0"/>
           </a:p>
         </p:txBody>
       </p:sp>
@@ -7064,10 +6946,9 @@
           <a:lstStyle/>
           <a:p>
             <a:r>
-              <a:rPr lang="en-US" dirty="0" smtClean="0"/>
+              <a:rPr lang="en-US" dirty="0"/>
               <a:t>Column (column = 4)</a:t>
             </a:r>
-            <a:endParaRPr lang="en-US" dirty="0"/>
           </a:p>
         </p:txBody>
       </p:sp>
@@ -7094,10 +6975,9 @@
           <a:lstStyle/>
           <a:p>
             <a:r>
-              <a:rPr lang="en-US" dirty="0" smtClean="0"/>
+              <a:rPr lang="en-US" dirty="0"/>
               <a:t>Column (width = 8)</a:t>
             </a:r>
-            <a:endParaRPr lang="en-US" dirty="0"/>
           </a:p>
         </p:txBody>
       </p:sp>
@@ -7137,10 +7017,9 @@
           <a:p>
             <a:pPr algn="ctr"/>
             <a:r>
-              <a:rPr lang="en-US" sz="1400" dirty="0" smtClean="0"/>
+              <a:rPr lang="en-US" sz="1400" dirty="0"/>
               <a:t>Box(4)</a:t>
             </a:r>
-            <a:endParaRPr lang="en-US" sz="1400" dirty="0"/>
           </a:p>
         </p:txBody>
       </p:sp>
@@ -7346,7 +7225,7 @@
                                           </p:stCondLst>
                                         </p:cTn>
                                         <p:tgtEl>
-                                          <p:spTgt spid="14"/>
+                                          <p:spTgt spid="16"/>
                                         </p:tgtEl>
                                         <p:attrNameLst>
                                           <p:attrName>style.visibility</p:attrName>
@@ -7360,7 +7239,7 @@
                                       <p:cBhvr>
                                         <p:cTn id="21" dur="500"/>
                                         <p:tgtEl>
-                                          <p:spTgt spid="14"/>
+                                          <p:spTgt spid="16"/>
                                         </p:tgtEl>
                                       </p:cBhvr>
                                     </p:animEffect>
@@ -7381,7 +7260,7 @@
                                           </p:stCondLst>
                                         </p:cTn>
                                         <p:tgtEl>
-                                          <p:spTgt spid="15"/>
+                                          <p:spTgt spid="17"/>
                                         </p:tgtEl>
                                         <p:attrNameLst>
                                           <p:attrName>style.visibility</p:attrName>
@@ -7395,94 +7274,6 @@
                                       <p:cBhvr>
                                         <p:cTn id="24" dur="500"/>
                                         <p:tgtEl>
-                                          <p:spTgt spid="15"/>
-                                        </p:tgtEl>
-                                      </p:cBhvr>
-                                    </p:animEffect>
-                                  </p:childTnLst>
-                                </p:cTn>
-                              </p:par>
-                            </p:childTnLst>
-                          </p:cTn>
-                        </p:par>
-                      </p:childTnLst>
-                    </p:cTn>
-                  </p:par>
-                  <p:par>
-                    <p:cTn id="25" fill="hold">
-                      <p:stCondLst>
-                        <p:cond delay="indefinite"/>
-                      </p:stCondLst>
-                      <p:childTnLst>
-                        <p:par>
-                          <p:cTn id="26" fill="hold">
-                            <p:stCondLst>
-                              <p:cond delay="0"/>
-                            </p:stCondLst>
-                            <p:childTnLst>
-                              <p:par>
-                                <p:cTn id="27" presetID="10" presetClass="entr" presetSubtype="0" fill="hold" grpId="0" nodeType="clickEffect">
-                                  <p:stCondLst>
-                                    <p:cond delay="0"/>
-                                  </p:stCondLst>
-                                  <p:childTnLst>
-                                    <p:set>
-                                      <p:cBhvr>
-                                        <p:cTn id="28" dur="1" fill="hold">
-                                          <p:stCondLst>
-                                            <p:cond delay="0"/>
-                                          </p:stCondLst>
-                                        </p:cTn>
-                                        <p:tgtEl>
-                                          <p:spTgt spid="16"/>
-                                        </p:tgtEl>
-                                        <p:attrNameLst>
-                                          <p:attrName>style.visibility</p:attrName>
-                                        </p:attrNameLst>
-                                      </p:cBhvr>
-                                      <p:to>
-                                        <p:strVal val="visible"/>
-                                      </p:to>
-                                    </p:set>
-                                    <p:animEffect transition="in" filter="fade">
-                                      <p:cBhvr>
-                                        <p:cTn id="29" dur="500"/>
-                                        <p:tgtEl>
-                                          <p:spTgt spid="16"/>
-                                        </p:tgtEl>
-                                      </p:cBhvr>
-                                    </p:animEffect>
-                                  </p:childTnLst>
-                                </p:cTn>
-                              </p:par>
-                              <p:par>
-                                <p:cTn id="30" presetID="10" presetClass="entr" presetSubtype="0" fill="hold" grpId="0" nodeType="withEffect">
-                                  <p:stCondLst>
-                                    <p:cond delay="0"/>
-                                  </p:stCondLst>
-                                  <p:childTnLst>
-                                    <p:set>
-                                      <p:cBhvr>
-                                        <p:cTn id="31" dur="1" fill="hold">
-                                          <p:stCondLst>
-                                            <p:cond delay="0"/>
-                                          </p:stCondLst>
-                                        </p:cTn>
-                                        <p:tgtEl>
-                                          <p:spTgt spid="17"/>
-                                        </p:tgtEl>
-                                        <p:attrNameLst>
-                                          <p:attrName>style.visibility</p:attrName>
-                                        </p:attrNameLst>
-                                      </p:cBhvr>
-                                      <p:to>
-                                        <p:strVal val="visible"/>
-                                      </p:to>
-                                    </p:set>
-                                    <p:animEffect transition="in" filter="fade">
-                                      <p:cBhvr>
-                                        <p:cTn id="32" dur="500"/>
-                                        <p:tgtEl>
                                           <p:spTgt spid="17"/>
                                         </p:tgtEl>
                                       </p:cBhvr>
@@ -7491,14 +7282,14 @@
                                 </p:cTn>
                               </p:par>
                               <p:par>
-                                <p:cTn id="33" presetID="10" presetClass="entr" presetSubtype="0" fill="hold" grpId="0" nodeType="withEffect">
+                                <p:cTn id="25" presetID="10" presetClass="entr" presetSubtype="0" fill="hold" grpId="0" nodeType="withEffect">
                                   <p:stCondLst>
                                     <p:cond delay="0"/>
                                   </p:stCondLst>
                                   <p:childTnLst>
                                     <p:set>
                                       <p:cBhvr>
-                                        <p:cTn id="34" dur="1" fill="hold">
+                                        <p:cTn id="26" dur="1" fill="hold">
                                           <p:stCondLst>
                                             <p:cond delay="0"/>
                                           </p:stCondLst>
@@ -7516,9 +7307,97 @@
                                     </p:set>
                                     <p:animEffect transition="in" filter="fade">
                                       <p:cBhvr>
+                                        <p:cTn id="27" dur="500"/>
+                                        <p:tgtEl>
+                                          <p:spTgt spid="23"/>
+                                        </p:tgtEl>
+                                      </p:cBhvr>
+                                    </p:animEffect>
+                                  </p:childTnLst>
+                                </p:cTn>
+                              </p:par>
+                              <p:par>
+                                <p:cTn id="28" presetID="10" presetClass="entr" presetSubtype="0" fill="hold" grpId="0" nodeType="withEffect">
+                                  <p:stCondLst>
+                                    <p:cond delay="0"/>
+                                  </p:stCondLst>
+                                  <p:childTnLst>
+                                    <p:set>
+                                      <p:cBhvr>
+                                        <p:cTn id="29" dur="1" fill="hold">
+                                          <p:stCondLst>
+                                            <p:cond delay="0"/>
+                                          </p:stCondLst>
+                                        </p:cTn>
+                                        <p:tgtEl>
+                                          <p:spTgt spid="24"/>
+                                        </p:tgtEl>
+                                        <p:attrNameLst>
+                                          <p:attrName>style.visibility</p:attrName>
+                                        </p:attrNameLst>
+                                      </p:cBhvr>
+                                      <p:to>
+                                        <p:strVal val="visible"/>
+                                      </p:to>
+                                    </p:set>
+                                    <p:animEffect transition="in" filter="fade">
+                                      <p:cBhvr>
+                                        <p:cTn id="30" dur="500"/>
+                                        <p:tgtEl>
+                                          <p:spTgt spid="24"/>
+                                        </p:tgtEl>
+                                      </p:cBhvr>
+                                    </p:animEffect>
+                                  </p:childTnLst>
+                                </p:cTn>
+                              </p:par>
+                            </p:childTnLst>
+                          </p:cTn>
+                        </p:par>
+                      </p:childTnLst>
+                    </p:cTn>
+                  </p:par>
+                  <p:par>
+                    <p:cTn id="31" fill="hold">
+                      <p:stCondLst>
+                        <p:cond delay="indefinite"/>
+                      </p:stCondLst>
+                      <p:childTnLst>
+                        <p:par>
+                          <p:cTn id="32" fill="hold">
+                            <p:stCondLst>
+                              <p:cond delay="0"/>
+                            </p:stCondLst>
+                            <p:childTnLst>
+                              <p:par>
+                                <p:cTn id="33" presetID="10" presetClass="entr" presetSubtype="0" fill="hold" grpId="0" nodeType="clickEffect">
+                                  <p:stCondLst>
+                                    <p:cond delay="0"/>
+                                  </p:stCondLst>
+                                  <p:childTnLst>
+                                    <p:set>
+                                      <p:cBhvr>
+                                        <p:cTn id="34" dur="1" fill="hold">
+                                          <p:stCondLst>
+                                            <p:cond delay="0"/>
+                                          </p:stCondLst>
+                                        </p:cTn>
+                                        <p:tgtEl>
+                                          <p:spTgt spid="14"/>
+                                        </p:tgtEl>
+                                        <p:attrNameLst>
+                                          <p:attrName>style.visibility</p:attrName>
+                                        </p:attrNameLst>
+                                      </p:cBhvr>
+                                      <p:to>
+                                        <p:strVal val="visible"/>
+                                      </p:to>
+                                    </p:set>
+                                    <p:animEffect transition="in" filter="fade">
+                                      <p:cBhvr>
                                         <p:cTn id="35" dur="500"/>
                                         <p:tgtEl>
-                                          <p:spTgt spid="23"/>
+                                          <p:spTgt spid="14"/>
                                         </p:tgtEl>
                                       </p:cBhvr>
                                     </p:animEffect>
@@ -7539,7 +7418,7 @@
                                           </p:stCondLst>
                                         </p:cTn>
                                         <p:tgtEl>
-                                          <p:spTgt spid="24"/>
+                                          <p:spTgt spid="15"/>
                                         </p:tgtEl>
                                         <p:attrNameLst>
                                           <p:attrName>style.visibility</p:attrName>
@@ -7553,7 +7432,7 @@
                                       <p:cBhvr>
                                         <p:cTn id="38" dur="500"/>
                                         <p:tgtEl>
-                                          <p:spTgt spid="24"/>
+                                          <p:spTgt spid="15"/>
                                         </p:tgtEl>
                                       </p:cBhvr>
                                     </p:animEffect>
@@ -7816,10 +7695,9 @@
           <a:lstStyle/>
           <a:p>
             <a:r>
-              <a:rPr lang="en-US" dirty="0" smtClean="0"/>
+              <a:rPr lang="en-US" dirty="0"/>
               <a:t>Examples</a:t>
             </a:r>
-            <a:endParaRPr lang="en-US" dirty="0"/>
           </a:p>
         </p:txBody>
       </p:sp>
@@ -7862,7 +7740,7 @@
           <a:lstStyle/>
           <a:p>
             <a:r>
-              <a:rPr lang="en-US" smtClean="0"/>
+              <a:rPr lang="en-US"/>
               <a:t>CONFIDENTIAL &amp; PROPRIETARY</a:t>
             </a:r>
             <a:endParaRPr lang="en-US" dirty="0"/>
@@ -7886,7 +7764,7 @@
           <a:p>
             <a:fld id="{CAEF89AF-97FF-41FD-A810-843DAB910B39}" type="datetime4">
               <a:rPr lang="en-US" smtClean="0"/>
-              <a:t>August 22, 2019</a:t>
+              <a:t>August 26, 2019</a:t>
             </a:fld>
             <a:endParaRPr lang="en-US" dirty="0"/>
           </a:p>
@@ -8100,18 +7978,13 @@
           <a:lstStyle/>
           <a:p>
             <a:r>
-              <a:rPr lang="en-US" dirty="0" smtClean="0">
+              <a:rPr lang="en-US" dirty="0">
                 <a:solidFill>
                   <a:srgbClr val="AF2626"/>
                 </a:solidFill>
               </a:rPr>
               <a:t>1</a:t>
             </a:r>
-            <a:endParaRPr lang="en-US" dirty="0">
-              <a:solidFill>
-                <a:srgbClr val="AF2626"/>
-              </a:solidFill>
-            </a:endParaRPr>
           </a:p>
         </p:txBody>
       </p:sp>
@@ -8530,13 +8403,8 @@
           <a:p>
             <a:r>
               <a:rPr lang="en-US" dirty="0"/>
-              <a:t>Exercise </a:t>
-            </a:r>
-            <a:r>
-              <a:rPr lang="en-US" dirty="0" smtClean="0"/>
-              <a:t>1-03</a:t>
-            </a:r>
-            <a:endParaRPr lang="en-US" dirty="0"/>
+              <a:t>Exercise 1-03</a:t>
+            </a:r>
           </a:p>
         </p:txBody>
       </p:sp>
@@ -8567,49 +8435,17 @@
               <a:buAutoNum type="arabicPeriod"/>
             </a:pPr>
             <a:r>
-              <a:rPr lang="en-US" dirty="0" smtClean="0"/>
+              <a:rPr lang="en-US" dirty="0"/>
               <a:t>Add anther section (</a:t>
             </a:r>
             <a:r>
-              <a:rPr lang="en-US" dirty="0" err="1" smtClean="0"/>
+              <a:rPr lang="en-US" dirty="0" err="1"/>
               <a:t>menuitem</a:t>
             </a:r>
             <a:r>
-              <a:rPr lang="en-US" dirty="0" smtClean="0"/>
+              <a:rPr lang="en-US" dirty="0"/>
               <a:t>) and add boxes like this: </a:t>
             </a:r>
-          </a:p>
-          <a:p>
-            <a:pPr marL="514350" indent="-514350">
-              <a:buFont typeface="+mj-lt"/>
-              <a:buAutoNum type="arabicPeriod"/>
-            </a:pPr>
-            <a:endParaRPr lang="en-US" dirty="0" smtClean="0"/>
-          </a:p>
-          <a:p>
-            <a:pPr marL="514350" indent="-514350">
-              <a:buFont typeface="+mj-lt"/>
-              <a:buAutoNum type="arabicPeriod"/>
-            </a:pPr>
-            <a:r>
-              <a:rPr lang="en-US" dirty="0" smtClean="0"/>
-              <a:t>Add some texts using </a:t>
-            </a:r>
-            <a:r>
-              <a:rPr lang="en-US" dirty="0" err="1" smtClean="0"/>
-              <a:t>tags$xxx</a:t>
-            </a:r>
-            <a:r>
-              <a:rPr lang="en-US" dirty="0"/>
-              <a:t>.</a:t>
-            </a:r>
-          </a:p>
-          <a:p>
-            <a:pPr marL="514350" indent="-514350">
-              <a:buFont typeface="+mj-lt"/>
-              <a:buAutoNum type="arabicPeriod"/>
-            </a:pPr>
-            <a:endParaRPr lang="en-US" dirty="0" smtClean="0"/>
           </a:p>
           <a:p>
             <a:pPr marL="514350" indent="-514350">
@@ -8623,64 +8459,96 @@
               <a:buFont typeface="+mj-lt"/>
               <a:buAutoNum type="arabicPeriod"/>
             </a:pPr>
-            <a:endParaRPr lang="en-US" dirty="0" smtClean="0"/>
+            <a:r>
+              <a:rPr lang="en-US" dirty="0"/>
+              <a:t>Add some texts using </a:t>
+            </a:r>
+            <a:r>
+              <a:rPr lang="en-US" dirty="0" err="1"/>
+              <a:t>tags$xxx</a:t>
+            </a:r>
+            <a:r>
+              <a:rPr lang="en-US" dirty="0"/>
+              <a:t>.</a:t>
+            </a:r>
           </a:p>
           <a:p>
             <a:pPr marL="514350" indent="-514350">
               <a:buFont typeface="+mj-lt"/>
               <a:buAutoNum type="arabicPeriod"/>
             </a:pPr>
-            <a:r>
-              <a:rPr lang="en-US" dirty="0" smtClean="0"/>
+            <a:endParaRPr lang="en-US" dirty="0"/>
+          </a:p>
+          <a:p>
+            <a:pPr marL="514350" indent="-514350">
+              <a:buFont typeface="+mj-lt"/>
+              <a:buAutoNum type="arabicPeriod"/>
+            </a:pPr>
+            <a:endParaRPr lang="en-US" dirty="0"/>
+          </a:p>
+          <a:p>
+            <a:pPr marL="514350" indent="-514350">
+              <a:buFont typeface="+mj-lt"/>
+              <a:buAutoNum type="arabicPeriod"/>
+            </a:pPr>
+            <a:endParaRPr lang="en-US" dirty="0"/>
+          </a:p>
+          <a:p>
+            <a:pPr marL="514350" indent="-514350">
+              <a:buFont typeface="+mj-lt"/>
+              <a:buAutoNum type="arabicPeriod"/>
+            </a:pPr>
+            <a:r>
+              <a:rPr lang="en-US" dirty="0"/>
               <a:t>Open the ‘</a:t>
             </a:r>
             <a:r>
-              <a:rPr lang="en-US" dirty="0" err="1" smtClean="0"/>
+              <a:rPr lang="en-US" dirty="0" err="1"/>
               <a:t>TEABranded</a:t>
             </a:r>
             <a:r>
-              <a:rPr lang="en-US" dirty="0" smtClean="0"/>
+              <a:rPr lang="en-US" dirty="0"/>
               <a:t>’ template, run it and notice</a:t>
             </a:r>
           </a:p>
           <a:p>
             <a:pPr lvl="1"/>
             <a:r>
-              <a:rPr lang="en-US" dirty="0" smtClean="0"/>
+              <a:rPr lang="en-US" dirty="0"/>
               <a:t>A few different layouts</a:t>
             </a:r>
           </a:p>
           <a:p>
             <a:pPr lvl="1"/>
             <a:r>
-              <a:rPr lang="en-US" dirty="0" smtClean="0"/>
+              <a:rPr lang="en-US" dirty="0"/>
               <a:t>Sidebar </a:t>
             </a:r>
             <a:r>
-              <a:rPr lang="en-US" dirty="0" err="1" smtClean="0"/>
+              <a:rPr lang="en-US" dirty="0" err="1"/>
               <a:t>submenues</a:t>
             </a:r>
-            <a:endParaRPr lang="en-US" dirty="0" smtClean="0"/>
+            <a:endParaRPr lang="en-US" dirty="0"/>
           </a:p>
           <a:p>
             <a:pPr lvl="1"/>
             <a:r>
-              <a:rPr lang="en-US" dirty="0" err="1" smtClean="0"/>
+              <a:rPr lang="en-US" dirty="0" err="1"/>
               <a:t>tabBox</a:t>
             </a:r>
-            <a:endParaRPr lang="en-US" dirty="0" smtClean="0"/>
+            <a:endParaRPr lang="en-US" dirty="0"/>
           </a:p>
           <a:p>
             <a:pPr lvl="1"/>
             <a:r>
-              <a:rPr lang="en-US" dirty="0" smtClean="0"/>
+              <a:rPr lang="en-US" dirty="0"/>
               <a:t>User login. </a:t>
             </a:r>
           </a:p>
           <a:p>
             <a:pPr lvl="1"/>
             <a:r>
-              <a:rPr lang="en-US" dirty="0" smtClean="0"/>
+              <a:rPr lang="en-US" dirty="0"/>
               <a:t>“About” page</a:t>
             </a:r>
           </a:p>
@@ -8690,7 +8558,7 @@
           </a:p>
           <a:p>
             <a:r>
-              <a:rPr lang="en-US" dirty="0" smtClean="0"/>
+              <a:rPr lang="en-US" dirty="0"/>
               <a:t>Check out icons</a:t>
             </a:r>
           </a:p>
@@ -8698,11 +8566,7 @@
             <a:pPr lvl="1"/>
             <a:r>
               <a:rPr lang="en-US" sz="2600" dirty="0"/>
-              <a:t>https://</a:t>
-            </a:r>
-            <a:r>
-              <a:rPr lang="en-US" sz="2600" dirty="0" smtClean="0"/>
-              <a:t>rstudio.github.io/shinydashboard/appearance.html#icons</a:t>
+              <a:t>https://rstudio.github.io/shinydashboard/appearance.html#icons</a:t>
             </a:r>
           </a:p>
         </p:txBody>
@@ -8746,7 +8610,7 @@
           <a:lstStyle/>
           <a:p>
             <a:r>
-              <a:rPr lang="en-US" smtClean="0"/>
+              <a:rPr lang="en-US"/>
               <a:t>CONFIDENTIAL &amp; PROPRIETARY</a:t>
             </a:r>
             <a:endParaRPr lang="en-US" dirty="0"/>
@@ -8770,7 +8634,7 @@
           <a:p>
             <a:fld id="{CAEF89AF-97FF-41FD-A810-843DAB910B39}" type="datetime4">
               <a:rPr lang="en-US" smtClean="0"/>
-              <a:t>August 22, 2019</a:t>
+              <a:t>August 26, 2019</a:t>
             </a:fld>
             <a:endParaRPr lang="en-US" dirty="0"/>
           </a:p>
@@ -8802,7 +8666,13 @@
       </p:pic>
       <p:pic>
         <p:nvPicPr>
-          <p:cNvPr id="10" name="Picture 9"/>
+          <p:cNvPr id="8" name="Picture 7">
+            <a:extLst>
+              <a:ext uri="{FF2B5EF4-FFF2-40B4-BE49-F238E27FC236}">
+                <a16:creationId xmlns:a16="http://schemas.microsoft.com/office/drawing/2014/main" id="{0D5FC275-7396-438B-8CF0-CEE008C1EE40}"/>
+              </a:ext>
+            </a:extLst>
+          </p:cNvPr>
           <p:cNvPicPr>
             <a:picLocks noChangeAspect="1"/>
           </p:cNvPicPr>
@@ -8816,8 +8686,8 @@
         </p:blipFill>
         <p:spPr>
           <a:xfrm>
-            <a:off x="4800600" y="2528672"/>
-            <a:ext cx="4089894" cy="862194"/>
+            <a:off x="5057775" y="2495970"/>
+            <a:ext cx="3933825" cy="1009230"/>
           </a:xfrm>
           <a:prstGeom prst="rect">
             <a:avLst/>
@@ -8834,13 +8704,6 @@
   <p:clrMapOvr>
     <a:masterClrMapping/>
   </p:clrMapOvr>
-  <p:timing>
-    <p:tnLst>
-      <p:par>
-        <p:cTn id="1" dur="indefinite" restart="never" nodeType="tmRoot"/>
-      </p:par>
-    </p:tnLst>
-  </p:timing>
 </p:sld>
 </file>
 
@@ -8896,10 +8759,9 @@
           <a:lstStyle/>
           <a:p>
             <a:r>
-              <a:rPr lang="en-US" dirty="0" smtClean="0"/>
+              <a:rPr lang="en-US" dirty="0"/>
               <a:t>Lunch / Installations</a:t>
             </a:r>
-            <a:endParaRPr lang="en-US" dirty="0"/>
           </a:p>
         </p:txBody>
       </p:sp>
@@ -8942,7 +8804,7 @@
           <a:lstStyle/>
           <a:p>
             <a:r>
-              <a:rPr lang="en-US" smtClean="0"/>
+              <a:rPr lang="en-US"/>
               <a:t>CONFIDENTIAL &amp; PROPRIETARY</a:t>
             </a:r>
             <a:endParaRPr lang="en-US" dirty="0"/>
@@ -8966,7 +8828,7 @@
           <a:p>
             <a:fld id="{CAEF89AF-97FF-41FD-A810-843DAB910B39}" type="datetime4">
               <a:rPr lang="en-US" smtClean="0"/>
-              <a:t>August 22, 2019</a:t>
+              <a:t>August 26, 2019</a:t>
             </a:fld>
             <a:endParaRPr lang="en-US" dirty="0"/>
           </a:p>
@@ -8982,13 +8844,6 @@
   <p:clrMapOvr>
     <a:masterClrMapping/>
   </p:clrMapOvr>
-  <p:timing>
-    <p:tnLst>
-      <p:par>
-        <p:cTn id="1" dur="indefinite" restart="never" nodeType="tmRoot"/>
-      </p:par>
-    </p:tnLst>
-  </p:timing>
 </p:sld>
 </file>
 
@@ -9044,10 +8899,9 @@
           <a:lstStyle/>
           <a:p>
             <a:r>
-              <a:rPr lang="en-US" dirty="0" smtClean="0"/>
+              <a:rPr lang="en-US" dirty="0"/>
               <a:t>Tour of Existing TEA Shiny Apps</a:t>
             </a:r>
-            <a:endParaRPr lang="en-US" dirty="0"/>
           </a:p>
         </p:txBody>
       </p:sp>
@@ -9090,7 +8944,7 @@
           <a:lstStyle/>
           <a:p>
             <a:r>
-              <a:rPr lang="en-US" smtClean="0"/>
+              <a:rPr lang="en-US"/>
               <a:t>CONFIDENTIAL &amp; PROPRIETARY</a:t>
             </a:r>
             <a:endParaRPr lang="en-US" dirty="0"/>
@@ -9114,7 +8968,7 @@
           <a:p>
             <a:fld id="{CAEF89AF-97FF-41FD-A810-843DAB910B39}" type="datetime4">
               <a:rPr lang="en-US" smtClean="0"/>
-              <a:t>August 22, 2019</a:t>
+              <a:t>August 26, 2019</a:t>
             </a:fld>
             <a:endParaRPr lang="en-US" dirty="0"/>
           </a:p>
@@ -9130,13 +8984,6 @@
   <p:clrMapOvr>
     <a:masterClrMapping/>
   </p:clrMapOvr>
-  <p:timing>
-    <p:tnLst>
-      <p:par>
-        <p:cTn id="1" dur="indefinite" restart="never" nodeType="tmRoot"/>
-      </p:par>
-    </p:tnLst>
-  </p:timing>
 </p:sld>
 </file>
 
@@ -9173,10 +9020,9 @@
           <a:lstStyle/>
           <a:p>
             <a:r>
-              <a:rPr lang="en-US" dirty="0" smtClean="0"/>
+              <a:rPr lang="en-US" dirty="0"/>
               <a:t>LMP Forecast</a:t>
             </a:r>
-            <a:endParaRPr lang="en-US" dirty="0"/>
           </a:p>
         </p:txBody>
       </p:sp>
@@ -9201,61 +9047,55 @@
               <a:rPr lang="en-US" dirty="0">
                 <a:hlinkClick r:id="rId2"/>
               </a:rPr>
-              <a:t>https://analyze.teainc.org/LMP-Forecast-Main</a:t>
-            </a:r>
-            <a:r>
-              <a:rPr lang="en-US" dirty="0" smtClean="0">
-                <a:hlinkClick r:id="rId2"/>
-              </a:rPr>
-              <a:t>/</a:t>
-            </a:r>
-            <a:endParaRPr lang="en-US" dirty="0" smtClean="0"/>
-          </a:p>
-          <a:p>
-            <a:r>
-              <a:rPr lang="en-US" dirty="0" smtClean="0"/>
+              <a:t>https://analyze.teainc.org/LMP-Forecast-Main/</a:t>
+            </a:r>
+            <a:endParaRPr lang="en-US" dirty="0"/>
+          </a:p>
+          <a:p>
+            <a:r>
+              <a:rPr lang="en-US" dirty="0"/>
               <a:t>Notice</a:t>
             </a:r>
           </a:p>
           <a:p>
             <a:pPr lvl="1"/>
             <a:r>
-              <a:rPr lang="en-US" dirty="0" smtClean="0"/>
+              <a:rPr lang="en-US" dirty="0"/>
               <a:t>Progress Bar</a:t>
             </a:r>
           </a:p>
           <a:p>
             <a:pPr lvl="1"/>
             <a:r>
-              <a:rPr lang="en-US" dirty="0" smtClean="0"/>
+              <a:rPr lang="en-US" dirty="0"/>
               <a:t>Select Inputs with multiple choices</a:t>
             </a:r>
           </a:p>
           <a:p>
             <a:pPr lvl="1"/>
             <a:r>
-              <a:rPr lang="en-US" dirty="0" smtClean="0"/>
+              <a:rPr lang="en-US" dirty="0"/>
               <a:t>Interactivity with </a:t>
             </a:r>
             <a:r>
-              <a:rPr lang="en-US" dirty="0" err="1" smtClean="0"/>
+              <a:rPr lang="en-US" dirty="0" err="1"/>
               <a:t>htmlwidgets</a:t>
             </a:r>
             <a:r>
-              <a:rPr lang="en-US" dirty="0" smtClean="0"/>
+              <a:rPr lang="en-US" dirty="0"/>
               <a:t> (prepackaged interactive plots). </a:t>
             </a:r>
           </a:p>
           <a:p>
             <a:pPr lvl="1"/>
             <a:r>
-              <a:rPr lang="en-US" dirty="0" smtClean="0"/>
+              <a:rPr lang="en-US" dirty="0"/>
               <a:t>Ability to update data and rerun the model. </a:t>
             </a:r>
           </a:p>
           <a:p>
             <a:pPr lvl="1"/>
-            <a:endParaRPr lang="en-US" dirty="0" smtClean="0"/>
+            <a:endParaRPr lang="en-US" dirty="0"/>
           </a:p>
         </p:txBody>
       </p:sp>
@@ -9298,7 +9138,7 @@
           <a:lstStyle/>
           <a:p>
             <a:r>
-              <a:rPr lang="en-US" smtClean="0"/>
+              <a:rPr lang="en-US"/>
               <a:t>CONFIDENTIAL &amp; PROPRIETARY</a:t>
             </a:r>
             <a:endParaRPr lang="en-US" dirty="0"/>
@@ -9322,7 +9162,7 @@
           <a:p>
             <a:fld id="{58C37697-90A4-4007-8C23-BAAA588B27B3}" type="datetime4">
               <a:rPr lang="en-US" smtClean="0"/>
-              <a:t>August 22, 2019</a:t>
+              <a:t>August 26, 2019</a:t>
             </a:fld>
             <a:endParaRPr lang="en-US" dirty="0"/>
           </a:p>
@@ -9338,13 +9178,6 @@
   <p:clrMapOvr>
     <a:masterClrMapping/>
   </p:clrMapOvr>
-  <p:timing>
-    <p:tnLst>
-      <p:par>
-        <p:cTn id="1" dur="indefinite" restart="never" nodeType="tmRoot"/>
-      </p:par>
-    </p:tnLst>
-  </p:timing>
 </p:sld>
 </file>
 
@@ -9381,7 +9214,7 @@
           <a:lstStyle/>
           <a:p>
             <a:r>
-              <a:rPr lang="en-US" dirty="0" err="1" smtClean="0"/>
+              <a:rPr lang="en-US" dirty="0" err="1"/>
               <a:t>DeltaHedging</a:t>
             </a:r>
             <a:endParaRPr lang="en-US" dirty="0"/>
@@ -9406,55 +9239,43 @@
           <a:lstStyle/>
           <a:p>
             <a:r>
-              <a:rPr lang="en-US" dirty="0" smtClean="0">
-                <a:hlinkClick r:id="rId2"/>
-              </a:rPr>
-              <a:t>https</a:t>
-            </a:r>
-            <a:r>
               <a:rPr lang="en-US" dirty="0">
                 <a:hlinkClick r:id="rId2"/>
               </a:rPr>
-              <a:t>://analyze.teainc.org/DeltaHedging</a:t>
-            </a:r>
-            <a:r>
-              <a:rPr lang="en-US" dirty="0" smtClean="0">
-                <a:hlinkClick r:id="rId2"/>
-              </a:rPr>
-              <a:t>/</a:t>
-            </a:r>
-            <a:endParaRPr lang="en-US" dirty="0" smtClean="0"/>
-          </a:p>
-          <a:p>
-            <a:r>
-              <a:rPr lang="en-US" dirty="0" smtClean="0"/>
+              <a:t>https://analyze.teainc.org/DeltaHedging/</a:t>
+            </a:r>
+            <a:endParaRPr lang="en-US" dirty="0"/>
+          </a:p>
+          <a:p>
+            <a:r>
+              <a:rPr lang="en-US" dirty="0"/>
               <a:t>Notice</a:t>
             </a:r>
           </a:p>
           <a:p>
             <a:pPr lvl="1"/>
             <a:r>
-              <a:rPr lang="en-US" dirty="0" smtClean="0"/>
+              <a:rPr lang="en-US" dirty="0"/>
               <a:t>Excel like look and feel. </a:t>
             </a:r>
           </a:p>
           <a:p>
             <a:pPr lvl="1"/>
             <a:r>
-              <a:rPr lang="en-US" dirty="0" smtClean="0"/>
+              <a:rPr lang="en-US" dirty="0"/>
               <a:t>Base shiny interactivity</a:t>
             </a:r>
           </a:p>
           <a:p>
             <a:pPr lvl="1"/>
             <a:r>
-              <a:rPr lang="en-US" dirty="0" smtClean="0"/>
+              <a:rPr lang="en-US" dirty="0"/>
               <a:t>Database connections (read/write)</a:t>
             </a:r>
           </a:p>
           <a:p>
             <a:pPr lvl="2"/>
-            <a:endParaRPr lang="en-US" dirty="0" smtClean="0"/>
+            <a:endParaRPr lang="en-US" dirty="0"/>
           </a:p>
           <a:p>
             <a:pPr lvl="2"/>
@@ -9501,7 +9322,7 @@
           <a:lstStyle/>
           <a:p>
             <a:r>
-              <a:rPr lang="en-US" smtClean="0"/>
+              <a:rPr lang="en-US"/>
               <a:t>CONFIDENTIAL &amp; PROPRIETARY</a:t>
             </a:r>
             <a:endParaRPr lang="en-US" dirty="0"/>
@@ -9525,7 +9346,7 @@
           <a:p>
             <a:fld id="{58C37697-90A4-4007-8C23-BAAA588B27B3}" type="datetime4">
               <a:rPr lang="en-US" smtClean="0"/>
-              <a:t>August 22, 2019</a:t>
+              <a:t>August 26, 2019</a:t>
             </a:fld>
             <a:endParaRPr lang="en-US" dirty="0"/>
           </a:p>
@@ -9541,13 +9362,6 @@
   <p:clrMapOvr>
     <a:masterClrMapping/>
   </p:clrMapOvr>
-  <p:timing>
-    <p:tnLst>
-      <p:par>
-        <p:cTn id="1" dur="indefinite" restart="never" nodeType="tmRoot"/>
-      </p:par>
-    </p:tnLst>
-  </p:timing>
 </p:sld>
 </file>
 
@@ -9584,10 +9398,9 @@
           <a:lstStyle/>
           <a:p>
             <a:r>
-              <a:rPr lang="en-US" dirty="0" smtClean="0"/>
+              <a:rPr lang="en-US" dirty="0"/>
               <a:t>HedgeFox</a:t>
             </a:r>
-            <a:endParaRPr lang="en-US" dirty="0"/>
           </a:p>
         </p:txBody>
       </p:sp>
@@ -9609,28 +9422,16 @@
           <a:lstStyle/>
           <a:p>
             <a:r>
-              <a:rPr lang="en-US" dirty="0" smtClean="0">
-                <a:hlinkClick r:id="rId2"/>
-              </a:rPr>
-              <a:t>https</a:t>
-            </a:r>
-            <a:r>
               <a:rPr lang="en-US" dirty="0">
                 <a:hlinkClick r:id="rId2"/>
               </a:rPr>
-              <a:t>://analyze.teainc.org/HedgeFox/CAISO</a:t>
-            </a:r>
-            <a:r>
-              <a:rPr lang="en-US" dirty="0" smtClean="0">
-                <a:hlinkClick r:id="rId2"/>
-              </a:rPr>
-              <a:t>/</a:t>
+              <a:t>https://analyze.teainc.org/HedgeFox/CAISO/</a:t>
             </a:r>
             <a:endParaRPr lang="en-US" dirty="0"/>
           </a:p>
           <a:p>
             <a:r>
-              <a:rPr lang="en-US" dirty="0" smtClean="0"/>
+              <a:rPr lang="en-US" dirty="0"/>
               <a:t>Notice: </a:t>
             </a:r>
           </a:p>
@@ -9640,44 +9441,44 @@
               <a:rPr lang="en-US" dirty="0"/>
               <a:t>Disabled inputs. </a:t>
             </a:r>
-            <a:endParaRPr lang="en-US" b="1" dirty="0" smtClean="0"/>
+            <a:endParaRPr lang="en-US" b="1" dirty="0"/>
           </a:p>
           <a:p>
             <a:pPr lvl="1"/>
             <a:r>
-              <a:rPr lang="en-US" dirty="0" smtClean="0"/>
+              <a:rPr lang="en-US" dirty="0"/>
               <a:t>Hidden tabs</a:t>
             </a:r>
           </a:p>
           <a:p>
             <a:pPr lvl="1"/>
             <a:r>
-              <a:rPr lang="en-US" dirty="0" smtClean="0"/>
+              <a:rPr lang="en-US" dirty="0"/>
               <a:t>Use of information boxes. </a:t>
             </a:r>
           </a:p>
           <a:p>
             <a:pPr lvl="1"/>
             <a:r>
-              <a:rPr lang="en-US" dirty="0" err="1" smtClean="0"/>
+              <a:rPr lang="en-US" dirty="0" err="1"/>
               <a:t>Rmarkdown</a:t>
             </a:r>
             <a:r>
-              <a:rPr lang="en-US" dirty="0" smtClean="0"/>
+              <a:rPr lang="en-US" dirty="0"/>
               <a:t> reports.</a:t>
             </a:r>
           </a:p>
           <a:p>
             <a:pPr lvl="1"/>
             <a:r>
-              <a:rPr lang="en-US" dirty="0" smtClean="0"/>
+              <a:rPr lang="en-US" dirty="0"/>
               <a:t>Synched up date-pickers. </a:t>
             </a:r>
           </a:p>
           <a:p>
             <a:pPr lvl="1"/>
             <a:r>
-              <a:rPr lang="en-US" dirty="0" smtClean="0"/>
+              <a:rPr lang="en-US" dirty="0"/>
               <a:t>Meaningful error messages. </a:t>
             </a:r>
           </a:p>
@@ -9693,7 +9494,7 @@
             <a:endParaRPr lang="en-US" dirty="0"/>
           </a:p>
           <a:p>
-            <a:endParaRPr lang="en-US" dirty="0" smtClean="0">
+            <a:endParaRPr lang="en-US" dirty="0">
               <a:hlinkClick r:id="rId3"/>
             </a:endParaRPr>
           </a:p>
@@ -9738,7 +9539,7 @@
           <a:lstStyle/>
           <a:p>
             <a:r>
-              <a:rPr lang="en-US" smtClean="0"/>
+              <a:rPr lang="en-US"/>
               <a:t>CONFIDENTIAL &amp; PROPRIETARY</a:t>
             </a:r>
             <a:endParaRPr lang="en-US" dirty="0"/>
@@ -9762,7 +9563,7 @@
           <a:p>
             <a:fld id="{58C37697-90A4-4007-8C23-BAAA588B27B3}" type="datetime4">
               <a:rPr lang="en-US" smtClean="0"/>
-              <a:t>August 22, 2019</a:t>
+              <a:t>August 26, 2019</a:t>
             </a:fld>
             <a:endParaRPr lang="en-US" dirty="0"/>
           </a:p>
@@ -9778,13 +9579,6 @@
   <p:clrMapOvr>
     <a:masterClrMapping/>
   </p:clrMapOvr>
-  <p:timing>
-    <p:tnLst>
-      <p:par>
-        <p:cTn id="1" dur="indefinite" restart="never" nodeType="tmRoot"/>
-      </p:par>
-    </p:tnLst>
-  </p:timing>
 </p:sld>
 </file>
 
@@ -9821,10 +9615,9 @@
           <a:lstStyle/>
           <a:p>
             <a:r>
-              <a:rPr lang="en-US" dirty="0" smtClean="0"/>
+              <a:rPr lang="en-US" dirty="0"/>
               <a:t>Short Term Net Position Tool</a:t>
             </a:r>
-            <a:endParaRPr lang="en-US" dirty="0"/>
           </a:p>
         </p:txBody>
       </p:sp>
@@ -9847,33 +9640,22 @@
               <a:rPr lang="en-US" dirty="0">
                 <a:hlinkClick r:id="rId2"/>
               </a:rPr>
-              <a:t>https://analyze.teainc.org/WC-STNP</a:t>
-            </a:r>
-            <a:r>
-              <a:rPr lang="en-US" dirty="0" smtClean="0">
-                <a:hlinkClick r:id="rId2"/>
-              </a:rPr>
-              <a:t>/</a:t>
-            </a:r>
-            <a:endParaRPr lang="en-US" dirty="0" smtClean="0"/>
-          </a:p>
-          <a:p>
-            <a:r>
-              <a:rPr lang="en-US" dirty="0" smtClean="0"/>
+              <a:t>https://analyze.teainc.org/WC-STNP/</a:t>
+            </a:r>
+            <a:endParaRPr lang="en-US" dirty="0"/>
+          </a:p>
+          <a:p>
+            <a:r>
+              <a:rPr lang="en-US" dirty="0"/>
               <a:t>Notice:</a:t>
             </a:r>
           </a:p>
           <a:p>
             <a:pPr lvl="1"/>
             <a:r>
-              <a:rPr lang="en-US" dirty="0" smtClean="0"/>
-              <a:t>HTML </a:t>
-            </a:r>
-            <a:r>
-              <a:rPr lang="en-US" dirty="0" smtClean="0"/>
-              <a:t>reports with interactivity. </a:t>
-            </a:r>
-            <a:endParaRPr lang="en-US" dirty="0"/>
+              <a:rPr lang="en-US" dirty="0"/>
+              <a:t>HTML reports with interactivity. </a:t>
+            </a:r>
           </a:p>
         </p:txBody>
       </p:sp>
@@ -9916,7 +9698,7 @@
           <a:lstStyle/>
           <a:p>
             <a:r>
-              <a:rPr lang="en-US" smtClean="0"/>
+              <a:rPr lang="en-US"/>
               <a:t>CONFIDENTIAL &amp; PROPRIETARY</a:t>
             </a:r>
             <a:endParaRPr lang="en-US" dirty="0"/>
@@ -9940,7 +9722,7 @@
           <a:p>
             <a:fld id="{CAEF89AF-97FF-41FD-A810-843DAB910B39}" type="datetime4">
               <a:rPr lang="en-US" smtClean="0"/>
-              <a:t>August 22, 2019</a:t>
+              <a:t>August 26, 2019</a:t>
             </a:fld>
             <a:endParaRPr lang="en-US" dirty="0"/>
           </a:p>
@@ -9956,13 +9738,6 @@
   <p:clrMapOvr>
     <a:masterClrMapping/>
   </p:clrMapOvr>
-  <p:timing>
-    <p:tnLst>
-      <p:par>
-        <p:cTn id="1" dur="indefinite" restart="never" nodeType="tmRoot"/>
-      </p:par>
-    </p:tnLst>
-  </p:timing>
 </p:sld>
 </file>
 
@@ -10018,10 +9793,9 @@
           <a:lstStyle/>
           <a:p>
             <a:r>
-              <a:rPr lang="en-US" dirty="0" smtClean="0"/>
+              <a:rPr lang="en-US" dirty="0"/>
               <a:t>Understanding Reactivity</a:t>
             </a:r>
-            <a:endParaRPr lang="en-US" dirty="0"/>
           </a:p>
         </p:txBody>
       </p:sp>
@@ -10064,7 +9838,7 @@
           <a:lstStyle/>
           <a:p>
             <a:r>
-              <a:rPr lang="en-US" smtClean="0"/>
+              <a:rPr lang="en-US"/>
               <a:t>CONFIDENTIAL &amp; PROPRIETARY</a:t>
             </a:r>
             <a:endParaRPr lang="en-US" dirty="0"/>
@@ -10088,7 +9862,7 @@
           <a:p>
             <a:fld id="{5A7C7455-7BAE-4F57-835F-B43DCD64C886}" type="datetime4">
               <a:rPr lang="en-US" smtClean="0"/>
-              <a:t>August 22, 2019</a:t>
+              <a:t>August 26, 2019</a:t>
             </a:fld>
             <a:endParaRPr lang="en-US" dirty="0"/>
           </a:p>
@@ -10104,13 +9878,6 @@
   <p:clrMapOvr>
     <a:masterClrMapping/>
   </p:clrMapOvr>
-  <p:timing>
-    <p:tnLst>
-      <p:par>
-        <p:cTn id="1" dur="indefinite" restart="never" nodeType="tmRoot"/>
-      </p:par>
-    </p:tnLst>
-  </p:timing>
 </p:sld>
 </file>
 
@@ -10147,26 +9914,9 @@
           <a:lstStyle/>
           <a:p>
             <a:r>
-              <a:rPr lang="en-US" dirty="0" smtClean="0"/>
-              <a:t>Our </a:t>
-            </a:r>
-            <a:r>
-              <a:rPr lang="en-US" dirty="0"/>
-              <a:t>F</a:t>
-            </a:r>
-            <a:r>
-              <a:rPr lang="en-US" dirty="0" smtClean="0"/>
-              <a:t>irst </a:t>
-            </a:r>
-            <a:r>
-              <a:rPr lang="en-US" dirty="0"/>
-              <a:t>A</a:t>
-            </a:r>
-            <a:r>
-              <a:rPr lang="en-US" dirty="0" smtClean="0"/>
-              <a:t>pp</a:t>
-            </a:r>
-            <a:endParaRPr lang="en-US" dirty="0"/>
+              <a:rPr lang="en-US" dirty="0"/>
+              <a:t>Our First App</a:t>
+            </a:r>
           </a:p>
         </p:txBody>
       </p:sp>
@@ -10209,7 +9959,7 @@
           <a:lstStyle/>
           <a:p>
             <a:r>
-              <a:rPr lang="en-US" smtClean="0"/>
+              <a:rPr lang="en-US"/>
               <a:t>CONFIDENTIAL &amp; PROPRIETARY</a:t>
             </a:r>
             <a:endParaRPr lang="en-US" dirty="0"/>
@@ -10233,7 +9983,7 @@
           <a:p>
             <a:fld id="{58C37697-90A4-4007-8C23-BAAA588B27B3}" type="datetime4">
               <a:rPr lang="en-US" smtClean="0"/>
-              <a:t>August 22, 2019</a:t>
+              <a:t>August 26, 2019</a:t>
             </a:fld>
             <a:endParaRPr lang="en-US" dirty="0"/>
           </a:p>
@@ -10262,7 +10012,7 @@
           <a:lstStyle/>
           <a:p>
             <a:r>
-              <a:rPr lang="en-US" dirty="0" smtClean="0"/>
+              <a:rPr lang="en-US" dirty="0"/>
               <a:t>Reactive expression</a:t>
             </a:r>
           </a:p>
@@ -10291,10 +10041,9 @@
           <a:lstStyle/>
           <a:p>
             <a:r>
-              <a:rPr lang="en-US" dirty="0" smtClean="0"/>
+              <a:rPr lang="en-US" dirty="0"/>
               <a:t>Reactive value</a:t>
             </a:r>
-            <a:endParaRPr lang="en-US" dirty="0"/>
           </a:p>
         </p:txBody>
       </p:sp>
@@ -10321,10 +10070,9 @@
           <a:lstStyle/>
           <a:p>
             <a:r>
-              <a:rPr lang="en-US" dirty="0" smtClean="0"/>
+              <a:rPr lang="en-US" dirty="0"/>
               <a:t>observer</a:t>
             </a:r>
-            <a:endParaRPr lang="en-US" dirty="0"/>
           </a:p>
         </p:txBody>
       </p:sp>
@@ -10362,13 +10110,6 @@
   <p:clrMapOvr>
     <a:masterClrMapping/>
   </p:clrMapOvr>
-  <p:timing>
-    <p:tnLst>
-      <p:par>
-        <p:cTn id="1" dur="indefinite" restart="never" nodeType="tmRoot"/>
-      </p:par>
-    </p:tnLst>
-  </p:timing>
 </p:sld>
 </file>
 
@@ -10474,7 +10215,7 @@
           <a:lstStyle/>
           <a:p>
             <a:r>
-              <a:rPr lang="en-US" smtClean="0"/>
+              <a:rPr lang="en-US"/>
               <a:t>CONFIDENTIAL &amp; PROPRIETARY</a:t>
             </a:r>
             <a:endParaRPr lang="en-US" dirty="0"/>
@@ -10498,7 +10239,7 @@
           <a:p>
             <a:fld id="{58C37697-90A4-4007-8C23-BAAA588B27B3}" type="datetime4">
               <a:rPr lang="en-US" smtClean="0"/>
-              <a:t>August 22, 2019</a:t>
+              <a:t>August 26, 2019</a:t>
             </a:fld>
             <a:endParaRPr lang="en-US" dirty="0"/>
           </a:p>
@@ -10527,7 +10268,7 @@
           <a:lstStyle/>
           <a:p>
             <a:r>
-              <a:rPr lang="en-US" dirty="0" smtClean="0"/>
+              <a:rPr lang="en-US" dirty="0"/>
               <a:t>Reactive expression</a:t>
             </a:r>
           </a:p>
@@ -10556,10 +10297,9 @@
           <a:lstStyle/>
           <a:p>
             <a:r>
-              <a:rPr lang="en-US" dirty="0" smtClean="0"/>
+              <a:rPr lang="en-US" dirty="0"/>
               <a:t>Reactive value</a:t>
             </a:r>
-            <a:endParaRPr lang="en-US" dirty="0"/>
           </a:p>
         </p:txBody>
       </p:sp>
@@ -10586,10 +10326,9 @@
           <a:lstStyle/>
           <a:p>
             <a:r>
-              <a:rPr lang="en-US" dirty="0" smtClean="0"/>
+              <a:rPr lang="en-US" dirty="0"/>
               <a:t>observer</a:t>
             </a:r>
-            <a:endParaRPr lang="en-US" dirty="0"/>
           </a:p>
         </p:txBody>
       </p:sp>
@@ -10756,18 +10495,13 @@
           <a:lstStyle/>
           <a:p>
             <a:r>
-              <a:rPr lang="en-US" dirty="0" smtClean="0">
+              <a:rPr lang="en-US" dirty="0">
                 <a:solidFill>
                   <a:schemeClr val="accent2"/>
                 </a:solidFill>
               </a:rPr>
               <a:t>Follow the arrow backward for UI requests. </a:t>
             </a:r>
-            <a:endParaRPr lang="en-US" dirty="0">
-              <a:solidFill>
-                <a:schemeClr val="accent2"/>
-              </a:solidFill>
-            </a:endParaRPr>
           </a:p>
         </p:txBody>
       </p:sp>
@@ -11474,7 +11208,7 @@
           <a:lstStyle/>
           <a:p>
             <a:r>
-              <a:rPr lang="en-US" smtClean="0"/>
+              <a:rPr lang="en-US"/>
               <a:t>CONFIDENTIAL &amp; PROPRIETARY</a:t>
             </a:r>
             <a:endParaRPr lang="en-US" dirty="0"/>
@@ -11498,7 +11232,7 @@
           <a:p>
             <a:fld id="{58C37697-90A4-4007-8C23-BAAA588B27B3}" type="datetime4">
               <a:rPr lang="en-US" smtClean="0"/>
-              <a:t>August 22, 2019</a:t>
+              <a:t>August 26, 2019</a:t>
             </a:fld>
             <a:endParaRPr lang="en-US" dirty="0"/>
           </a:p>
@@ -11527,7 +11261,7 @@
           <a:lstStyle/>
           <a:p>
             <a:r>
-              <a:rPr lang="en-US" dirty="0" smtClean="0"/>
+              <a:rPr lang="en-US" dirty="0"/>
               <a:t>Reactive expression</a:t>
             </a:r>
           </a:p>
@@ -11556,10 +11290,9 @@
           <a:lstStyle/>
           <a:p>
             <a:r>
-              <a:rPr lang="en-US" dirty="0" smtClean="0"/>
+              <a:rPr lang="en-US" dirty="0"/>
               <a:t>Reactive value</a:t>
             </a:r>
-            <a:endParaRPr lang="en-US" dirty="0"/>
           </a:p>
         </p:txBody>
       </p:sp>
@@ -11586,10 +11319,9 @@
           <a:lstStyle/>
           <a:p>
             <a:r>
-              <a:rPr lang="en-US" dirty="0" smtClean="0"/>
+              <a:rPr lang="en-US" dirty="0"/>
               <a:t>observer</a:t>
             </a:r>
-            <a:endParaRPr lang="en-US" dirty="0"/>
           </a:p>
         </p:txBody>
       </p:sp>
@@ -12030,18 +11762,13 @@
           <a:lstStyle/>
           <a:p>
             <a:r>
-              <a:rPr lang="en-US" dirty="0" smtClean="0">
+              <a:rPr lang="en-US" dirty="0">
                 <a:solidFill>
                   <a:schemeClr val="accent2"/>
                 </a:solidFill>
               </a:rPr>
               <a:t>Follow the arrow forward for updates of requested. </a:t>
             </a:r>
-            <a:endParaRPr lang="en-US" dirty="0">
-              <a:solidFill>
-                <a:schemeClr val="accent2"/>
-              </a:solidFill>
-            </a:endParaRPr>
           </a:p>
         </p:txBody>
       </p:sp>
@@ -12058,9 +11785,358 @@
   <p:timing>
     <p:tnLst>
       <p:par>
-        <p:cTn id="1" dur="indefinite" restart="never" nodeType="tmRoot"/>
+        <p:cTn id="1" dur="indefinite" restart="never" nodeType="tmRoot">
+          <p:childTnLst>
+            <p:seq concurrent="1" nextAc="seek">
+              <p:cTn id="2" dur="indefinite" nodeType="mainSeq">
+                <p:childTnLst>
+                  <p:par>
+                    <p:cTn id="3" fill="hold">
+                      <p:stCondLst>
+                        <p:cond delay="indefinite"/>
+                      </p:stCondLst>
+                      <p:childTnLst>
+                        <p:par>
+                          <p:cTn id="4" fill="hold">
+                            <p:stCondLst>
+                              <p:cond delay="0"/>
+                            </p:stCondLst>
+                            <p:childTnLst>
+                              <p:par>
+                                <p:cTn id="5" presetID="10" presetClass="entr" presetSubtype="0" fill="hold" grpId="0" nodeType="clickEffect">
+                                  <p:stCondLst>
+                                    <p:cond delay="0"/>
+                                  </p:stCondLst>
+                                  <p:childTnLst>
+                                    <p:set>
+                                      <p:cBhvr>
+                                        <p:cTn id="6" dur="1" fill="hold">
+                                          <p:stCondLst>
+                                            <p:cond delay="0"/>
+                                          </p:stCondLst>
+                                        </p:cTn>
+                                        <p:tgtEl>
+                                          <p:spTgt spid="28"/>
+                                        </p:tgtEl>
+                                        <p:attrNameLst>
+                                          <p:attrName>style.visibility</p:attrName>
+                                        </p:attrNameLst>
+                                      </p:cBhvr>
+                                      <p:to>
+                                        <p:strVal val="visible"/>
+                                      </p:to>
+                                    </p:set>
+                                    <p:animEffect transition="in" filter="fade">
+                                      <p:cBhvr>
+                                        <p:cTn id="7" dur="500"/>
+                                        <p:tgtEl>
+                                          <p:spTgt spid="28"/>
+                                        </p:tgtEl>
+                                      </p:cBhvr>
+                                    </p:animEffect>
+                                  </p:childTnLst>
+                                </p:cTn>
+                              </p:par>
+                            </p:childTnLst>
+                          </p:cTn>
+                        </p:par>
+                        <p:par>
+                          <p:cTn id="8" fill="hold">
+                            <p:stCondLst>
+                              <p:cond delay="500"/>
+                            </p:stCondLst>
+                            <p:childTnLst>
+                              <p:par>
+                                <p:cTn id="9" presetID="10" presetClass="entr" presetSubtype="0" fill="hold" grpId="0" nodeType="afterEffect">
+                                  <p:stCondLst>
+                                    <p:cond delay="0"/>
+                                  </p:stCondLst>
+                                  <p:childTnLst>
+                                    <p:set>
+                                      <p:cBhvr>
+                                        <p:cTn id="10" dur="1" fill="hold">
+                                          <p:stCondLst>
+                                            <p:cond delay="0"/>
+                                          </p:stCondLst>
+                                        </p:cTn>
+                                        <p:tgtEl>
+                                          <p:spTgt spid="29"/>
+                                        </p:tgtEl>
+                                        <p:attrNameLst>
+                                          <p:attrName>style.visibility</p:attrName>
+                                        </p:attrNameLst>
+                                      </p:cBhvr>
+                                      <p:to>
+                                        <p:strVal val="visible"/>
+                                      </p:to>
+                                    </p:set>
+                                    <p:animEffect transition="in" filter="fade">
+                                      <p:cBhvr>
+                                        <p:cTn id="11" dur="500"/>
+                                        <p:tgtEl>
+                                          <p:spTgt spid="29"/>
+                                        </p:tgtEl>
+                                      </p:cBhvr>
+                                    </p:animEffect>
+                                  </p:childTnLst>
+                                </p:cTn>
+                              </p:par>
+                            </p:childTnLst>
+                          </p:cTn>
+                        </p:par>
+                        <p:par>
+                          <p:cTn id="12" fill="hold">
+                            <p:stCondLst>
+                              <p:cond delay="1000"/>
+                            </p:stCondLst>
+                            <p:childTnLst>
+                              <p:par>
+                                <p:cTn id="13" presetID="10" presetClass="entr" presetSubtype="0" fill="hold" grpId="0" nodeType="afterEffect">
+                                  <p:stCondLst>
+                                    <p:cond delay="0"/>
+                                  </p:stCondLst>
+                                  <p:childTnLst>
+                                    <p:set>
+                                      <p:cBhvr>
+                                        <p:cTn id="14" dur="1" fill="hold">
+                                          <p:stCondLst>
+                                            <p:cond delay="0"/>
+                                          </p:stCondLst>
+                                        </p:cTn>
+                                        <p:tgtEl>
+                                          <p:spTgt spid="31"/>
+                                        </p:tgtEl>
+                                        <p:attrNameLst>
+                                          <p:attrName>style.visibility</p:attrName>
+                                        </p:attrNameLst>
+                                      </p:cBhvr>
+                                      <p:to>
+                                        <p:strVal val="visible"/>
+                                      </p:to>
+                                    </p:set>
+                                    <p:animEffect transition="in" filter="fade">
+                                      <p:cBhvr>
+                                        <p:cTn id="15" dur="500"/>
+                                        <p:tgtEl>
+                                          <p:spTgt spid="31"/>
+                                        </p:tgtEl>
+                                      </p:cBhvr>
+                                    </p:animEffect>
+                                  </p:childTnLst>
+                                </p:cTn>
+                              </p:par>
+                            </p:childTnLst>
+                          </p:cTn>
+                        </p:par>
+                        <p:par>
+                          <p:cTn id="16" fill="hold">
+                            <p:stCondLst>
+                              <p:cond delay="1500"/>
+                            </p:stCondLst>
+                            <p:childTnLst>
+                              <p:par>
+                                <p:cTn id="17" presetID="10" presetClass="entr" presetSubtype="0" fill="hold" grpId="0" nodeType="afterEffect">
+                                  <p:stCondLst>
+                                    <p:cond delay="0"/>
+                                  </p:stCondLst>
+                                  <p:childTnLst>
+                                    <p:set>
+                                      <p:cBhvr>
+                                        <p:cTn id="18" dur="1" fill="hold">
+                                          <p:stCondLst>
+                                            <p:cond delay="0"/>
+                                          </p:stCondLst>
+                                        </p:cTn>
+                                        <p:tgtEl>
+                                          <p:spTgt spid="32"/>
+                                        </p:tgtEl>
+                                        <p:attrNameLst>
+                                          <p:attrName>style.visibility</p:attrName>
+                                        </p:attrNameLst>
+                                      </p:cBhvr>
+                                      <p:to>
+                                        <p:strVal val="visible"/>
+                                      </p:to>
+                                    </p:set>
+                                    <p:animEffect transition="in" filter="fade">
+                                      <p:cBhvr>
+                                        <p:cTn id="19" dur="500"/>
+                                        <p:tgtEl>
+                                          <p:spTgt spid="32"/>
+                                        </p:tgtEl>
+                                      </p:cBhvr>
+                                    </p:animEffect>
+                                  </p:childTnLst>
+                                </p:cTn>
+                              </p:par>
+                            </p:childTnLst>
+                          </p:cTn>
+                        </p:par>
+                        <p:par>
+                          <p:cTn id="20" fill="hold">
+                            <p:stCondLst>
+                              <p:cond delay="2000"/>
+                            </p:stCondLst>
+                            <p:childTnLst>
+                              <p:par>
+                                <p:cTn id="21" presetID="10" presetClass="entr" presetSubtype="0" fill="hold" grpId="0" nodeType="afterEffect">
+                                  <p:stCondLst>
+                                    <p:cond delay="0"/>
+                                  </p:stCondLst>
+                                  <p:childTnLst>
+                                    <p:set>
+                                      <p:cBhvr>
+                                        <p:cTn id="22" dur="1" fill="hold">
+                                          <p:stCondLst>
+                                            <p:cond delay="0"/>
+                                          </p:stCondLst>
+                                        </p:cTn>
+                                        <p:tgtEl>
+                                          <p:spTgt spid="33"/>
+                                        </p:tgtEl>
+                                        <p:attrNameLst>
+                                          <p:attrName>style.visibility</p:attrName>
+                                        </p:attrNameLst>
+                                      </p:cBhvr>
+                                      <p:to>
+                                        <p:strVal val="visible"/>
+                                      </p:to>
+                                    </p:set>
+                                    <p:animEffect transition="in" filter="fade">
+                                      <p:cBhvr>
+                                        <p:cTn id="23" dur="500"/>
+                                        <p:tgtEl>
+                                          <p:spTgt spid="33"/>
+                                        </p:tgtEl>
+                                      </p:cBhvr>
+                                    </p:animEffect>
+                                  </p:childTnLst>
+                                </p:cTn>
+                              </p:par>
+                            </p:childTnLst>
+                          </p:cTn>
+                        </p:par>
+                        <p:par>
+                          <p:cTn id="24" fill="hold">
+                            <p:stCondLst>
+                              <p:cond delay="2500"/>
+                            </p:stCondLst>
+                            <p:childTnLst>
+                              <p:par>
+                                <p:cTn id="25" presetID="10" presetClass="entr" presetSubtype="0" fill="hold" grpId="0" nodeType="afterEffect">
+                                  <p:stCondLst>
+                                    <p:cond delay="0"/>
+                                  </p:stCondLst>
+                                  <p:childTnLst>
+                                    <p:set>
+                                      <p:cBhvr>
+                                        <p:cTn id="26" dur="1" fill="hold">
+                                          <p:stCondLst>
+                                            <p:cond delay="0"/>
+                                          </p:stCondLst>
+                                        </p:cTn>
+                                        <p:tgtEl>
+                                          <p:spTgt spid="27"/>
+                                        </p:tgtEl>
+                                        <p:attrNameLst>
+                                          <p:attrName>style.visibility</p:attrName>
+                                        </p:attrNameLst>
+                                      </p:cBhvr>
+                                      <p:to>
+                                        <p:strVal val="visible"/>
+                                      </p:to>
+                                    </p:set>
+                                    <p:animEffect transition="in" filter="fade">
+                                      <p:cBhvr>
+                                        <p:cTn id="27" dur="500"/>
+                                        <p:tgtEl>
+                                          <p:spTgt spid="27"/>
+                                        </p:tgtEl>
+                                      </p:cBhvr>
+                                    </p:animEffect>
+                                  </p:childTnLst>
+                                </p:cTn>
+                              </p:par>
+                            </p:childTnLst>
+                          </p:cTn>
+                        </p:par>
+                        <p:par>
+                          <p:cTn id="28" fill="hold">
+                            <p:stCondLst>
+                              <p:cond delay="3000"/>
+                            </p:stCondLst>
+                            <p:childTnLst>
+                              <p:par>
+                                <p:cTn id="29" presetID="10" presetClass="entr" presetSubtype="0" fill="hold" grpId="0" nodeType="afterEffect">
+                                  <p:stCondLst>
+                                    <p:cond delay="0"/>
+                                  </p:stCondLst>
+                                  <p:childTnLst>
+                                    <p:set>
+                                      <p:cBhvr>
+                                        <p:cTn id="30" dur="1" fill="hold">
+                                          <p:stCondLst>
+                                            <p:cond delay="0"/>
+                                          </p:stCondLst>
+                                        </p:cTn>
+                                        <p:tgtEl>
+                                          <p:spTgt spid="30"/>
+                                        </p:tgtEl>
+                                        <p:attrNameLst>
+                                          <p:attrName>style.visibility</p:attrName>
+                                        </p:attrNameLst>
+                                      </p:cBhvr>
+                                      <p:to>
+                                        <p:strVal val="visible"/>
+                                      </p:to>
+                                    </p:set>
+                                    <p:animEffect transition="in" filter="fade">
+                                      <p:cBhvr>
+                                        <p:cTn id="31" dur="500"/>
+                                        <p:tgtEl>
+                                          <p:spTgt spid="30"/>
+                                        </p:tgtEl>
+                                      </p:cBhvr>
+                                    </p:animEffect>
+                                  </p:childTnLst>
+                                </p:cTn>
+                              </p:par>
+                            </p:childTnLst>
+                          </p:cTn>
+                        </p:par>
+                      </p:childTnLst>
+                    </p:cTn>
+                  </p:par>
+                </p:childTnLst>
+              </p:cTn>
+              <p:prevCondLst>
+                <p:cond evt="onPrev" delay="0">
+                  <p:tgtEl>
+                    <p:sldTgt/>
+                  </p:tgtEl>
+                </p:cond>
+              </p:prevCondLst>
+              <p:nextCondLst>
+                <p:cond evt="onNext" delay="0">
+                  <p:tgtEl>
+                    <p:sldTgt/>
+                  </p:tgtEl>
+                </p:cond>
+              </p:nextCondLst>
+            </p:seq>
+          </p:childTnLst>
+        </p:cTn>
       </p:par>
     </p:tnLst>
+    <p:bldLst>
+      <p:bldP spid="27" grpId="0" animBg="1"/>
+      <p:bldP spid="28" grpId="0" animBg="1"/>
+      <p:bldP spid="29" grpId="0" animBg="1"/>
+      <p:bldP spid="30" grpId="0" animBg="1"/>
+      <p:bldP spid="31" grpId="0" animBg="1"/>
+      <p:bldP spid="32" grpId="0" animBg="1"/>
+      <p:bldP spid="33" grpId="0" animBg="1"/>
+    </p:bldLst>
   </p:timing>
 </p:sld>
 </file>
@@ -12123,13 +12199,8 @@
           <a:p>
             <a:r>
               <a:rPr lang="en-US" dirty="0"/>
-              <a:t>When Input </a:t>
-            </a:r>
-            <a:r>
-              <a:rPr lang="en-US" dirty="0" smtClean="0"/>
-              <a:t>Changes 1</a:t>
-            </a:r>
-            <a:endParaRPr lang="en-US" dirty="0"/>
+              <a:t>When Input Changes 1</a:t>
+            </a:r>
           </a:p>
         </p:txBody>
       </p:sp>
@@ -12172,7 +12243,7 @@
           <a:lstStyle/>
           <a:p>
             <a:r>
-              <a:rPr lang="en-US" smtClean="0"/>
+              <a:rPr lang="en-US"/>
               <a:t>CONFIDENTIAL &amp; PROPRIETARY</a:t>
             </a:r>
             <a:endParaRPr lang="en-US" dirty="0"/>
@@ -12196,7 +12267,7 @@
           <a:p>
             <a:fld id="{58C37697-90A4-4007-8C23-BAAA588B27B3}" type="datetime4">
               <a:rPr lang="en-US" smtClean="0"/>
-              <a:t>August 22, 2019</a:t>
+              <a:t>August 26, 2019</a:t>
             </a:fld>
             <a:endParaRPr lang="en-US" dirty="0"/>
           </a:p>
@@ -12225,7 +12296,7 @@
           <a:lstStyle/>
           <a:p>
             <a:r>
-              <a:rPr lang="en-US" dirty="0" smtClean="0"/>
+              <a:rPr lang="en-US" dirty="0"/>
               <a:t>Reactive expression</a:t>
             </a:r>
           </a:p>
@@ -12254,10 +12325,9 @@
           <a:lstStyle/>
           <a:p>
             <a:r>
-              <a:rPr lang="en-US" dirty="0" smtClean="0"/>
+              <a:rPr lang="en-US" dirty="0"/>
               <a:t>Reactive value</a:t>
             </a:r>
-            <a:endParaRPr lang="en-US" dirty="0"/>
           </a:p>
         </p:txBody>
       </p:sp>
@@ -12284,10 +12354,9 @@
           <a:lstStyle/>
           <a:p>
             <a:r>
-              <a:rPr lang="en-US" dirty="0" smtClean="0"/>
+              <a:rPr lang="en-US" dirty="0"/>
               <a:t>observer</a:t>
             </a:r>
-            <a:endParaRPr lang="en-US" dirty="0"/>
           </a:p>
         </p:txBody>
       </p:sp>
@@ -12564,7 +12633,7 @@
           <a:lstStyle/>
           <a:p>
             <a:r>
-              <a:rPr lang="en-US" dirty="0" smtClean="0">
+              <a:rPr lang="en-US" dirty="0">
                 <a:solidFill>
                   <a:schemeClr val="tx1">
                     <a:lumMod val="50000"/>
@@ -12574,14 +12643,6 @@
               </a:rPr>
               <a:t>Follow the arrow forward for “Invalidating” </a:t>
             </a:r>
-            <a:endParaRPr lang="en-US" dirty="0">
-              <a:solidFill>
-                <a:schemeClr val="tx1">
-                  <a:lumMod val="50000"/>
-                  <a:lumOff val="50000"/>
-                </a:schemeClr>
-              </a:solidFill>
-            </a:endParaRPr>
           </a:p>
         </p:txBody>
       </p:sp>
@@ -12608,7 +12669,7 @@
           <a:lstStyle/>
           <a:p>
             <a:r>
-              <a:rPr lang="en-US" b="1" dirty="0" smtClean="0">
+              <a:rPr lang="en-US" b="1" dirty="0">
                 <a:solidFill>
                   <a:schemeClr val="tx1">
                     <a:lumMod val="50000"/>
@@ -12618,14 +12679,6 @@
               </a:rPr>
               <a:t>Invalidated</a:t>
             </a:r>
-            <a:endParaRPr lang="en-US" b="1" dirty="0">
-              <a:solidFill>
-                <a:schemeClr val="tx1">
-                  <a:lumMod val="50000"/>
-                  <a:lumOff val="50000"/>
-                </a:schemeClr>
-              </a:solidFill>
-            </a:endParaRPr>
           </a:p>
         </p:txBody>
       </p:sp>
@@ -12823,13 +12876,6 @@
   <p:clrMapOvr>
     <a:masterClrMapping/>
   </p:clrMapOvr>
-  <p:timing>
-    <p:tnLst>
-      <p:par>
-        <p:cTn id="1" dur="indefinite" restart="never" nodeType="tmRoot"/>
-      </p:par>
-    </p:tnLst>
-  </p:timing>
 </p:sld>
 </file>
 
@@ -12867,15 +12913,7 @@
           <a:p>
             <a:r>
               <a:rPr lang="en-US" dirty="0"/>
-              <a:t>To-Do </a:t>
-            </a:r>
-            <a:r>
-              <a:rPr lang="en-US" dirty="0" smtClean="0"/>
-              <a:t>List for Lunch </a:t>
-            </a:r>
-            <a:r>
-              <a:rPr lang="en-US" dirty="0"/>
-              <a:t>time</a:t>
+              <a:t>To-Do List for Lunch time</a:t>
             </a:r>
           </a:p>
         </p:txBody>
@@ -12902,7 +12940,7 @@
               <a:buAutoNum type="arabicPeriod"/>
             </a:pPr>
             <a:r>
-              <a:rPr lang="en-US" dirty="0" smtClean="0"/>
+              <a:rPr lang="en-US" dirty="0"/>
               <a:t>Check the installation of needed apps</a:t>
             </a:r>
           </a:p>
@@ -12912,7 +12950,7 @@
               <a:buChar char="•"/>
             </a:pPr>
             <a:r>
-              <a:rPr lang="en-US" dirty="0" smtClean="0"/>
+              <a:rPr lang="en-US" dirty="0"/>
               <a:t>R</a:t>
             </a:r>
           </a:p>
@@ -12922,10 +12960,10 @@
               <a:buChar char="•"/>
             </a:pPr>
             <a:r>
-              <a:rPr lang="en-US" dirty="0" err="1" smtClean="0"/>
+              <a:rPr lang="en-US" dirty="0" err="1"/>
               <a:t>Rstudio</a:t>
             </a:r>
-            <a:endParaRPr lang="en-US" dirty="0" smtClean="0"/>
+            <a:endParaRPr lang="en-US" dirty="0"/>
           </a:p>
           <a:p>
             <a:pPr marL="914400" lvl="1" indent="-514350">
@@ -12933,10 +12971,10 @@
               <a:buChar char="•"/>
             </a:pPr>
             <a:r>
-              <a:rPr lang="en-US" dirty="0" err="1" smtClean="0"/>
+              <a:rPr lang="en-US" dirty="0" err="1"/>
               <a:t>Git</a:t>
             </a:r>
-            <a:endParaRPr lang="en-US" dirty="0" smtClean="0"/>
+            <a:endParaRPr lang="en-US" dirty="0"/>
           </a:p>
           <a:p>
             <a:pPr marL="514350" indent="-514350">
@@ -12944,7 +12982,7 @@
               <a:buAutoNum type="arabicPeriod"/>
             </a:pPr>
             <a:r>
-              <a:rPr lang="en-US" dirty="0" smtClean="0"/>
+              <a:rPr lang="en-US" dirty="0"/>
               <a:t>Download zipped files and save it at Desktop</a:t>
             </a:r>
           </a:p>
@@ -12959,7 +12997,7 @@
               </a:rPr>
               <a:t>https://github.com/TEA-Analytics/ShinyWorkshop/releases</a:t>
             </a:r>
-            <a:endParaRPr lang="en-US" sz="2000" dirty="0" smtClean="0"/>
+            <a:endParaRPr lang="en-US" sz="2000" dirty="0"/>
           </a:p>
           <a:p>
             <a:pPr marL="514350" indent="-514350">
@@ -12967,7 +13005,7 @@
               <a:buAutoNum type="arabicPeriod"/>
             </a:pPr>
             <a:r>
-              <a:rPr lang="en-US" dirty="0" smtClean="0"/>
+              <a:rPr lang="en-US" dirty="0"/>
               <a:t>Install packages</a:t>
             </a:r>
           </a:p>
@@ -12977,7 +13015,7 @@
               <a:buChar char="•"/>
             </a:pPr>
             <a:r>
-              <a:rPr lang="en-US" dirty="0" smtClean="0"/>
+              <a:rPr lang="en-US" dirty="0"/>
               <a:t>01_InstallPackages.r</a:t>
             </a:r>
           </a:p>
@@ -12987,24 +13025,16 @@
               <a:buChar char="•"/>
             </a:pPr>
             <a:r>
-              <a:rPr lang="en-US" dirty="0" smtClean="0"/>
-              <a:t>Make sure to change the </a:t>
-            </a:r>
-            <a:r>
-              <a:rPr lang="en-US" dirty="0" smtClean="0"/>
-              <a:t>name (</a:t>
-            </a:r>
-            <a:r>
-              <a:rPr lang="en-US" dirty="0" err="1" smtClean="0"/>
+              <a:rPr lang="en-US" dirty="0"/>
+              <a:t>Make sure to change the name (</a:t>
+            </a:r>
+            <a:r>
+              <a:rPr lang="en-US" dirty="0" err="1"/>
               <a:t>github</a:t>
             </a:r>
             <a:r>
-              <a:rPr lang="en-US" dirty="0" smtClean="0"/>
-              <a:t> username) </a:t>
-            </a:r>
-            <a:r>
-              <a:rPr lang="en-US" dirty="0" smtClean="0"/>
-              <a:t>and email before running the line 30. </a:t>
+              <a:rPr lang="en-US" dirty="0"/>
+              <a:t> username) and email before running the line 30. </a:t>
             </a:r>
           </a:p>
           <a:p>
@@ -13013,7 +13043,7 @@
               <a:buAutoNum type="arabicPeriod"/>
             </a:pPr>
             <a:r>
-              <a:rPr lang="en-US" dirty="0" smtClean="0"/>
+              <a:rPr lang="en-US" dirty="0"/>
               <a:t>Get a cheat sheet and look through it. </a:t>
             </a:r>
           </a:p>
@@ -13065,7 +13095,7 @@
           <a:lstStyle/>
           <a:p>
             <a:r>
-              <a:rPr lang="en-US" smtClean="0"/>
+              <a:rPr lang="en-US"/>
               <a:t>CONFIDENTIAL &amp; PROPRIETARY</a:t>
             </a:r>
             <a:endParaRPr lang="en-US" dirty="0"/>
@@ -13089,7 +13119,7 @@
           <a:p>
             <a:fld id="{58C37697-90A4-4007-8C23-BAAA588B27B3}" type="datetime4">
               <a:rPr lang="en-US" smtClean="0"/>
-              <a:t>August 22, 2019</a:t>
+              <a:t>August 26, 2019</a:t>
             </a:fld>
             <a:endParaRPr lang="en-US" dirty="0"/>
           </a:p>
@@ -13105,13 +13135,6 @@
   <p:clrMapOvr>
     <a:masterClrMapping/>
   </p:clrMapOvr>
-  <p:timing>
-    <p:tnLst>
-      <p:par>
-        <p:cTn id="1" dur="indefinite" restart="never" nodeType="tmRoot"/>
-      </p:par>
-    </p:tnLst>
-  </p:timing>
 </p:sld>
 </file>
 
@@ -13173,13 +13196,8 @@
           <a:p>
             <a:r>
               <a:rPr lang="en-US" dirty="0"/>
-              <a:t>When Input </a:t>
-            </a:r>
-            <a:r>
-              <a:rPr lang="en-US" dirty="0" smtClean="0"/>
-              <a:t>Changes 1</a:t>
-            </a:r>
-            <a:endParaRPr lang="en-US" dirty="0"/>
+              <a:t>When Input Changes 1</a:t>
+            </a:r>
           </a:p>
         </p:txBody>
       </p:sp>
@@ -13222,7 +13240,7 @@
           <a:lstStyle/>
           <a:p>
             <a:r>
-              <a:rPr lang="en-US" smtClean="0"/>
+              <a:rPr lang="en-US"/>
               <a:t>CONFIDENTIAL &amp; PROPRIETARY</a:t>
             </a:r>
             <a:endParaRPr lang="en-US" dirty="0"/>
@@ -13246,7 +13264,7 @@
           <a:p>
             <a:fld id="{58C37697-90A4-4007-8C23-BAAA588B27B3}" type="datetime4">
               <a:rPr lang="en-US" smtClean="0"/>
-              <a:t>August 22, 2019</a:t>
+              <a:t>August 26, 2019</a:t>
             </a:fld>
             <a:endParaRPr lang="en-US" dirty="0"/>
           </a:p>
@@ -13275,7 +13293,7 @@
           <a:lstStyle/>
           <a:p>
             <a:r>
-              <a:rPr lang="en-US" dirty="0" smtClean="0"/>
+              <a:rPr lang="en-US" dirty="0"/>
               <a:t>Reactive expression</a:t>
             </a:r>
           </a:p>
@@ -13304,10 +13322,9 @@
           <a:lstStyle/>
           <a:p>
             <a:r>
-              <a:rPr lang="en-US" dirty="0" smtClean="0"/>
+              <a:rPr lang="en-US" dirty="0"/>
               <a:t>Reactive value</a:t>
             </a:r>
-            <a:endParaRPr lang="en-US" dirty="0"/>
           </a:p>
         </p:txBody>
       </p:sp>
@@ -13334,10 +13351,9 @@
           <a:lstStyle/>
           <a:p>
             <a:r>
-              <a:rPr lang="en-US" dirty="0" smtClean="0"/>
+              <a:rPr lang="en-US" dirty="0"/>
               <a:t>observer</a:t>
             </a:r>
-            <a:endParaRPr lang="en-US" dirty="0"/>
           </a:p>
         </p:txBody>
       </p:sp>
@@ -13614,18 +13630,13 @@
           <a:lstStyle/>
           <a:p>
             <a:r>
-              <a:rPr lang="en-US" dirty="0" smtClean="0">
+              <a:rPr lang="en-US" dirty="0">
                 <a:solidFill>
                   <a:schemeClr val="accent2"/>
                 </a:solidFill>
               </a:rPr>
               <a:t>Update values if they are requested by UI. (Lazy reactivity). </a:t>
             </a:r>
-            <a:endParaRPr lang="en-US" dirty="0">
-              <a:solidFill>
-                <a:schemeClr val="accent2"/>
-              </a:solidFill>
-            </a:endParaRPr>
           </a:p>
         </p:txBody>
       </p:sp>
@@ -13652,7 +13663,7 @@
           <a:lstStyle/>
           <a:p>
             <a:r>
-              <a:rPr lang="en-US" b="1" dirty="0" smtClean="0">
+              <a:rPr lang="en-US" b="1" dirty="0">
                 <a:solidFill>
                   <a:schemeClr val="tx1">
                     <a:lumMod val="50000"/>
@@ -13662,14 +13673,6 @@
               </a:rPr>
               <a:t>Invalidated</a:t>
             </a:r>
-            <a:endParaRPr lang="en-US" b="1" dirty="0">
-              <a:solidFill>
-                <a:schemeClr val="tx1">
-                  <a:lumMod val="50000"/>
-                  <a:lumOff val="50000"/>
-                </a:schemeClr>
-              </a:solidFill>
-            </a:endParaRPr>
           </a:p>
         </p:txBody>
       </p:sp>
@@ -14055,13 +14058,6 @@
   <p:clrMapOvr>
     <a:masterClrMapping/>
   </p:clrMapOvr>
-  <p:timing>
-    <p:tnLst>
-      <p:par>
-        <p:cTn id="1" dur="indefinite" restart="never" nodeType="tmRoot"/>
-      </p:par>
-    </p:tnLst>
-  </p:timing>
 </p:sld>
 </file>
 
@@ -14123,13 +14119,8 @@
           <a:p>
             <a:r>
               <a:rPr lang="en-US" dirty="0"/>
-              <a:t>When Input </a:t>
-            </a:r>
-            <a:r>
-              <a:rPr lang="en-US" dirty="0" smtClean="0"/>
-              <a:t>Changes 2</a:t>
-            </a:r>
-            <a:endParaRPr lang="en-US" dirty="0"/>
+              <a:t>When Input Changes 2</a:t>
+            </a:r>
           </a:p>
         </p:txBody>
       </p:sp>
@@ -14172,7 +14163,7 @@
           <a:lstStyle/>
           <a:p>
             <a:r>
-              <a:rPr lang="en-US" smtClean="0"/>
+              <a:rPr lang="en-US"/>
               <a:t>CONFIDENTIAL &amp; PROPRIETARY</a:t>
             </a:r>
             <a:endParaRPr lang="en-US" dirty="0"/>
@@ -14196,7 +14187,7 @@
           <a:p>
             <a:fld id="{58C37697-90A4-4007-8C23-BAAA588B27B3}" type="datetime4">
               <a:rPr lang="en-US" smtClean="0"/>
-              <a:t>August 22, 2019</a:t>
+              <a:t>August 26, 2019</a:t>
             </a:fld>
             <a:endParaRPr lang="en-US" dirty="0"/>
           </a:p>
@@ -14225,7 +14216,7 @@
           <a:lstStyle/>
           <a:p>
             <a:r>
-              <a:rPr lang="en-US" dirty="0" smtClean="0"/>
+              <a:rPr lang="en-US" dirty="0"/>
               <a:t>Reactive expression</a:t>
             </a:r>
           </a:p>
@@ -14254,10 +14245,9 @@
           <a:lstStyle/>
           <a:p>
             <a:r>
-              <a:rPr lang="en-US" dirty="0" smtClean="0"/>
+              <a:rPr lang="en-US" dirty="0"/>
               <a:t>Reactive value</a:t>
             </a:r>
-            <a:endParaRPr lang="en-US" dirty="0"/>
           </a:p>
         </p:txBody>
       </p:sp>
@@ -14284,10 +14274,9 @@
           <a:lstStyle/>
           <a:p>
             <a:r>
-              <a:rPr lang="en-US" dirty="0" smtClean="0"/>
+              <a:rPr lang="en-US" dirty="0"/>
               <a:t>observer</a:t>
             </a:r>
-            <a:endParaRPr lang="en-US" dirty="0"/>
           </a:p>
         </p:txBody>
       </p:sp>
@@ -14743,7 +14732,7 @@
           <a:lstStyle/>
           <a:p>
             <a:r>
-              <a:rPr lang="en-US" b="1" dirty="0" smtClean="0">
+              <a:rPr lang="en-US" b="1" dirty="0">
                 <a:solidFill>
                   <a:schemeClr val="tx1">
                     <a:lumMod val="50000"/>
@@ -14753,14 +14742,6 @@
               </a:rPr>
               <a:t>Invalidated</a:t>
             </a:r>
-            <a:endParaRPr lang="en-US" b="1" dirty="0">
-              <a:solidFill>
-                <a:schemeClr val="tx1">
-                  <a:lumMod val="50000"/>
-                  <a:lumOff val="50000"/>
-                </a:schemeClr>
-              </a:solidFill>
-            </a:endParaRPr>
           </a:p>
         </p:txBody>
       </p:sp>
@@ -14787,7 +14768,7 @@
           <a:lstStyle/>
           <a:p>
             <a:r>
-              <a:rPr lang="en-US" b="1" dirty="0" smtClean="0">
+              <a:rPr lang="en-US" b="1" dirty="0">
                 <a:solidFill>
                   <a:schemeClr val="tx1">
                     <a:lumMod val="50000"/>
@@ -14797,14 +14778,6 @@
               </a:rPr>
               <a:t>Invalidated</a:t>
             </a:r>
-            <a:endParaRPr lang="en-US" b="1" dirty="0">
-              <a:solidFill>
-                <a:schemeClr val="tx1">
-                  <a:lumMod val="50000"/>
-                  <a:lumOff val="50000"/>
-                </a:schemeClr>
-              </a:solidFill>
-            </a:endParaRPr>
           </a:p>
         </p:txBody>
       </p:sp>
@@ -14864,13 +14837,6 @@
   <p:clrMapOvr>
     <a:masterClrMapping/>
   </p:clrMapOvr>
-  <p:timing>
-    <p:tnLst>
-      <p:par>
-        <p:cTn id="1" dur="indefinite" restart="never" nodeType="tmRoot"/>
-      </p:par>
-    </p:tnLst>
-  </p:timing>
 </p:sld>
 </file>
 
@@ -14907,10 +14873,9 @@
           <a:lstStyle/>
           <a:p>
             <a:r>
-              <a:rPr lang="en-US" dirty="0" smtClean="0"/>
+              <a:rPr lang="en-US" dirty="0"/>
               <a:t>Demo 1-04</a:t>
             </a:r>
-            <a:endParaRPr lang="en-US" dirty="0"/>
           </a:p>
         </p:txBody>
       </p:sp>
@@ -14930,15 +14895,15 @@
           <a:lstStyle/>
           <a:p>
             <a:r>
-              <a:rPr lang="en-US" dirty="0" smtClean="0"/>
+              <a:rPr lang="en-US" dirty="0"/>
               <a:t>options(</a:t>
             </a:r>
             <a:r>
-              <a:rPr lang="en-US" dirty="0" err="1" smtClean="0"/>
+              <a:rPr lang="en-US" dirty="0" err="1"/>
               <a:t>shiny.reactlog</a:t>
             </a:r>
             <a:r>
-              <a:rPr lang="en-US" dirty="0" smtClean="0"/>
+              <a:rPr lang="en-US" dirty="0"/>
               <a:t>=TRUE)</a:t>
             </a:r>
           </a:p>
@@ -14954,13 +14919,8 @@
             </a:r>
             <a:r>
               <a:rPr lang="en-US" dirty="0"/>
-              <a:t> function. This incurs a substantial performance penalty and should not be used in </a:t>
-            </a:r>
-            <a:r>
-              <a:rPr lang="en-US" dirty="0" smtClean="0"/>
-              <a:t>production.</a:t>
-            </a:r>
-            <a:endParaRPr lang="en-US" dirty="0"/>
+              <a:t> function. This incurs a substantial performance penalty and should not be used in production.</a:t>
+            </a:r>
           </a:p>
         </p:txBody>
       </p:sp>
@@ -15003,7 +14963,7 @@
           <a:lstStyle/>
           <a:p>
             <a:r>
-              <a:rPr lang="en-US" smtClean="0"/>
+              <a:rPr lang="en-US"/>
               <a:t>CONFIDENTIAL &amp; PROPRIETARY</a:t>
             </a:r>
             <a:endParaRPr lang="en-US" dirty="0"/>
@@ -15027,7 +14987,7 @@
           <a:p>
             <a:fld id="{CAEF89AF-97FF-41FD-A810-843DAB910B39}" type="datetime4">
               <a:rPr lang="en-US" smtClean="0"/>
-              <a:t>August 22, 2019</a:t>
+              <a:t>August 26, 2019</a:t>
             </a:fld>
             <a:endParaRPr lang="en-US" dirty="0"/>
           </a:p>
@@ -15043,13 +15003,6 @@
   <p:clrMapOvr>
     <a:masterClrMapping/>
   </p:clrMapOvr>
-  <p:timing>
-    <p:tnLst>
-      <p:par>
-        <p:cTn id="1" dur="indefinite" restart="never" nodeType="tmRoot"/>
-      </p:par>
-    </p:tnLst>
-  </p:timing>
 </p:sld>
 </file>
 
@@ -15086,10 +15039,9 @@
           <a:lstStyle/>
           <a:p>
             <a:r>
-              <a:rPr lang="en-US" dirty="0" smtClean="0"/>
+              <a:rPr lang="en-US" dirty="0"/>
               <a:t>Objects</a:t>
             </a:r>
-            <a:endParaRPr lang="en-US" dirty="0"/>
           </a:p>
         </p:txBody>
       </p:sp>
@@ -15111,14 +15063,14 @@
           <a:lstStyle/>
           <a:p>
             <a:r>
-              <a:rPr lang="en-US" dirty="0" smtClean="0"/>
+              <a:rPr lang="en-US" dirty="0"/>
               <a:t>R objects</a:t>
             </a:r>
           </a:p>
           <a:p>
             <a:pPr lvl="1"/>
             <a:r>
-              <a:rPr lang="en-US" sz="2000" dirty="0" smtClean="0"/>
+              <a:rPr lang="en-US" sz="2000" dirty="0"/>
               <a:t>Data frames</a:t>
             </a:r>
           </a:p>
@@ -15126,50 +15078,46 @@
             <a:pPr lvl="1"/>
             <a:r>
               <a:rPr lang="en-US" sz="2000" dirty="0"/>
-              <a:t>A</a:t>
-            </a:r>
-            <a:r>
-              <a:rPr lang="en-US" sz="2000" dirty="0" smtClean="0"/>
-              <a:t>rrays</a:t>
+              <a:t>Arrays</a:t>
             </a:r>
           </a:p>
           <a:p>
             <a:pPr lvl="1"/>
             <a:r>
-              <a:rPr lang="en-US" sz="2000" dirty="0" smtClean="0"/>
+              <a:rPr lang="en-US" sz="2000" dirty="0"/>
               <a:t>Functions</a:t>
             </a:r>
           </a:p>
           <a:p>
             <a:pPr lvl="1"/>
             <a:r>
-              <a:rPr lang="en-US" sz="2000" dirty="0" smtClean="0"/>
+              <a:rPr lang="en-US" sz="2000" dirty="0"/>
               <a:t>List</a:t>
             </a:r>
           </a:p>
           <a:p>
             <a:pPr lvl="1"/>
             <a:r>
-              <a:rPr lang="en-US" sz="2000" dirty="0" smtClean="0"/>
+              <a:rPr lang="en-US" sz="2000" dirty="0"/>
               <a:t>…</a:t>
             </a:r>
           </a:p>
           <a:p>
             <a:pPr lvl="1"/>
-            <a:endParaRPr lang="en-US" dirty="0" smtClean="0"/>
-          </a:p>
-          <a:p>
-            <a:r>
-              <a:rPr lang="en-US" dirty="0" smtClean="0"/>
+            <a:endParaRPr lang="en-US" dirty="0"/>
+          </a:p>
+          <a:p>
+            <a:r>
+              <a:rPr lang="en-US" dirty="0"/>
               <a:t>Input$*</a:t>
             </a:r>
           </a:p>
           <a:p>
             <a:r>
-              <a:rPr lang="en-US" dirty="0" smtClean="0"/>
+              <a:rPr lang="en-US" dirty="0"/>
               <a:t>Reactive</a:t>
             </a:r>
-            <a:endParaRPr lang="en-US" dirty="0" smtClean="0">
+            <a:endParaRPr lang="en-US" dirty="0">
               <a:solidFill>
                 <a:schemeClr val="accent2"/>
               </a:solidFill>
@@ -15177,14 +15125,13 @@
           </a:p>
           <a:p>
             <a:r>
-              <a:rPr lang="en-US" dirty="0" err="1" smtClean="0"/>
+              <a:rPr lang="en-US" dirty="0" err="1"/>
               <a:t>ReactiveValues</a:t>
             </a:r>
             <a:r>
-              <a:rPr lang="en-US" dirty="0" smtClean="0"/>
+              <a:rPr lang="en-US" dirty="0"/>
               <a:t> </a:t>
             </a:r>
-            <a:endParaRPr lang="en-US" dirty="0"/>
           </a:p>
         </p:txBody>
       </p:sp>
@@ -15227,7 +15174,7 @@
           <a:lstStyle/>
           <a:p>
             <a:r>
-              <a:rPr lang="en-US" smtClean="0"/>
+              <a:rPr lang="en-US"/>
               <a:t>CONFIDENTIAL &amp; PROPRIETARY</a:t>
             </a:r>
             <a:endParaRPr lang="en-US" dirty="0"/>
@@ -15251,7 +15198,7 @@
           <a:p>
             <a:fld id="{58C37697-90A4-4007-8C23-BAAA588B27B3}" type="datetime4">
               <a:rPr lang="en-US" smtClean="0"/>
-              <a:t>August 22, 2019</a:t>
+              <a:t>August 26, 2019</a:t>
             </a:fld>
             <a:endParaRPr lang="en-US" dirty="0"/>
           </a:p>
@@ -15539,10 +15486,9 @@
           <a:lstStyle/>
           <a:p>
             <a:r>
-              <a:rPr lang="en-US" dirty="0" smtClean="0"/>
+              <a:rPr lang="en-US" dirty="0"/>
               <a:t>Reactive as a Function with Memory</a:t>
             </a:r>
-            <a:endParaRPr lang="en-US" dirty="0"/>
           </a:p>
         </p:txBody>
       </p:sp>
@@ -15569,45 +15515,45 @@
           <a:lstStyle/>
           <a:p>
             <a:r>
-              <a:rPr lang="en-US" dirty="0" smtClean="0"/>
+              <a:rPr lang="en-US" dirty="0"/>
               <a:t>Functions </a:t>
             </a:r>
           </a:p>
           <a:p>
             <a:pPr lvl="1"/>
             <a:r>
-              <a:rPr lang="en-US" dirty="0" smtClean="0"/>
+              <a:rPr lang="en-US" dirty="0"/>
               <a:t>Computes every time it’s called. </a:t>
             </a:r>
           </a:p>
           <a:p>
             <a:pPr lvl="1"/>
-            <a:endParaRPr lang="en-US" dirty="0" smtClean="0"/>
-          </a:p>
-          <a:p>
-            <a:r>
-              <a:rPr lang="en-US" dirty="0" smtClean="0"/>
+            <a:endParaRPr lang="en-US" dirty="0"/>
+          </a:p>
+          <a:p>
+            <a:r>
+              <a:rPr lang="en-US" dirty="0"/>
               <a:t>Reactive</a:t>
             </a:r>
           </a:p>
           <a:p>
             <a:pPr lvl="1"/>
             <a:r>
-              <a:rPr lang="en-US" dirty="0" smtClean="0"/>
+              <a:rPr lang="en-US" dirty="0"/>
               <a:t>It caches values. </a:t>
             </a:r>
           </a:p>
           <a:p>
             <a:pPr lvl="1"/>
             <a:r>
-              <a:rPr lang="en-US" dirty="0" smtClean="0"/>
+              <a:rPr lang="en-US" dirty="0"/>
               <a:t>It knows when inputs change.</a:t>
             </a:r>
           </a:p>
           <a:p>
             <a:pPr lvl="1"/>
             <a:r>
-              <a:rPr lang="en-US" dirty="0" smtClean="0"/>
+              <a:rPr lang="en-US" dirty="0"/>
               <a:t>It returns cached values if inputs haven’t changed.  </a:t>
             </a:r>
           </a:p>
@@ -15652,7 +15598,7 @@
           <a:lstStyle/>
           <a:p>
             <a:r>
-              <a:rPr lang="en-US" smtClean="0"/>
+              <a:rPr lang="en-US"/>
               <a:t>CONFIDENTIAL &amp; PROPRIETARY</a:t>
             </a:r>
             <a:endParaRPr lang="en-US" dirty="0"/>
@@ -15676,7 +15622,7 @@
           <a:p>
             <a:fld id="{CAEF89AF-97FF-41FD-A810-843DAB910B39}" type="datetime4">
               <a:rPr lang="en-US" smtClean="0"/>
-              <a:t>August 22, 2019</a:t>
+              <a:t>August 26, 2019</a:t>
             </a:fld>
             <a:endParaRPr lang="en-US" dirty="0"/>
           </a:p>
@@ -15767,18 +15713,13 @@
           <a:lstStyle/>
           <a:p>
             <a:r>
-              <a:rPr lang="en-US" dirty="0" smtClean="0">
+              <a:rPr lang="en-US" dirty="0">
                 <a:solidFill>
                   <a:schemeClr val="accent2"/>
                 </a:solidFill>
               </a:rPr>
               <a:t>V.S.</a:t>
             </a:r>
-            <a:endParaRPr lang="en-US" dirty="0">
-              <a:solidFill>
-                <a:schemeClr val="accent2"/>
-              </a:solidFill>
-            </a:endParaRPr>
           </a:p>
         </p:txBody>
       </p:sp>
@@ -15844,13 +15785,6 @@
   <p:clrMapOvr>
     <a:masterClrMapping/>
   </p:clrMapOvr>
-  <p:timing>
-    <p:tnLst>
-      <p:par>
-        <p:cTn id="1" dur="indefinite" restart="never" nodeType="tmRoot"/>
-      </p:par>
-    </p:tnLst>
-  </p:timing>
 </p:sld>
 </file>
 
@@ -15934,7 +15868,7 @@
           <a:lstStyle/>
           <a:p>
             <a:r>
-              <a:rPr lang="en-US" smtClean="0"/>
+              <a:rPr lang="en-US"/>
               <a:t>CONFIDENTIAL &amp; PROPRIETARY</a:t>
             </a:r>
             <a:endParaRPr lang="en-US" dirty="0"/>
@@ -15958,7 +15892,7 @@
           <a:p>
             <a:fld id="{CAEF89AF-97FF-41FD-A810-843DAB910B39}" type="datetime4">
               <a:rPr lang="en-US" smtClean="0"/>
-              <a:t>August 22, 2019</a:t>
+              <a:t>August 26, 2019</a:t>
             </a:fld>
             <a:endParaRPr lang="en-US" dirty="0"/>
           </a:p>
@@ -16028,10 +15962,9 @@
           <a:p>
             <a:pPr algn="ctr"/>
             <a:r>
-              <a:rPr lang="en-US" dirty="0" smtClean="0"/>
+              <a:rPr lang="en-US" dirty="0"/>
               <a:t>Add an input selector where you can choose which column to plot. </a:t>
             </a:r>
-            <a:endParaRPr lang="en-US" dirty="0"/>
           </a:p>
         </p:txBody>
       </p:sp>
@@ -16159,12 +16092,8 @@
           <a:lstStyle/>
           <a:p>
             <a:r>
-              <a:rPr lang="en-US" dirty="0" smtClean="0"/>
-              <a:t>Exercise </a:t>
-            </a:r>
-            <a:r>
-              <a:rPr lang="en-US" dirty="0"/>
-              <a:t>1-05</a:t>
+              <a:rPr lang="en-US" dirty="0"/>
+              <a:t>Exercise 1-05</a:t>
             </a:r>
           </a:p>
         </p:txBody>
@@ -16185,54 +16114,46 @@
           <a:lstStyle/>
           <a:p>
             <a:r>
-              <a:rPr lang="en-US" dirty="0" smtClean="0"/>
+              <a:rPr lang="en-US" dirty="0"/>
               <a:t>Add a input selector where you can choose which price columns to show. </a:t>
             </a:r>
           </a:p>
           <a:p>
             <a:r>
-              <a:rPr lang="en-US" dirty="0" smtClean="0"/>
+              <a:rPr lang="en-US" dirty="0"/>
               <a:t>Use: </a:t>
             </a:r>
           </a:p>
           <a:p>
             <a:pPr lvl="1"/>
             <a:r>
-              <a:rPr lang="en-US" dirty="0" err="1" smtClean="0"/>
+              <a:rPr lang="en-US" dirty="0" err="1"/>
               <a:t>selectInput</a:t>
             </a:r>
             <a:r>
-              <a:rPr lang="en-US" dirty="0" smtClean="0"/>
-              <a:t>(multiple </a:t>
-            </a:r>
-            <a:r>
-              <a:rPr lang="en-US" dirty="0"/>
-              <a:t>= </a:t>
-            </a:r>
-            <a:r>
-              <a:rPr lang="en-US" dirty="0" smtClean="0"/>
-              <a:t>TRUE)</a:t>
+              <a:rPr lang="en-US" dirty="0"/>
+              <a:t>(multiple = TRUE)</a:t>
             </a:r>
           </a:p>
           <a:p>
             <a:pPr lvl="1"/>
             <a:r>
-              <a:rPr lang="en-US" dirty="0" err="1" smtClean="0"/>
+              <a:rPr lang="en-US" dirty="0" err="1"/>
               <a:t>uiOutput</a:t>
             </a:r>
             <a:r>
-              <a:rPr lang="en-US" dirty="0" smtClean="0"/>
+              <a:rPr lang="en-US" dirty="0"/>
               <a:t>/</a:t>
             </a:r>
             <a:r>
-              <a:rPr lang="en-US" dirty="0" err="1" smtClean="0"/>
+              <a:rPr lang="en-US" dirty="0" err="1"/>
               <a:t>renderUI</a:t>
             </a:r>
-            <a:endParaRPr lang="en-US" dirty="0" smtClean="0"/>
+            <a:endParaRPr lang="en-US" dirty="0"/>
           </a:p>
           <a:p>
             <a:pPr lvl="1"/>
-            <a:endParaRPr lang="en-US" dirty="0" smtClean="0"/>
+            <a:endParaRPr lang="en-US" dirty="0"/>
           </a:p>
         </p:txBody>
       </p:sp>
@@ -16275,7 +16196,7 @@
           <a:lstStyle/>
           <a:p>
             <a:r>
-              <a:rPr lang="en-US" smtClean="0"/>
+              <a:rPr lang="en-US"/>
               <a:t>CONFIDENTIAL &amp; PROPRIETARY</a:t>
             </a:r>
             <a:endParaRPr lang="en-US" dirty="0"/>
@@ -16299,7 +16220,7 @@
           <a:p>
             <a:fld id="{CAEF89AF-97FF-41FD-A810-843DAB910B39}" type="datetime4">
               <a:rPr lang="en-US" smtClean="0"/>
-              <a:t>August 22, 2019</a:t>
+              <a:t>August 26, 2019</a:t>
             </a:fld>
             <a:endParaRPr lang="en-US" dirty="0"/>
           </a:p>
@@ -16339,13 +16260,6 @@
   <p:clrMapOvr>
     <a:masterClrMapping/>
   </p:clrMapOvr>
-  <p:timing>
-    <p:tnLst>
-      <p:par>
-        <p:cTn id="1" dur="indefinite" restart="never" nodeType="tmRoot"/>
-      </p:par>
-    </p:tnLst>
-  </p:timing>
 </p:sld>
 </file>
 
@@ -16414,60 +16328,59 @@
               <a:rPr lang="en-US" sz="2800" dirty="0"/>
               <a:t>Look at reactivity log. </a:t>
             </a:r>
-            <a:endParaRPr lang="en-US" sz="2800" dirty="0" smtClean="0"/>
-          </a:p>
-          <a:p>
-            <a:r>
-              <a:rPr lang="en-US" sz="2800" dirty="0" smtClean="0"/>
+          </a:p>
+          <a:p>
+            <a:r>
+              <a:rPr lang="en-US" sz="2800" dirty="0"/>
               <a:t>Observe:</a:t>
             </a:r>
           </a:p>
           <a:p>
             <a:pPr lvl="1"/>
             <a:r>
-              <a:rPr lang="en-US" sz="2400" dirty="0" smtClean="0"/>
+              <a:rPr lang="en-US" sz="2400" dirty="0"/>
               <a:t>Everything showed up quickly, but there were bunch of updating underneath. </a:t>
             </a:r>
           </a:p>
           <a:p>
             <a:pPr lvl="1"/>
             <a:r>
-              <a:rPr lang="en-US" sz="2400" dirty="0" smtClean="0"/>
+              <a:rPr lang="en-US" sz="2400" dirty="0"/>
               <a:t>Reactivity can become complicated fast, if you use particular objects in the app. </a:t>
             </a:r>
           </a:p>
           <a:p>
             <a:pPr lvl="2"/>
             <a:r>
-              <a:rPr lang="en-US" sz="2000" dirty="0" smtClean="0"/>
+              <a:rPr lang="en-US" sz="2000" dirty="0"/>
               <a:t>Dynamic UIs</a:t>
             </a:r>
           </a:p>
           <a:p>
             <a:pPr lvl="2"/>
             <a:r>
-              <a:rPr lang="en-US" sz="2000" dirty="0" err="1" smtClean="0"/>
+              <a:rPr lang="en-US" sz="2000" dirty="0" err="1"/>
               <a:t>rhandsontable</a:t>
             </a:r>
-            <a:endParaRPr lang="en-US" sz="2000" dirty="0" smtClean="0"/>
+            <a:endParaRPr lang="en-US" sz="2000" dirty="0"/>
           </a:p>
           <a:p>
             <a:pPr lvl="1"/>
             <a:r>
-              <a:rPr lang="en-US" sz="2400" dirty="0" smtClean="0"/>
+              <a:rPr lang="en-US" sz="2400" dirty="0"/>
               <a:t>We don’t have to worry about reactivity, until we have to. </a:t>
             </a:r>
           </a:p>
           <a:p>
             <a:pPr lvl="1"/>
             <a:r>
-              <a:rPr lang="en-US" sz="2400" dirty="0" smtClean="0"/>
+              <a:rPr lang="en-US" sz="2400" dirty="0"/>
               <a:t>A flash of error messages.  </a:t>
             </a:r>
           </a:p>
           <a:p>
             <a:pPr lvl="1"/>
-            <a:endParaRPr lang="en-US" sz="2400" dirty="0" smtClean="0"/>
+            <a:endParaRPr lang="en-US" sz="2400" dirty="0"/>
           </a:p>
           <a:p>
             <a:pPr lvl="1"/>
@@ -16514,7 +16427,7 @@
           <a:lstStyle/>
           <a:p>
             <a:r>
-              <a:rPr lang="en-US" smtClean="0"/>
+              <a:rPr lang="en-US"/>
               <a:t>CONFIDENTIAL &amp; PROPRIETARY</a:t>
             </a:r>
             <a:endParaRPr lang="en-US" dirty="0"/>
@@ -16538,7 +16451,7 @@
           <a:p>
             <a:fld id="{CAEF89AF-97FF-41FD-A810-843DAB910B39}" type="datetime4">
               <a:rPr lang="en-US" smtClean="0"/>
-              <a:t>August 22, 2019</a:t>
+              <a:t>August 26, 2019</a:t>
             </a:fld>
             <a:endParaRPr lang="en-US" dirty="0"/>
           </a:p>
@@ -16616,13 +16529,6 @@
   <p:clrMapOvr>
     <a:masterClrMapping/>
   </p:clrMapOvr>
-  <p:timing>
-    <p:tnLst>
-      <p:par>
-        <p:cTn id="1" dur="indefinite" restart="never" nodeType="tmRoot"/>
-      </p:par>
-    </p:tnLst>
-  </p:timing>
 </p:sld>
 </file>
 
@@ -16659,10 +16565,9 @@
           <a:lstStyle/>
           <a:p>
             <a:r>
-              <a:rPr lang="en-US" dirty="0" smtClean="0"/>
+              <a:rPr lang="en-US" dirty="0"/>
               <a:t>Control Dependencies</a:t>
             </a:r>
-            <a:endParaRPr lang="en-US" dirty="0"/>
           </a:p>
         </p:txBody>
       </p:sp>
@@ -16684,7 +16589,7 @@
           <a:lstStyle/>
           <a:p>
             <a:r>
-              <a:rPr lang="en-US" dirty="0" err="1" smtClean="0">
+              <a:rPr lang="en-US" dirty="0" err="1">
                 <a:solidFill>
                   <a:schemeClr val="accent2"/>
                 </a:solidFill>
@@ -16692,7 +16597,7 @@
               <a:t>Req</a:t>
             </a:r>
             <a:r>
-              <a:rPr lang="en-US" dirty="0" smtClean="0">
+              <a:rPr lang="en-US" dirty="0">
                 <a:solidFill>
                   <a:schemeClr val="accent2"/>
                 </a:solidFill>
@@ -16700,31 +16605,15 @@
               <a:t>()  </a:t>
             </a:r>
             <a:r>
-              <a:rPr lang="en-US" dirty="0" smtClean="0"/>
+              <a:rPr lang="en-US" dirty="0"/>
               <a:t>&amp; validate(need())</a:t>
             </a:r>
           </a:p>
           <a:p>
             <a:pPr lvl="1"/>
             <a:r>
-              <a:rPr lang="en-US" dirty="0" smtClean="0"/>
-              <a:t>Ensure </a:t>
-            </a:r>
-            <a:r>
-              <a:rPr lang="en-US" dirty="0"/>
-              <a:t>that values are available </a:t>
-            </a:r>
-            <a:r>
-              <a:rPr lang="en-US" dirty="0" smtClean="0"/>
-              <a:t>before </a:t>
-            </a:r>
-            <a:r>
-              <a:rPr lang="en-US" dirty="0"/>
-              <a:t>proceeding with a calculation or action</a:t>
-            </a:r>
-            <a:r>
-              <a:rPr lang="en-US" dirty="0" smtClean="0"/>
-              <a:t>.</a:t>
+              <a:rPr lang="en-US" dirty="0"/>
+              <a:t>Ensure that values are available before proceeding with a calculation or action.</a:t>
             </a:r>
           </a:p>
           <a:p>
@@ -16737,45 +16626,41 @@
             <a:pPr lvl="1"/>
             <a:r>
               <a:rPr lang="en-US" dirty="0"/>
-              <a:t>Create </a:t>
-            </a:r>
-            <a:r>
-              <a:rPr lang="en-US" dirty="0" smtClean="0"/>
-              <a:t>dependency</a:t>
-            </a:r>
-          </a:p>
-          <a:p>
-            <a:r>
-              <a:rPr lang="en-US" dirty="0" smtClean="0"/>
+              <a:t>Create dependency</a:t>
+            </a:r>
+          </a:p>
+          <a:p>
+            <a:r>
+              <a:rPr lang="en-US" dirty="0"/>
               <a:t>Isolate()</a:t>
             </a:r>
           </a:p>
           <a:p>
             <a:pPr lvl="1"/>
             <a:r>
-              <a:rPr lang="en-US" dirty="0" smtClean="0"/>
+              <a:rPr lang="en-US" dirty="0"/>
               <a:t>Avoid dependency.</a:t>
             </a:r>
           </a:p>
           <a:p>
             <a:r>
-              <a:rPr lang="en-US" dirty="0" err="1" smtClean="0"/>
+              <a:rPr lang="en-US" dirty="0" err="1"/>
               <a:t>EventReactive</a:t>
             </a:r>
             <a:r>
-              <a:rPr lang="en-US" dirty="0" smtClean="0"/>
+              <a:rPr lang="en-US" dirty="0"/>
               <a:t>()</a:t>
             </a:r>
           </a:p>
           <a:p>
             <a:pPr lvl="1"/>
             <a:r>
-              <a:rPr lang="en-US" dirty="0" smtClean="0"/>
+              <a:rPr lang="en-US" dirty="0"/>
               <a:t>Specify the dependency. </a:t>
             </a:r>
           </a:p>
           <a:p>
-            <a:endParaRPr lang="en-US" dirty="0" smtClean="0"/>
+            <a:endParaRPr lang="en-US" dirty="0"/>
           </a:p>
           <a:p>
             <a:endParaRPr lang="en-US" dirty="0"/>
@@ -16821,7 +16706,7 @@
           <a:lstStyle/>
           <a:p>
             <a:r>
-              <a:rPr lang="en-US" smtClean="0"/>
+              <a:rPr lang="en-US"/>
               <a:t>CONFIDENTIAL &amp; PROPRIETARY</a:t>
             </a:r>
             <a:endParaRPr lang="en-US" dirty="0"/>
@@ -16845,7 +16730,7 @@
           <a:p>
             <a:fld id="{CAEF89AF-97FF-41FD-A810-843DAB910B39}" type="datetime4">
               <a:rPr lang="en-US" smtClean="0"/>
-              <a:t>August 22, 2019</a:t>
+              <a:t>August 26, 2019</a:t>
             </a:fld>
             <a:endParaRPr lang="en-US" dirty="0"/>
           </a:p>
@@ -16893,13 +16778,6 @@
   <p:clrMapOvr>
     <a:masterClrMapping/>
   </p:clrMapOvr>
-  <p:timing>
-    <p:tnLst>
-      <p:par>
-        <p:cTn id="1" dur="indefinite" restart="never" nodeType="tmRoot"/>
-      </p:par>
-    </p:tnLst>
-  </p:timing>
 </p:sld>
 </file>
 
@@ -16936,12 +16814,8 @@
           <a:lstStyle/>
           <a:p>
             <a:r>
-              <a:rPr lang="en-US" dirty="0" smtClean="0"/>
-              <a:t>Exercise </a:t>
-            </a:r>
-            <a:r>
-              <a:rPr lang="en-US" dirty="0"/>
-              <a:t>1-06 </a:t>
+              <a:rPr lang="en-US" dirty="0"/>
+              <a:t>Exercise 1-06 </a:t>
             </a:r>
           </a:p>
         </p:txBody>
@@ -16985,7 +16859,7 @@
           <a:lstStyle/>
           <a:p>
             <a:r>
-              <a:rPr lang="en-US" smtClean="0"/>
+              <a:rPr lang="en-US"/>
               <a:t>CONFIDENTIAL &amp; PROPRIETARY</a:t>
             </a:r>
             <a:endParaRPr lang="en-US" dirty="0"/>
@@ -17009,7 +16883,7 @@
           <a:p>
             <a:fld id="{CAEF89AF-97FF-41FD-A810-843DAB910B39}" type="datetime4">
               <a:rPr lang="en-US" smtClean="0"/>
-              <a:t>August 22, 2019</a:t>
+              <a:t>August 26, 2019</a:t>
             </a:fld>
             <a:endParaRPr lang="en-US" dirty="0"/>
           </a:p>
@@ -17079,10 +16953,9 @@
           <a:p>
             <a:pPr algn="ctr"/>
             <a:r>
-              <a:rPr lang="en-US" dirty="0" smtClean="0"/>
+              <a:rPr lang="en-US" dirty="0"/>
               <a:t>Add “MISO”</a:t>
             </a:r>
-            <a:endParaRPr lang="en-US" dirty="0"/>
           </a:p>
         </p:txBody>
       </p:sp>
@@ -17124,10 +16997,9 @@
           <a:p>
             <a:pPr algn="ctr"/>
             <a:r>
-              <a:rPr lang="en-US" dirty="0" smtClean="0"/>
+              <a:rPr lang="en-US" dirty="0"/>
               <a:t>Add show a message if a corresponding data file does not exist. </a:t>
             </a:r>
-            <a:endParaRPr lang="en-US" dirty="0"/>
           </a:p>
         </p:txBody>
       </p:sp>
@@ -17320,10 +17192,9 @@
           <a:lstStyle/>
           <a:p>
             <a:r>
-              <a:rPr lang="en-US" dirty="0" smtClean="0"/>
+              <a:rPr lang="en-US" dirty="0"/>
               <a:t>Shiny Basics Review</a:t>
             </a:r>
-            <a:endParaRPr lang="en-US" dirty="0"/>
           </a:p>
         </p:txBody>
       </p:sp>
@@ -17366,7 +17237,7 @@
           <a:lstStyle/>
           <a:p>
             <a:r>
-              <a:rPr lang="en-US" smtClean="0"/>
+              <a:rPr lang="en-US"/>
               <a:t>CONFIDENTIAL &amp; PROPRIETARY</a:t>
             </a:r>
             <a:endParaRPr lang="en-US" dirty="0"/>
@@ -17390,7 +17261,7 @@
           <a:p>
             <a:fld id="{CAEF89AF-97FF-41FD-A810-843DAB910B39}" type="datetime4">
               <a:rPr lang="en-US" smtClean="0"/>
-              <a:t>August 22, 2019</a:t>
+              <a:t>August 26, 2019</a:t>
             </a:fld>
             <a:endParaRPr lang="en-US" dirty="0"/>
           </a:p>
@@ -17406,13 +17277,6 @@
   <p:clrMapOvr>
     <a:masterClrMapping/>
   </p:clrMapOvr>
-  <p:timing>
-    <p:tnLst>
-      <p:par>
-        <p:cTn id="1" dur="indefinite" restart="never" nodeType="tmRoot"/>
-      </p:par>
-    </p:tnLst>
-  </p:timing>
 </p:sld>
 </file>
 
@@ -17449,12 +17313,8 @@
           <a:lstStyle/>
           <a:p>
             <a:r>
-              <a:rPr lang="en-US" dirty="0" smtClean="0"/>
-              <a:t>Exercise </a:t>
-            </a:r>
-            <a:r>
-              <a:rPr lang="en-US" dirty="0"/>
-              <a:t>1-06 </a:t>
+              <a:rPr lang="en-US" dirty="0"/>
+              <a:t>Exercise 1-06 </a:t>
             </a:r>
           </a:p>
         </p:txBody>
@@ -17482,57 +17342,45 @@
           <a:lstStyle/>
           <a:p>
             <a:r>
-              <a:rPr lang="en-US" dirty="0" smtClean="0"/>
+              <a:rPr lang="en-US" dirty="0"/>
               <a:t>Add </a:t>
             </a:r>
             <a:r>
-              <a:rPr lang="en-US" dirty="0" err="1" smtClean="0"/>
+              <a:rPr lang="en-US" dirty="0" err="1"/>
               <a:t>req</a:t>
             </a:r>
             <a:r>
-              <a:rPr lang="en-US" dirty="0" smtClean="0"/>
+              <a:rPr lang="en-US" dirty="0"/>
               <a:t>() for </a:t>
             </a:r>
             <a:r>
-              <a:rPr lang="en-US" dirty="0" err="1" smtClean="0"/>
+              <a:rPr lang="en-US" dirty="0" err="1"/>
               <a:t>dymanic</a:t>
             </a:r>
             <a:r>
-              <a:rPr lang="en-US" dirty="0" smtClean="0"/>
-              <a:t> UI variable</a:t>
-            </a:r>
-            <a:r>
-              <a:rPr lang="en-US" dirty="0"/>
-              <a:t>, making output$tsplot1 </a:t>
-            </a:r>
-            <a:r>
-              <a:rPr lang="en-US" dirty="0" smtClean="0"/>
-              <a:t>required for </a:t>
-            </a:r>
-            <a:r>
-              <a:rPr lang="en-US" dirty="0"/>
-              <a:t>valid </a:t>
-            </a:r>
-            <a:r>
-              <a:rPr lang="en-US" dirty="0" err="1" smtClean="0"/>
+              <a:rPr lang="en-US" dirty="0"/>
+              <a:t> UI variable, making output$tsplot1 required for valid </a:t>
+            </a:r>
+            <a:r>
+              <a:rPr lang="en-US" dirty="0" err="1"/>
               <a:t>input$variable</a:t>
             </a:r>
             <a:r>
-              <a:rPr lang="en-US" dirty="0" smtClean="0"/>
+              <a:rPr lang="en-US" dirty="0"/>
               <a:t> values. </a:t>
             </a:r>
           </a:p>
           <a:p>
             <a:r>
-              <a:rPr lang="en-US" dirty="0" smtClean="0"/>
+              <a:rPr lang="en-US" dirty="0"/>
               <a:t>Add another market “MISO” to </a:t>
             </a:r>
             <a:r>
-              <a:rPr lang="en-US" dirty="0" err="1" smtClean="0"/>
+              <a:rPr lang="en-US" dirty="0" err="1"/>
               <a:t>input$market</a:t>
             </a:r>
             <a:r>
-              <a:rPr lang="en-US" dirty="0" smtClean="0"/>
+              <a:rPr lang="en-US" dirty="0"/>
               <a:t> and use validate() for checking if the data source exists. </a:t>
             </a:r>
           </a:p>
@@ -17541,28 +17389,28 @@
           </a:p>
           <a:p>
             <a:r>
-              <a:rPr lang="en-US" dirty="0" smtClean="0"/>
+              <a:rPr lang="en-US" dirty="0"/>
               <a:t>Use: </a:t>
             </a:r>
           </a:p>
           <a:p>
             <a:pPr lvl="1"/>
             <a:r>
-              <a:rPr lang="en-US" dirty="0" err="1" smtClean="0"/>
+              <a:rPr lang="en-US" dirty="0" err="1"/>
               <a:t>Req</a:t>
             </a:r>
-            <a:endParaRPr lang="en-US" dirty="0" smtClean="0"/>
+            <a:endParaRPr lang="en-US" dirty="0"/>
           </a:p>
           <a:p>
             <a:pPr lvl="1"/>
             <a:r>
-              <a:rPr lang="en-US" dirty="0" smtClean="0"/>
+              <a:rPr lang="en-US" dirty="0"/>
               <a:t>Validate(need())</a:t>
             </a:r>
           </a:p>
           <a:p>
             <a:pPr lvl="1"/>
-            <a:endParaRPr lang="en-US" dirty="0" smtClean="0"/>
+            <a:endParaRPr lang="en-US" dirty="0"/>
           </a:p>
         </p:txBody>
       </p:sp>
@@ -17605,7 +17453,7 @@
           <a:lstStyle/>
           <a:p>
             <a:r>
-              <a:rPr lang="en-US" smtClean="0"/>
+              <a:rPr lang="en-US"/>
               <a:t>CONFIDENTIAL &amp; PROPRIETARY</a:t>
             </a:r>
             <a:endParaRPr lang="en-US" dirty="0"/>
@@ -17629,7 +17477,7 @@
           <a:p>
             <a:fld id="{CAEF89AF-97FF-41FD-A810-843DAB910B39}" type="datetime4">
               <a:rPr lang="en-US" smtClean="0"/>
-              <a:t>August 22, 2019</a:t>
+              <a:t>August 26, 2019</a:t>
             </a:fld>
             <a:endParaRPr lang="en-US" dirty="0"/>
           </a:p>
@@ -17669,13 +17517,6 @@
   <p:clrMapOvr>
     <a:masterClrMapping/>
   </p:clrMapOvr>
-  <p:timing>
-    <p:tnLst>
-      <p:par>
-        <p:cTn id="1" dur="indefinite" restart="never" nodeType="tmRoot"/>
-      </p:par>
-    </p:tnLst>
-  </p:timing>
 </p:sld>
 </file>
 
@@ -17712,10 +17553,9 @@
           <a:lstStyle/>
           <a:p>
             <a:r>
-              <a:rPr lang="en-US" dirty="0" smtClean="0"/>
+              <a:rPr lang="en-US" dirty="0"/>
               <a:t>Observers</a:t>
             </a:r>
-            <a:endParaRPr lang="en-US" dirty="0"/>
           </a:p>
         </p:txBody>
       </p:sp>
@@ -17737,119 +17577,92 @@
           <a:lstStyle/>
           <a:p>
             <a:r>
-              <a:rPr lang="en-US" dirty="0" smtClean="0"/>
+              <a:rPr lang="en-US" dirty="0"/>
+              <a:t>Behaviors</a:t>
+            </a:r>
+          </a:p>
+          <a:p>
+            <a:pPr lvl="1"/>
+            <a:r>
+              <a:rPr lang="en-US" dirty="0"/>
+              <a:t>Triggered every time one of its inputs changes (regardless of whether values are needed). </a:t>
+            </a:r>
+          </a:p>
+          <a:p>
+            <a:pPr lvl="1"/>
+            <a:r>
+              <a:rPr lang="en-US" dirty="0"/>
+              <a:t> Yields no output.</a:t>
+            </a:r>
+          </a:p>
+          <a:p>
+            <a:pPr lvl="1"/>
+            <a:r>
+              <a:rPr lang="en-US" dirty="0"/>
+              <a:t>Useful in </a:t>
+            </a:r>
+          </a:p>
+          <a:p>
+            <a:pPr lvl="2"/>
+            <a:r>
+              <a:rPr lang="en-US" dirty="0"/>
+              <a:t>Reset </a:t>
+            </a:r>
+            <a:r>
+              <a:rPr lang="en-US" dirty="0" err="1"/>
+              <a:t>input$xxx</a:t>
+            </a:r>
+            <a:r>
+              <a:rPr lang="en-US" dirty="0"/>
+              <a:t> values using ‘update*Input’ functions. </a:t>
+            </a:r>
+          </a:p>
+          <a:p>
+            <a:pPr lvl="2"/>
+            <a:r>
+              <a:rPr lang="en-US" dirty="0"/>
+              <a:t>Display pop-up messages. </a:t>
+            </a:r>
+          </a:p>
+          <a:p>
+            <a:pPr lvl="2"/>
+            <a:r>
+              <a:rPr lang="en-US" dirty="0"/>
+              <a:t>Modifying </a:t>
+            </a:r>
+            <a:r>
+              <a:rPr lang="en-US" dirty="0" err="1"/>
+              <a:t>reactiveValues</a:t>
+            </a:r>
+            <a:endParaRPr lang="en-US" dirty="0"/>
+          </a:p>
+          <a:p>
+            <a:pPr lvl="2"/>
+            <a:r>
+              <a:rPr lang="en-US" dirty="0"/>
+              <a:t>…</a:t>
+            </a:r>
+          </a:p>
+          <a:p>
+            <a:endParaRPr lang="en-US" dirty="0"/>
+          </a:p>
+          <a:p>
+            <a:r>
+              <a:rPr lang="en-US" dirty="0"/>
               <a:t>Observe: watches for all dependent reactive objects. </a:t>
             </a:r>
           </a:p>
           <a:p>
             <a:r>
-              <a:rPr lang="en-US" dirty="0" err="1" smtClean="0"/>
+              <a:rPr lang="en-US" dirty="0" err="1"/>
               <a:t>observeEvent</a:t>
             </a:r>
             <a:r>
-              <a:rPr lang="en-US" dirty="0" smtClean="0"/>
+              <a:rPr lang="en-US" dirty="0"/>
               <a:t>: reacts to only specified reactive objects. </a:t>
             </a:r>
           </a:p>
           <a:p>
-            <a:endParaRPr lang="en-US" dirty="0" smtClean="0"/>
-          </a:p>
-          <a:p>
-            <a:r>
-              <a:rPr lang="en-US" dirty="0" smtClean="0"/>
-              <a:t>Behaviors</a:t>
-            </a:r>
-            <a:endParaRPr lang="en-US" dirty="0"/>
-          </a:p>
-          <a:p>
-            <a:pPr lvl="1"/>
-            <a:r>
-              <a:rPr lang="en-US" dirty="0"/>
-              <a:t>T</a:t>
-            </a:r>
-            <a:r>
-              <a:rPr lang="en-US" dirty="0" smtClean="0"/>
-              <a:t>riggered </a:t>
-            </a:r>
-            <a:r>
-              <a:rPr lang="en-US" dirty="0"/>
-              <a:t>every time one of its inputs </a:t>
-            </a:r>
-            <a:r>
-              <a:rPr lang="en-US" dirty="0" smtClean="0"/>
-              <a:t>changes (regardless of whether values are needed). </a:t>
-            </a:r>
-          </a:p>
-          <a:p>
-            <a:pPr lvl="1"/>
-            <a:r>
-              <a:rPr lang="en-US" dirty="0" smtClean="0"/>
-              <a:t> Yields </a:t>
-            </a:r>
-            <a:r>
-              <a:rPr lang="en-US" dirty="0"/>
-              <a:t>no </a:t>
-            </a:r>
-            <a:r>
-              <a:rPr lang="en-US" dirty="0" smtClean="0"/>
-              <a:t>output.</a:t>
-            </a:r>
-          </a:p>
-          <a:p>
-            <a:pPr lvl="1"/>
-            <a:r>
-              <a:rPr lang="en-US" dirty="0" smtClean="0"/>
-              <a:t>Useful in </a:t>
-            </a:r>
-          </a:p>
-          <a:p>
-            <a:pPr lvl="2"/>
-            <a:r>
-              <a:rPr lang="en-US" dirty="0" smtClean="0"/>
-              <a:t>Reset </a:t>
-            </a:r>
-            <a:r>
-              <a:rPr lang="en-US" dirty="0" err="1" smtClean="0"/>
-              <a:t>input$xxx</a:t>
-            </a:r>
-            <a:r>
-              <a:rPr lang="en-US" dirty="0" smtClean="0"/>
-              <a:t> values </a:t>
-            </a:r>
-            <a:r>
-              <a:rPr lang="en-US" dirty="0"/>
-              <a:t>using </a:t>
-            </a:r>
-            <a:r>
-              <a:rPr lang="en-US" dirty="0" smtClean="0"/>
-              <a:t>‘update*Input’ functions. </a:t>
-            </a:r>
-          </a:p>
-          <a:p>
-            <a:pPr lvl="2"/>
-            <a:r>
-              <a:rPr lang="en-US" dirty="0" smtClean="0"/>
-              <a:t>Display pop-up messages. </a:t>
-            </a:r>
-          </a:p>
-          <a:p>
-            <a:pPr lvl="2"/>
-            <a:r>
-              <a:rPr lang="en-US" dirty="0" smtClean="0"/>
-              <a:t>Modifying </a:t>
-            </a:r>
-            <a:r>
-              <a:rPr lang="en-US" dirty="0" err="1" smtClean="0"/>
-              <a:t>reactiveValues</a:t>
-            </a:r>
-            <a:endParaRPr lang="en-US" dirty="0" smtClean="0"/>
-          </a:p>
-          <a:p>
-            <a:pPr lvl="2"/>
-            <a:r>
-              <a:rPr lang="en-US" dirty="0" smtClean="0"/>
-              <a:t>…</a:t>
-            </a:r>
             <a:endParaRPr lang="en-US" dirty="0"/>
           </a:p>
         </p:txBody>
@@ -17893,7 +17706,7 @@
           <a:lstStyle/>
           <a:p>
             <a:r>
-              <a:rPr lang="en-US" smtClean="0"/>
+              <a:rPr lang="en-US"/>
               <a:t>CONFIDENTIAL &amp; PROPRIETARY</a:t>
             </a:r>
             <a:endParaRPr lang="en-US" dirty="0"/>
@@ -17917,7 +17730,7 @@
           <a:p>
             <a:fld id="{CAEF89AF-97FF-41FD-A810-843DAB910B39}" type="datetime4">
               <a:rPr lang="en-US" smtClean="0"/>
-              <a:t>August 22, 2019</a:t>
+              <a:t>August 26, 2019</a:t>
             </a:fld>
             <a:endParaRPr lang="en-US" dirty="0"/>
           </a:p>
@@ -17933,13 +17746,6 @@
   <p:clrMapOvr>
     <a:masterClrMapping/>
   </p:clrMapOvr>
-  <p:timing>
-    <p:tnLst>
-      <p:par>
-        <p:cTn id="1" dur="indefinite" restart="never" nodeType="tmRoot"/>
-      </p:par>
-    </p:tnLst>
-  </p:timing>
 </p:sld>
 </file>
 
@@ -17976,7 +17782,7 @@
           <a:lstStyle/>
           <a:p>
             <a:r>
-              <a:rPr lang="en-US" dirty="0" err="1" smtClean="0"/>
+              <a:rPr lang="en-US" dirty="0" err="1"/>
               <a:t>ReactiveValues</a:t>
             </a:r>
             <a:endParaRPr lang="en-US" dirty="0"/>
@@ -18001,11 +17807,11 @@
           <a:lstStyle/>
           <a:p>
             <a:r>
-              <a:rPr lang="en-US" dirty="0" err="1" smtClean="0"/>
+              <a:rPr lang="en-US" dirty="0" err="1"/>
               <a:t>ReactiveValue</a:t>
             </a:r>
             <a:r>
-              <a:rPr lang="en-US" dirty="0" smtClean="0"/>
+              <a:rPr lang="en-US" dirty="0"/>
               <a:t> is</a:t>
             </a:r>
           </a:p>
@@ -18013,11 +17819,7 @@
             <a:pPr lvl="1"/>
             <a:r>
               <a:rPr lang="en-US" dirty="0"/>
-              <a:t>U</a:t>
-            </a:r>
-            <a:r>
-              <a:rPr lang="en-US" dirty="0" smtClean="0"/>
-              <a:t>pdated and/or called inside </a:t>
+              <a:t>Updated and/or called inside </a:t>
             </a:r>
           </a:p>
           <a:p>
@@ -18026,84 +17828,66 @@
             </a:pPr>
             <a:r>
               <a:rPr lang="en-US" dirty="0"/>
-              <a:t> </a:t>
-            </a:r>
-            <a:r>
-              <a:rPr lang="en-US" dirty="0" smtClean="0"/>
-              <a:t>   reactive expression or observer. </a:t>
+              <a:t>    reactive expression or observer. </a:t>
             </a:r>
           </a:p>
           <a:p>
             <a:pPr lvl="1"/>
             <a:r>
-              <a:rPr lang="en-US" dirty="0" smtClean="0"/>
+              <a:rPr lang="en-US" dirty="0"/>
               <a:t>You need to control when it updates. </a:t>
             </a:r>
           </a:p>
           <a:p>
             <a:pPr lvl="2"/>
             <a:r>
-              <a:rPr lang="en-US" dirty="0" smtClean="0"/>
+              <a:rPr lang="en-US" dirty="0"/>
               <a:t>No automatic updates when dependencies change. </a:t>
             </a:r>
           </a:p>
           <a:p>
             <a:pPr lvl="2"/>
             <a:r>
-              <a:rPr lang="en-US" dirty="0" smtClean="0"/>
+              <a:rPr lang="en-US" dirty="0"/>
               <a:t>It can be updated even when outputs are not needed. </a:t>
             </a:r>
           </a:p>
           <a:p>
-            <a:endParaRPr lang="en-US" dirty="0" smtClean="0"/>
-          </a:p>
-          <a:p>
-            <a:r>
-              <a:rPr lang="en-US" dirty="0" smtClean="0"/>
+            <a:endParaRPr lang="en-US" dirty="0"/>
+          </a:p>
+          <a:p>
+            <a:r>
+              <a:rPr lang="en-US" dirty="0"/>
               <a:t>Recall ‘reactive’</a:t>
             </a:r>
+          </a:p>
+          <a:p>
+            <a:pPr lvl="1"/>
+            <a:r>
+              <a:rPr lang="en-US" dirty="0"/>
+              <a:t>You don’t have to worry about dependencies. </a:t>
+            </a:r>
+          </a:p>
+          <a:p>
+            <a:pPr lvl="2"/>
+            <a:r>
+              <a:rPr lang="en-US" dirty="0"/>
+              <a:t>Unless manually controlled, it’ll know the dependencies. </a:t>
+            </a:r>
+          </a:p>
+          <a:p>
+            <a:pPr lvl="2"/>
+            <a:r>
+              <a:rPr lang="en-US" dirty="0"/>
+              <a:t>It updates only when needed. </a:t>
+            </a:r>
+          </a:p>
+          <a:p>
             <a:endParaRPr lang="en-US" dirty="0"/>
           </a:p>
           <a:p>
             <a:pPr lvl="1"/>
-            <a:r>
-              <a:rPr lang="en-US" dirty="0"/>
-              <a:t>You don’t have to worry about dependencies. </a:t>
-            </a:r>
-          </a:p>
-          <a:p>
-            <a:pPr lvl="2"/>
-            <a:r>
-              <a:rPr lang="en-US" dirty="0"/>
-              <a:t>Unless manually </a:t>
-            </a:r>
-            <a:r>
-              <a:rPr lang="en-US" dirty="0" smtClean="0"/>
-              <a:t>controlled, </a:t>
-            </a:r>
-            <a:r>
-              <a:rPr lang="en-US" dirty="0"/>
-              <a:t>it’ll </a:t>
-            </a:r>
-            <a:r>
-              <a:rPr lang="en-US" dirty="0" smtClean="0"/>
-              <a:t>know the dependencies. </a:t>
-            </a:r>
             <a:endParaRPr lang="en-US" dirty="0"/>
-          </a:p>
-          <a:p>
-            <a:pPr lvl="2"/>
-            <a:r>
-              <a:rPr lang="en-US" dirty="0"/>
-              <a:t>It updates only when needed. </a:t>
-            </a:r>
-          </a:p>
-          <a:p>
-            <a:endParaRPr lang="en-US" dirty="0" smtClean="0"/>
-          </a:p>
-          <a:p>
-            <a:pPr lvl="1"/>
-            <a:endParaRPr lang="en-US" dirty="0" smtClean="0"/>
           </a:p>
         </p:txBody>
       </p:sp>
@@ -18146,7 +17930,7 @@
           <a:lstStyle/>
           <a:p>
             <a:r>
-              <a:rPr lang="en-US" smtClean="0"/>
+              <a:rPr lang="en-US"/>
               <a:t>CONFIDENTIAL &amp; PROPRIETARY</a:t>
             </a:r>
             <a:endParaRPr lang="en-US" dirty="0"/>
@@ -18170,7 +17954,7 @@
           <a:p>
             <a:fld id="{CAEF89AF-97FF-41FD-A810-843DAB910B39}" type="datetime4">
               <a:rPr lang="en-US" smtClean="0"/>
-              <a:t>August 22, 2019</a:t>
+              <a:t>August 26, 2019</a:t>
             </a:fld>
             <a:endParaRPr lang="en-US" dirty="0"/>
           </a:p>
@@ -18249,10 +18033,9 @@
           <a:p>
             <a:pPr algn="ctr"/>
             <a:r>
-              <a:rPr lang="en-US" dirty="0" smtClean="0"/>
+              <a:rPr lang="en-US" dirty="0"/>
               <a:t>eager</a:t>
             </a:r>
-            <a:endParaRPr lang="en-US" dirty="0"/>
           </a:p>
         </p:txBody>
       </p:sp>
@@ -18299,10 +18082,9 @@
           <a:p>
             <a:pPr algn="ctr"/>
             <a:r>
-              <a:rPr lang="en-US" dirty="0" smtClean="0"/>
+              <a:rPr lang="en-US" dirty="0"/>
               <a:t>lazy</a:t>
             </a:r>
-            <a:endParaRPr lang="en-US" dirty="0"/>
           </a:p>
         </p:txBody>
       </p:sp>
@@ -18474,10 +18256,9 @@
           <a:lstStyle/>
           <a:p>
             <a:r>
-              <a:rPr lang="en-US" dirty="0" smtClean="0"/>
+              <a:rPr lang="en-US" dirty="0"/>
               <a:t>Demo 1-07</a:t>
             </a:r>
-            <a:endParaRPr lang="en-US" dirty="0"/>
           </a:p>
         </p:txBody>
       </p:sp>
@@ -18497,11 +18278,11 @@
           <a:lstStyle/>
           <a:p>
             <a:r>
-              <a:rPr lang="en-US" dirty="0" smtClean="0"/>
+              <a:rPr lang="en-US" dirty="0"/>
               <a:t>Use of Observe and </a:t>
             </a:r>
             <a:r>
-              <a:rPr lang="en-US" dirty="0" err="1" smtClean="0"/>
+              <a:rPr lang="en-US" dirty="0" err="1"/>
               <a:t>reactiveValues</a:t>
             </a:r>
             <a:endParaRPr lang="en-US" dirty="0"/>
@@ -18547,7 +18328,7 @@
           <a:lstStyle/>
           <a:p>
             <a:r>
-              <a:rPr lang="en-US" smtClean="0"/>
+              <a:rPr lang="en-US"/>
               <a:t>CONFIDENTIAL &amp; PROPRIETARY</a:t>
             </a:r>
             <a:endParaRPr lang="en-US" dirty="0"/>
@@ -18571,7 +18352,7 @@
           <a:p>
             <a:fld id="{CAEF89AF-97FF-41FD-A810-843DAB910B39}" type="datetime4">
               <a:rPr lang="en-US" smtClean="0"/>
-              <a:t>August 22, 2019</a:t>
+              <a:t>August 26, 2019</a:t>
             </a:fld>
             <a:endParaRPr lang="en-US" dirty="0"/>
           </a:p>
@@ -18611,13 +18392,6 @@
   <p:clrMapOvr>
     <a:masterClrMapping/>
   </p:clrMapOvr>
-  <p:timing>
-    <p:tnLst>
-      <p:par>
-        <p:cTn id="1" dur="indefinite" restart="never" nodeType="tmRoot"/>
-      </p:par>
-    </p:tnLst>
-  </p:timing>
 </p:sld>
 </file>
 
@@ -18654,11 +18428,11 @@
           <a:lstStyle/>
           <a:p>
             <a:r>
-              <a:rPr lang="en-US" dirty="0" smtClean="0"/>
+              <a:rPr lang="en-US" dirty="0"/>
               <a:t>Use Cases for </a:t>
             </a:r>
             <a:r>
-              <a:rPr lang="en-US" dirty="0" err="1" smtClean="0"/>
+              <a:rPr lang="en-US" dirty="0" err="1"/>
               <a:t>ReactiveValues</a:t>
             </a:r>
             <a:endParaRPr lang="en-US" dirty="0"/>
@@ -18683,58 +18457,38 @@
           <a:lstStyle/>
           <a:p>
             <a:r>
-              <a:rPr lang="en-US" dirty="0" smtClean="0"/>
+              <a:rPr lang="en-US" dirty="0"/>
               <a:t>Need to store status and status changes based on multiple inputs</a:t>
             </a:r>
           </a:p>
           <a:p>
             <a:r>
-              <a:rPr lang="en-US" dirty="0" smtClean="0"/>
-              <a:t>Partial data imports</a:t>
-            </a:r>
-            <a:r>
-              <a:rPr lang="en-US" dirty="0"/>
-              <a:t> </a:t>
-            </a:r>
-            <a:r>
-              <a:rPr lang="en-US" dirty="0" smtClean="0"/>
-              <a:t>and append. </a:t>
+              <a:rPr lang="en-US" dirty="0"/>
+              <a:t>Partial data imports and append. </a:t>
             </a:r>
           </a:p>
           <a:p>
             <a:pPr lvl="1"/>
             <a:r>
-              <a:rPr lang="en-US" dirty="0" smtClean="0"/>
+              <a:rPr lang="en-US" dirty="0"/>
               <a:t>Append data as needed. </a:t>
             </a:r>
           </a:p>
           <a:p>
             <a:r>
-              <a:rPr lang="en-US" dirty="0" smtClean="0"/>
+              <a:rPr lang="en-US" dirty="0"/>
               <a:t>Examples:</a:t>
             </a:r>
           </a:p>
           <a:p>
             <a:pPr lvl="1"/>
-            <a:r>
-              <a:rPr lang="en-US" sz="1900" dirty="0" smtClean="0">
-                <a:hlinkClick r:id="rId2"/>
-              </a:rPr>
-              <a:t>https</a:t>
-            </a:r>
             <a:r>
               <a:rPr lang="en-US" sz="1900" dirty="0">
                 <a:hlinkClick r:id="rId2"/>
               </a:rPr>
-              <a:t>://</a:t>
-            </a:r>
-            <a:r>
-              <a:rPr lang="en-US" sz="1900" dirty="0" smtClean="0">
-                <a:hlinkClick r:id="rId2"/>
-              </a:rPr>
-              <a:t>github.com/TEA-Analytics/DeltaHedging/blob/master/RCode/shiny-app/server.r#L61</a:t>
-            </a:r>
-            <a:endParaRPr lang="en-US" sz="1900" dirty="0" smtClean="0"/>
+              <a:t>https://github.com/TEA-Analytics/DeltaHedging/blob/master/RCode/shiny-app/server.r#L61</a:t>
+            </a:r>
+            <a:endParaRPr lang="en-US" sz="1900" dirty="0"/>
           </a:p>
           <a:p>
             <a:pPr lvl="1"/>
@@ -18742,15 +18496,9 @@
               <a:rPr lang="en-US" sz="1900" dirty="0">
                 <a:hlinkClick r:id="rId3"/>
               </a:rPr>
-              <a:t>https://</a:t>
-            </a:r>
-            <a:r>
-              <a:rPr lang="en-US" sz="1900" dirty="0" smtClean="0">
-                <a:hlinkClick r:id="rId3"/>
-              </a:rPr>
-              <a:t>github.com/TEA-Analytics/LMP-Forecast/blob/master/LMP-Forecast-Main/server.R#L7</a:t>
-            </a:r>
-            <a:endParaRPr lang="en-US" sz="1900" dirty="0" smtClean="0"/>
+              <a:t>https://github.com/TEA-Analytics/LMP-Forecast/blob/master/LMP-Forecast-Main/server.R#L7</a:t>
+            </a:r>
+            <a:endParaRPr lang="en-US" sz="1900" dirty="0"/>
           </a:p>
           <a:p>
             <a:endParaRPr lang="en-US" sz="2300" dirty="0"/>
@@ -18796,7 +18544,7 @@
           <a:lstStyle/>
           <a:p>
             <a:r>
-              <a:rPr lang="en-US" smtClean="0"/>
+              <a:rPr lang="en-US"/>
               <a:t>CONFIDENTIAL &amp; PROPRIETARY</a:t>
             </a:r>
             <a:endParaRPr lang="en-US" dirty="0"/>
@@ -18820,7 +18568,7 @@
           <a:p>
             <a:fld id="{CAEF89AF-97FF-41FD-A810-843DAB910B39}" type="datetime4">
               <a:rPr lang="en-US" smtClean="0"/>
-              <a:t>August 22, 2019</a:t>
+              <a:t>August 26, 2019</a:t>
             </a:fld>
             <a:endParaRPr lang="en-US" dirty="0"/>
           </a:p>
@@ -18836,13 +18584,6 @@
   <p:clrMapOvr>
     <a:masterClrMapping/>
   </p:clrMapOvr>
-  <p:timing>
-    <p:tnLst>
-      <p:par>
-        <p:cTn id="1" dur="indefinite" restart="never" nodeType="tmRoot"/>
-      </p:par>
-    </p:tnLst>
-  </p:timing>
 </p:sld>
 </file>
 
@@ -18879,10 +18620,9 @@
           <a:lstStyle/>
           <a:p>
             <a:r>
-              <a:rPr lang="en-US" dirty="0" smtClean="0"/>
+              <a:rPr lang="en-US" dirty="0"/>
               <a:t>Summary on Reactivity</a:t>
             </a:r>
-            <a:endParaRPr lang="en-US" dirty="0"/>
           </a:p>
         </p:txBody>
       </p:sp>
@@ -18907,46 +18647,45 @@
           <a:lstStyle/>
           <a:p>
             <a:r>
-              <a:rPr lang="en-US" dirty="0" smtClean="0"/>
+              <a:rPr lang="en-US" dirty="0"/>
               <a:t>First, think reactive. </a:t>
             </a:r>
           </a:p>
           <a:p>
             <a:r>
-              <a:rPr lang="en-US" dirty="0" smtClean="0"/>
+              <a:rPr lang="en-US" dirty="0"/>
               <a:t>Then think </a:t>
             </a:r>
             <a:r>
-              <a:rPr lang="en-US" dirty="0" err="1" smtClean="0"/>
+              <a:rPr lang="en-US" dirty="0" err="1"/>
               <a:t>req</a:t>
             </a:r>
             <a:r>
-              <a:rPr lang="en-US" dirty="0" smtClean="0"/>
+              <a:rPr lang="en-US" dirty="0"/>
               <a:t>, validate, isolate or </a:t>
             </a:r>
             <a:r>
-              <a:rPr lang="en-US" dirty="0" err="1" smtClean="0"/>
+              <a:rPr lang="en-US" dirty="0" err="1"/>
               <a:t>eventReactive</a:t>
             </a:r>
             <a:r>
-              <a:rPr lang="en-US" dirty="0" smtClean="0"/>
+              <a:rPr lang="en-US" dirty="0"/>
               <a:t>. </a:t>
             </a:r>
           </a:p>
           <a:p>
             <a:r>
-              <a:rPr lang="en-US" dirty="0" smtClean="0"/>
+              <a:rPr lang="en-US" dirty="0"/>
               <a:t>Then think </a:t>
             </a:r>
             <a:r>
-              <a:rPr lang="en-US" dirty="0" err="1" smtClean="0"/>
+              <a:rPr lang="en-US" dirty="0" err="1"/>
               <a:t>reactiveValues</a:t>
             </a:r>
             <a:r>
-              <a:rPr lang="en-US" dirty="0" smtClean="0"/>
+              <a:rPr lang="en-US" dirty="0"/>
               <a:t> with observe. </a:t>
             </a:r>
-            <a:endParaRPr lang="en-US" dirty="0"/>
           </a:p>
         </p:txBody>
       </p:sp>
@@ -18989,7 +18728,7 @@
           <a:lstStyle/>
           <a:p>
             <a:r>
-              <a:rPr lang="en-US" smtClean="0"/>
+              <a:rPr lang="en-US"/>
               <a:t>CONFIDENTIAL &amp; PROPRIETARY</a:t>
             </a:r>
             <a:endParaRPr lang="en-US" dirty="0"/>
@@ -19013,7 +18752,7 @@
           <a:p>
             <a:fld id="{CAEF89AF-97FF-41FD-A810-843DAB910B39}" type="datetime4">
               <a:rPr lang="en-US" smtClean="0"/>
-              <a:t>August 22, 2019</a:t>
+              <a:t>August 26, 2019</a:t>
             </a:fld>
             <a:endParaRPr lang="en-US" dirty="0"/>
           </a:p>
@@ -19082,10 +18821,9 @@
           <a:lstStyle/>
           <a:p>
             <a:r>
-              <a:rPr lang="en-US" dirty="0" smtClean="0"/>
+              <a:rPr lang="en-US" dirty="0"/>
               <a:t>More control over dependencies.</a:t>
             </a:r>
-            <a:endParaRPr lang="en-US" dirty="0"/>
           </a:p>
         </p:txBody>
       </p:sp>
@@ -19099,13 +18837,6 @@
   <p:clrMapOvr>
     <a:masterClrMapping/>
   </p:clrMapOvr>
-  <p:timing>
-    <p:tnLst>
-      <p:par>
-        <p:cTn id="1" dur="indefinite" restart="never" nodeType="tmRoot"/>
-      </p:par>
-    </p:tnLst>
-  </p:timing>
 </p:sld>
 </file>
 
@@ -19161,10 +18892,9 @@
           <a:lstStyle/>
           <a:p>
             <a:r>
-              <a:rPr lang="en-US" dirty="0" smtClean="0"/>
+              <a:rPr lang="en-US" dirty="0"/>
               <a:t>Table Choices</a:t>
             </a:r>
-            <a:endParaRPr lang="en-US" dirty="0"/>
           </a:p>
         </p:txBody>
       </p:sp>
@@ -19207,7 +18937,7 @@
           <a:lstStyle/>
           <a:p>
             <a:r>
-              <a:rPr lang="en-US" smtClean="0"/>
+              <a:rPr lang="en-US"/>
               <a:t>CONFIDENTIAL &amp; PROPRIETARY</a:t>
             </a:r>
             <a:endParaRPr lang="en-US" dirty="0"/>
@@ -19231,7 +18961,7 @@
           <a:p>
             <a:fld id="{58C37697-90A4-4007-8C23-BAAA588B27B3}" type="datetime4">
               <a:rPr lang="en-US" smtClean="0"/>
-              <a:t>August 22, 2019</a:t>
+              <a:t>August 26, 2019</a:t>
             </a:fld>
             <a:endParaRPr lang="en-US" dirty="0"/>
           </a:p>
@@ -19247,13 +18977,6 @@
   <p:clrMapOvr>
     <a:masterClrMapping/>
   </p:clrMapOvr>
-  <p:timing>
-    <p:tnLst>
-      <p:par>
-        <p:cTn id="1" dur="indefinite" restart="never" nodeType="tmRoot"/>
-      </p:par>
-    </p:tnLst>
-  </p:timing>
 </p:sld>
 </file>
 
@@ -19290,10 +19013,9 @@
           <a:lstStyle/>
           <a:p>
             <a:r>
-              <a:rPr lang="en-US" smtClean="0"/>
+              <a:rPr lang="en-US"/>
               <a:t>Table Choices</a:t>
             </a:r>
-            <a:endParaRPr lang="en-US"/>
           </a:p>
         </p:txBody>
       </p:sp>
@@ -19319,11 +19041,11 @@
               <a:buAutoNum type="arabicPeriod"/>
             </a:pPr>
             <a:r>
-              <a:rPr lang="en-US" dirty="0" err="1" smtClean="0"/>
+              <a:rPr lang="en-US" dirty="0" err="1"/>
               <a:t>Datatable</a:t>
             </a:r>
             <a:r>
-              <a:rPr lang="en-US" dirty="0" smtClean="0"/>
+              <a:rPr lang="en-US" dirty="0"/>
               <a:t> (DT) – base shiny</a:t>
             </a:r>
           </a:p>
@@ -19336,15 +19058,9 @@
               <a:rPr lang="en-US" dirty="0">
                 <a:hlinkClick r:id="rId2"/>
               </a:rPr>
-              <a:t>https://rstudio.github.io/DT</a:t>
-            </a:r>
-            <a:r>
-              <a:rPr lang="en-US" dirty="0" smtClean="0">
-                <a:hlinkClick r:id="rId2"/>
-              </a:rPr>
-              <a:t>/</a:t>
-            </a:r>
-            <a:endParaRPr lang="en-US" dirty="0" smtClean="0"/>
+              <a:t>https://rstudio.github.io/DT/</a:t>
+            </a:r>
+            <a:endParaRPr lang="en-US" dirty="0"/>
           </a:p>
           <a:p>
             <a:pPr marL="514350" indent="-514350">
@@ -19376,7 +19092,7 @@
               <a:buChar char="•"/>
             </a:pPr>
             <a:r>
-              <a:rPr lang="en-US" dirty="0" smtClean="0"/>
+              <a:rPr lang="en-US" dirty="0"/>
               <a:t>Beautiful display</a:t>
             </a:r>
           </a:p>
@@ -19386,10 +19102,10 @@
               <a:buAutoNum type="arabicPeriod"/>
             </a:pPr>
             <a:r>
-              <a:rPr lang="en-US" dirty="0" err="1" smtClean="0"/>
+              <a:rPr lang="en-US" dirty="0" err="1"/>
               <a:t>Rhandsontable</a:t>
             </a:r>
-            <a:endParaRPr lang="en-US" dirty="0" smtClean="0"/>
+            <a:endParaRPr lang="en-US" dirty="0"/>
           </a:p>
           <a:p>
             <a:pPr marL="914400" lvl="1" indent="-514350">
@@ -19400,15 +19116,9 @@
               <a:rPr lang="en-US" dirty="0">
                 <a:hlinkClick r:id="rId4"/>
               </a:rPr>
-              <a:t>https://jrowen.github.io/rhandsontable</a:t>
-            </a:r>
-            <a:r>
-              <a:rPr lang="en-US" dirty="0" smtClean="0">
-                <a:hlinkClick r:id="rId4"/>
-              </a:rPr>
-              <a:t>/</a:t>
-            </a:r>
-            <a:endParaRPr lang="en-US" dirty="0" smtClean="0"/>
+              <a:t>https://jrowen.github.io/rhandsontable/</a:t>
+            </a:r>
+            <a:endParaRPr lang="en-US" dirty="0"/>
           </a:p>
           <a:p>
             <a:pPr marL="914400" lvl="1" indent="-514350">
@@ -19416,7 +19126,7 @@
               <a:buChar char="•"/>
             </a:pPr>
             <a:r>
-              <a:rPr lang="en-US" dirty="0" smtClean="0"/>
+              <a:rPr lang="en-US" dirty="0"/>
               <a:t>Easy user input table. </a:t>
             </a:r>
           </a:p>
@@ -19426,7 +19136,7 @@
               <a:buChar char="•"/>
             </a:pPr>
             <a:r>
-              <a:rPr lang="en-US" dirty="0" smtClean="0"/>
+              <a:rPr lang="en-US" dirty="0"/>
               <a:t>Excel like look and feel. </a:t>
             </a:r>
           </a:p>
@@ -19435,7 +19145,7 @@
               <a:buFont typeface="Arial" panose="020B0604020202020204" pitchFamily="34" charset="0"/>
               <a:buChar char="•"/>
             </a:pPr>
-            <a:endParaRPr lang="en-US" dirty="0" smtClean="0"/>
+            <a:endParaRPr lang="en-US" dirty="0"/>
           </a:p>
         </p:txBody>
       </p:sp>
@@ -19478,7 +19188,7 @@
           <a:lstStyle/>
           <a:p>
             <a:r>
-              <a:rPr lang="en-US" smtClean="0"/>
+              <a:rPr lang="en-US"/>
               <a:t>CONFIDENTIAL &amp; PROPRIETARY</a:t>
             </a:r>
             <a:endParaRPr lang="en-US" dirty="0"/>
@@ -19502,7 +19212,7 @@
           <a:p>
             <a:fld id="{58C37697-90A4-4007-8C23-BAAA588B27B3}" type="datetime4">
               <a:rPr lang="en-US" smtClean="0"/>
-              <a:t>August 22, 2019</a:t>
+              <a:t>August 26, 2019</a:t>
             </a:fld>
             <a:endParaRPr lang="en-US" dirty="0"/>
           </a:p>
@@ -19518,13 +19228,6 @@
   <p:clrMapOvr>
     <a:masterClrMapping/>
   </p:clrMapOvr>
-  <p:timing>
-    <p:tnLst>
-      <p:par>
-        <p:cTn id="1" dur="indefinite" restart="never" nodeType="tmRoot"/>
-      </p:par>
-    </p:tnLst>
-  </p:timing>
 </p:sld>
 </file>
 
@@ -19561,10 +19264,9 @@
           <a:lstStyle/>
           <a:p>
             <a:r>
-              <a:rPr lang="en-US" dirty="0" smtClean="0"/>
+              <a:rPr lang="en-US" dirty="0"/>
               <a:t>Exercise 1-08</a:t>
             </a:r>
-            <a:endParaRPr lang="en-US" dirty="0"/>
           </a:p>
         </p:txBody>
       </p:sp>
@@ -19633,7 +19335,7 @@
           <a:lstStyle/>
           <a:p>
             <a:r>
-              <a:rPr lang="en-US" smtClean="0"/>
+              <a:rPr lang="en-US"/>
               <a:t>CONFIDENTIAL &amp; PROPRIETARY</a:t>
             </a:r>
             <a:endParaRPr lang="en-US" dirty="0"/>
@@ -19657,7 +19359,7 @@
           <a:p>
             <a:fld id="{CAEF89AF-97FF-41FD-A810-843DAB910B39}" type="datetime4">
               <a:rPr lang="en-US" smtClean="0"/>
-              <a:t>August 22, 2019</a:t>
+              <a:t>August 26, 2019</a:t>
             </a:fld>
             <a:endParaRPr lang="en-US" dirty="0"/>
           </a:p>
@@ -19701,25 +19403,24 @@
           <a:p>
             <a:pPr algn="ctr"/>
             <a:r>
-              <a:rPr lang="en-US" dirty="0" smtClean="0"/>
+              <a:rPr lang="en-US" dirty="0"/>
               <a:t>Change the table to </a:t>
             </a:r>
             <a:r>
-              <a:rPr lang="en-US" dirty="0" err="1" smtClean="0"/>
+              <a:rPr lang="en-US" dirty="0" err="1"/>
               <a:t>rhandsontable</a:t>
             </a:r>
             <a:r>
-              <a:rPr lang="en-US" dirty="0" smtClean="0"/>
+              <a:rPr lang="en-US" dirty="0"/>
               <a:t> </a:t>
             </a:r>
           </a:p>
           <a:p>
             <a:pPr algn="ctr"/>
             <a:r>
-              <a:rPr lang="en-US" dirty="0" smtClean="0"/>
+              <a:rPr lang="en-US" dirty="0"/>
               <a:t>With units</a:t>
             </a:r>
-            <a:endParaRPr lang="en-US" dirty="0"/>
           </a:p>
         </p:txBody>
       </p:sp>
@@ -19761,19 +19462,19 @@
           <a:p>
             <a:pPr algn="ctr"/>
             <a:r>
-              <a:rPr lang="en-US" dirty="0" smtClean="0"/>
+              <a:rPr lang="en-US" dirty="0"/>
               <a:t>Change the table to </a:t>
             </a:r>
             <a:r>
-              <a:rPr lang="en-US" dirty="0" err="1" smtClean="0"/>
+              <a:rPr lang="en-US" dirty="0" err="1"/>
               <a:t>formattable</a:t>
             </a:r>
             <a:r>
-              <a:rPr lang="en-US" dirty="0" smtClean="0"/>
+              <a:rPr lang="en-US" dirty="0"/>
               <a:t> with </a:t>
             </a:r>
             <a:r>
-              <a:rPr lang="en-US" dirty="0" err="1" smtClean="0"/>
+              <a:rPr lang="en-US" dirty="0" err="1"/>
               <a:t>normalize_bar</a:t>
             </a:r>
             <a:endParaRPr lang="en-US" dirty="0"/>
@@ -19950,12 +19651,8 @@
           <a:lstStyle/>
           <a:p>
             <a:r>
-              <a:rPr lang="en-US" dirty="0" smtClean="0"/>
-              <a:t>Exercise </a:t>
-            </a:r>
-            <a:r>
-              <a:rPr lang="en-US" dirty="0"/>
-              <a:t>1-08</a:t>
+              <a:rPr lang="en-US" dirty="0"/>
+              <a:t>Exercise 1-08</a:t>
             </a:r>
           </a:p>
         </p:txBody>
@@ -19978,36 +19675,36 @@
           <a:lstStyle/>
           <a:p>
             <a:r>
-              <a:rPr lang="en-US" dirty="0" smtClean="0"/>
+              <a:rPr lang="en-US" dirty="0"/>
               <a:t>Try using </a:t>
             </a:r>
             <a:r>
-              <a:rPr lang="en-US" dirty="0" err="1" smtClean="0"/>
+              <a:rPr lang="en-US" dirty="0" err="1"/>
               <a:t>rhandsontable</a:t>
             </a:r>
             <a:r>
-              <a:rPr lang="en-US" dirty="0" smtClean="0"/>
+              <a:rPr lang="en-US" dirty="0"/>
               <a:t>. </a:t>
             </a:r>
           </a:p>
           <a:p>
             <a:r>
-              <a:rPr lang="en-US" dirty="0" smtClean="0"/>
+              <a:rPr lang="en-US" dirty="0"/>
               <a:t>Try using </a:t>
             </a:r>
             <a:r>
-              <a:rPr lang="en-US" dirty="0" err="1" smtClean="0"/>
+              <a:rPr lang="en-US" dirty="0" err="1"/>
               <a:t>formattable</a:t>
             </a:r>
             <a:r>
-              <a:rPr lang="en-US" dirty="0" smtClean="0"/>
+              <a:rPr lang="en-US" dirty="0"/>
               <a:t>. </a:t>
             </a:r>
           </a:p>
           <a:p>
             <a:pPr lvl="1"/>
             <a:r>
-              <a:rPr lang="en-US" dirty="0" smtClean="0"/>
+              <a:rPr lang="en-US" dirty="0"/>
               <a:t>For now, hard cord the column name to use normalize bar. </a:t>
             </a:r>
           </a:p>
@@ -20017,22 +19714,22 @@
           </a:p>
           <a:p>
             <a:r>
-              <a:rPr lang="en-US" dirty="0" smtClean="0"/>
+              <a:rPr lang="en-US" dirty="0"/>
               <a:t>Use: </a:t>
             </a:r>
           </a:p>
           <a:p>
             <a:pPr lvl="1"/>
             <a:r>
-              <a:rPr lang="en-US" dirty="0" smtClean="0"/>
+              <a:rPr lang="en-US" dirty="0"/>
               <a:t>library(</a:t>
             </a:r>
             <a:r>
-              <a:rPr lang="en-US" dirty="0" err="1" smtClean="0"/>
+              <a:rPr lang="en-US" dirty="0" err="1"/>
               <a:t>rhandsontable</a:t>
             </a:r>
             <a:r>
-              <a:rPr lang="en-US" dirty="0" smtClean="0"/>
+              <a:rPr lang="en-US" dirty="0"/>
               <a:t>)</a:t>
             </a:r>
           </a:p>
@@ -20076,11 +19773,7 @@
             </a:r>
             <a:r>
               <a:rPr lang="en-US" dirty="0"/>
-              <a:t>(format = “$0,0.00</a:t>
-            </a:r>
-            <a:r>
-              <a:rPr lang="en-US" dirty="0" smtClean="0"/>
-              <a:t>”)</a:t>
+              <a:t>(format = “$0,0.00”)</a:t>
             </a:r>
           </a:p>
           <a:p>
@@ -20098,50 +19791,50 @@
               <a:t>formattable</a:t>
             </a:r>
             <a:r>
-              <a:rPr lang="en-US" dirty="0" smtClean="0"/>
+              <a:rPr lang="en-US" dirty="0"/>
               <a:t>)</a:t>
             </a:r>
           </a:p>
           <a:p>
             <a:pPr lvl="1"/>
             <a:r>
-              <a:rPr lang="en-US" dirty="0" err="1" smtClean="0"/>
+              <a:rPr lang="en-US" dirty="0" err="1"/>
               <a:t>formattableOutput</a:t>
             </a:r>
             <a:r>
-              <a:rPr lang="en-US" dirty="0" smtClean="0"/>
+              <a:rPr lang="en-US" dirty="0"/>
               <a:t> / </a:t>
             </a:r>
             <a:r>
               <a:rPr lang="en-US" dirty="0" err="1"/>
               <a:t>renderFormattable</a:t>
             </a:r>
-            <a:endParaRPr lang="en-US" dirty="0" smtClean="0"/>
+            <a:endParaRPr lang="en-US" dirty="0"/>
           </a:p>
           <a:p>
             <a:pPr lvl="1"/>
             <a:r>
-              <a:rPr lang="en-US" dirty="0" err="1" smtClean="0"/>
+              <a:rPr lang="en-US" dirty="0" err="1"/>
               <a:t>Formattable</a:t>
             </a:r>
             <a:r>
-              <a:rPr lang="en-US" dirty="0" smtClean="0"/>
+              <a:rPr lang="en-US" dirty="0"/>
               <a:t>(</a:t>
             </a:r>
             <a:r>
-              <a:rPr lang="en-US" dirty="0" err="1" smtClean="0"/>
+              <a:rPr lang="en-US" dirty="0" err="1"/>
               <a:t>df</a:t>
             </a:r>
             <a:r>
-              <a:rPr lang="en-US" dirty="0" smtClean="0"/>
+              <a:rPr lang="en-US" dirty="0"/>
               <a:t>, list(col1 = </a:t>
             </a:r>
             <a:r>
-              <a:rPr lang="en-US" dirty="0" err="1" smtClean="0"/>
+              <a:rPr lang="en-US" dirty="0" err="1"/>
               <a:t>normalize_bar</a:t>
             </a:r>
             <a:r>
-              <a:rPr lang="en-US" dirty="0" smtClean="0"/>
+              <a:rPr lang="en-US" dirty="0"/>
               <a:t>(“pink”)))</a:t>
             </a:r>
           </a:p>
@@ -20194,7 +19887,7 @@
           <a:lstStyle/>
           <a:p>
             <a:r>
-              <a:rPr lang="en-US" smtClean="0"/>
+              <a:rPr lang="en-US"/>
               <a:t>CONFIDENTIAL &amp; PROPRIETARY</a:t>
             </a:r>
             <a:endParaRPr lang="en-US" dirty="0"/>
@@ -20218,7 +19911,7 @@
           <a:p>
             <a:fld id="{CAEF89AF-97FF-41FD-A810-843DAB910B39}" type="datetime4">
               <a:rPr lang="en-US" smtClean="0"/>
-              <a:t>August 22, 2019</a:t>
+              <a:t>August 26, 2019</a:t>
             </a:fld>
             <a:endParaRPr lang="en-US" dirty="0"/>
           </a:p>
@@ -20234,13 +19927,6 @@
   <p:clrMapOvr>
     <a:masterClrMapping/>
   </p:clrMapOvr>
-  <p:timing>
-    <p:tnLst>
-      <p:par>
-        <p:cTn id="1" dur="indefinite" restart="never" nodeType="tmRoot"/>
-      </p:par>
-    </p:tnLst>
-  </p:timing>
 </p:sld>
 </file>
 
@@ -20277,18 +19963,9 @@
           <a:lstStyle/>
           <a:p>
             <a:r>
-              <a:rPr lang="en-US" dirty="0" smtClean="0"/>
-              <a:t>UI</a:t>
-            </a:r>
-            <a:r>
-              <a:rPr lang="en-US" dirty="0"/>
-              <a:t> </a:t>
-            </a:r>
-            <a:r>
-              <a:rPr lang="en-US" dirty="0" smtClean="0"/>
-              <a:t>and Server</a:t>
-            </a:r>
-            <a:endParaRPr lang="en-US" dirty="0"/>
+              <a:rPr lang="en-US" dirty="0"/>
+              <a:t>UI and Server</a:t>
+            </a:r>
           </a:p>
         </p:txBody>
       </p:sp>
@@ -20331,7 +20008,7 @@
           <a:lstStyle/>
           <a:p>
             <a:r>
-              <a:rPr lang="en-US" smtClean="0"/>
+              <a:rPr lang="en-US"/>
               <a:t>CONFIDENTIAL &amp; PROPRIETARY</a:t>
             </a:r>
             <a:endParaRPr lang="en-US" dirty="0"/>
@@ -20355,7 +20032,7 @@
           <a:p>
             <a:fld id="{58C37697-90A4-4007-8C23-BAAA588B27B3}" type="datetime4">
               <a:rPr lang="en-US" smtClean="0"/>
-              <a:t>August 22, 2019</a:t>
+              <a:t>August 26, 2019</a:t>
             </a:fld>
             <a:endParaRPr lang="en-US" dirty="0"/>
           </a:p>
@@ -20465,10 +20142,9 @@
           <a:p>
             <a:pPr algn="ctr"/>
             <a:r>
-              <a:rPr lang="en-US" dirty="0" smtClean="0"/>
+              <a:rPr lang="en-US" dirty="0"/>
               <a:t>Give me this.</a:t>
             </a:r>
-            <a:endParaRPr lang="en-US" dirty="0"/>
           </a:p>
         </p:txBody>
       </p:sp>
@@ -20511,10 +20187,9 @@
           <a:p>
             <a:pPr algn="ctr"/>
             <a:r>
-              <a:rPr lang="en-US" dirty="0" smtClean="0"/>
+              <a:rPr lang="en-US" dirty="0"/>
               <a:t>Here it is. </a:t>
             </a:r>
-            <a:endParaRPr lang="en-US" dirty="0"/>
           </a:p>
         </p:txBody>
       </p:sp>
@@ -20541,25 +20216,24 @@
           <a:lstStyle/>
           <a:p>
             <a:r>
-              <a:rPr lang="en-US" dirty="0" smtClean="0"/>
+              <a:rPr lang="en-US" dirty="0"/>
               <a:t>“UI” specifies layout of the app and requests things to a server when needed. </a:t>
             </a:r>
           </a:p>
           <a:p>
             <a:r>
-              <a:rPr lang="en-US" dirty="0" smtClean="0"/>
+              <a:rPr lang="en-US" dirty="0"/>
               <a:t>“Server” gives requested whatever (plot, table, …).</a:t>
             </a:r>
           </a:p>
           <a:p>
-            <a:endParaRPr lang="en-US" dirty="0" smtClean="0"/>
-          </a:p>
-          <a:p>
-            <a:r>
-              <a:rPr lang="en-US" dirty="0" smtClean="0"/>
+            <a:endParaRPr lang="en-US" dirty="0"/>
+          </a:p>
+          <a:p>
+            <a:r>
+              <a:rPr lang="en-US" dirty="0"/>
               <a:t>Both UI and server are within R.  </a:t>
             </a:r>
-            <a:endParaRPr lang="en-US" dirty="0"/>
           </a:p>
         </p:txBody>
       </p:sp>
@@ -20586,10 +20260,9 @@
           <a:lstStyle/>
           <a:p>
             <a:r>
-              <a:rPr lang="en-US" dirty="0" smtClean="0"/>
+              <a:rPr lang="en-US" dirty="0"/>
               <a:t>Server</a:t>
             </a:r>
-            <a:endParaRPr lang="en-US" dirty="0"/>
           </a:p>
         </p:txBody>
       </p:sp>
@@ -20616,10 +20289,9 @@
           <a:lstStyle/>
           <a:p>
             <a:r>
-              <a:rPr lang="en-US" dirty="0" smtClean="0"/>
+              <a:rPr lang="en-US" dirty="0"/>
               <a:t>UI</a:t>
             </a:r>
-            <a:endParaRPr lang="en-US" dirty="0"/>
           </a:p>
         </p:txBody>
       </p:sp>
@@ -20669,10 +20341,9 @@
           <a:p>
             <a:pPr algn="ctr"/>
             <a:r>
-              <a:rPr lang="en-US" sz="1200" dirty="0" smtClean="0"/>
+              <a:rPr lang="en-US" sz="1200" dirty="0"/>
               <a:t>I know how to display. </a:t>
             </a:r>
-            <a:endParaRPr lang="en-US" sz="1200" dirty="0"/>
           </a:p>
         </p:txBody>
       </p:sp>
@@ -20722,10 +20393,9 @@
           <a:p>
             <a:pPr algn="ctr"/>
             <a:r>
-              <a:rPr lang="en-US" sz="1200" dirty="0" smtClean="0"/>
+              <a:rPr lang="en-US" sz="1200" dirty="0"/>
               <a:t>I know how to compute.</a:t>
             </a:r>
-            <a:endParaRPr lang="en-US" sz="1200" dirty="0"/>
           </a:p>
         </p:txBody>
       </p:sp>
@@ -20739,13 +20409,6 @@
   <p:clrMapOvr>
     <a:masterClrMapping/>
   </p:clrMapOvr>
-  <p:timing>
-    <p:tnLst>
-      <p:par>
-        <p:cTn id="1" dur="indefinite" restart="never" nodeType="tmRoot"/>
-      </p:par>
-    </p:tnLst>
-  </p:timing>
 </p:sld>
 </file>
 
@@ -20801,10 +20464,9 @@
           <a:lstStyle/>
           <a:p>
             <a:r>
-              <a:rPr lang="en-US" dirty="0" smtClean="0"/>
+              <a:rPr lang="en-US" dirty="0"/>
               <a:t>Interactive Plots</a:t>
             </a:r>
-            <a:endParaRPr lang="en-US" dirty="0"/>
           </a:p>
         </p:txBody>
       </p:sp>
@@ -20847,7 +20509,7 @@
           <a:lstStyle/>
           <a:p>
             <a:r>
-              <a:rPr lang="en-US" smtClean="0"/>
+              <a:rPr lang="en-US"/>
               <a:t>CONFIDENTIAL &amp; PROPRIETARY</a:t>
             </a:r>
             <a:endParaRPr lang="en-US" dirty="0"/>
@@ -20871,7 +20533,7 @@
           <a:p>
             <a:fld id="{CAEF89AF-97FF-41FD-A810-843DAB910B39}" type="datetime4">
               <a:rPr lang="en-US" smtClean="0"/>
-              <a:t>August 22, 2019</a:t>
+              <a:t>August 26, 2019</a:t>
             </a:fld>
             <a:endParaRPr lang="en-US" dirty="0"/>
           </a:p>
@@ -20887,13 +20549,6 @@
   <p:clrMapOvr>
     <a:masterClrMapping/>
   </p:clrMapOvr>
-  <p:timing>
-    <p:tnLst>
-      <p:par>
-        <p:cTn id="1" dur="indefinite" restart="never" nodeType="tmRoot"/>
-      </p:par>
-    </p:tnLst>
-  </p:timing>
 </p:sld>
 </file>
 
@@ -20930,10 +20585,9 @@
           <a:lstStyle/>
           <a:p>
             <a:r>
-              <a:rPr lang="en-US" dirty="0" smtClean="0"/>
+              <a:rPr lang="en-US" dirty="0"/>
               <a:t>Approaches</a:t>
             </a:r>
-            <a:endParaRPr lang="en-US" dirty="0"/>
           </a:p>
         </p:txBody>
       </p:sp>
@@ -20959,14 +20613,14 @@
               <a:buAutoNum type="arabicPeriod"/>
             </a:pPr>
             <a:r>
-              <a:rPr lang="en-US" dirty="0" smtClean="0"/>
+              <a:rPr lang="en-US" dirty="0"/>
               <a:t>Use </a:t>
             </a:r>
             <a:r>
-              <a:rPr lang="en-US" dirty="0" err="1" smtClean="0"/>
+              <a:rPr lang="en-US" dirty="0" err="1"/>
               <a:t>htmlwidgets</a:t>
             </a:r>
-            <a:endParaRPr lang="en-US" dirty="0" smtClean="0"/>
+            <a:endParaRPr lang="en-US" dirty="0"/>
           </a:p>
           <a:p>
             <a:pPr lvl="1"/>
@@ -20974,38 +20628,32 @@
               <a:rPr lang="en-US" dirty="0">
                 <a:hlinkClick r:id="rId2"/>
               </a:rPr>
-              <a:t>https://</a:t>
-            </a:r>
-            <a:r>
-              <a:rPr lang="en-US" dirty="0" smtClean="0">
-                <a:hlinkClick r:id="rId2"/>
-              </a:rPr>
-              <a:t>www.htmlwidgets.org/</a:t>
-            </a:r>
-            <a:endParaRPr lang="en-US" dirty="0" smtClean="0"/>
+              <a:t>https://www.htmlwidgets.org/</a:t>
+            </a:r>
+            <a:endParaRPr lang="en-US" dirty="0"/>
           </a:p>
           <a:p>
             <a:pPr lvl="1"/>
             <a:r>
-              <a:rPr lang="en-US" dirty="0" smtClean="0"/>
+              <a:rPr lang="en-US" dirty="0"/>
               <a:t>Leaflet</a:t>
             </a:r>
           </a:p>
           <a:p>
             <a:pPr lvl="1"/>
             <a:r>
-              <a:rPr lang="en-US" dirty="0" err="1" smtClean="0"/>
+              <a:rPr lang="en-US" dirty="0" err="1"/>
               <a:t>Dygraph</a:t>
             </a:r>
-            <a:endParaRPr lang="en-US" dirty="0" smtClean="0"/>
+            <a:endParaRPr lang="en-US" dirty="0"/>
           </a:p>
           <a:p>
             <a:pPr lvl="1"/>
             <a:r>
-              <a:rPr lang="en-US" dirty="0" err="1" smtClean="0"/>
+              <a:rPr lang="en-US" dirty="0" err="1"/>
               <a:t>Plotly</a:t>
             </a:r>
-            <a:endParaRPr lang="en-US" dirty="0" smtClean="0"/>
+            <a:endParaRPr lang="en-US" dirty="0"/>
           </a:p>
           <a:p>
             <a:pPr lvl="1"/>
@@ -21017,7 +20665,7 @@
               <a:buAutoNum type="arabicPeriod"/>
             </a:pPr>
             <a:r>
-              <a:rPr lang="en-US" dirty="0" smtClean="0"/>
+              <a:rPr lang="en-US" dirty="0"/>
               <a:t>Use base Shiny</a:t>
             </a:r>
           </a:p>
@@ -21033,24 +20681,18 @@
           <a:p>
             <a:pPr lvl="1"/>
             <a:r>
-              <a:rPr lang="en-US" dirty="0" smtClean="0">
-                <a:hlinkClick r:id="rId3"/>
-              </a:rPr>
-              <a:t>https</a:t>
-            </a:r>
-            <a:r>
               <a:rPr lang="en-US" dirty="0">
                 <a:hlinkClick r:id="rId3"/>
               </a:rPr>
-              <a:t>://shiny.rstudio.com/gallery/plot-interaction-basic.html</a:t>
-            </a:r>
-            <a:endParaRPr lang="en-US" dirty="0" smtClean="0">
+              <a:t>https://shiny.rstudio.com/gallery/plot-interaction-basic.html</a:t>
+            </a:r>
+            <a:endParaRPr lang="en-US" dirty="0">
               <a:hlinkClick r:id="rId4"/>
             </a:endParaRPr>
           </a:p>
           <a:p>
             <a:pPr lvl="1"/>
-            <a:endParaRPr lang="en-US" dirty="0" smtClean="0"/>
+            <a:endParaRPr lang="en-US" dirty="0"/>
           </a:p>
           <a:p>
             <a:pPr lvl="1"/>
@@ -21097,7 +20739,7 @@
           <a:lstStyle/>
           <a:p>
             <a:r>
-              <a:rPr lang="en-US" smtClean="0"/>
+              <a:rPr lang="en-US"/>
               <a:t>CONFIDENTIAL &amp; PROPRIETARY</a:t>
             </a:r>
             <a:endParaRPr lang="en-US" dirty="0"/>
@@ -21121,7 +20763,7 @@
           <a:p>
             <a:fld id="{58C37697-90A4-4007-8C23-BAAA588B27B3}" type="datetime4">
               <a:rPr lang="en-US" smtClean="0"/>
-              <a:t>August 22, 2019</a:t>
+              <a:t>August 26, 2019</a:t>
             </a:fld>
             <a:endParaRPr lang="en-US" dirty="0"/>
           </a:p>
@@ -21137,13 +20779,6 @@
   <p:clrMapOvr>
     <a:masterClrMapping/>
   </p:clrMapOvr>
-  <p:timing>
-    <p:tnLst>
-      <p:par>
-        <p:cTn id="1" dur="indefinite" restart="never" nodeType="tmRoot"/>
-      </p:par>
-    </p:tnLst>
-  </p:timing>
 </p:sld>
 </file>
 
@@ -21206,10 +20841,9 @@
           <a:lstStyle/>
           <a:p>
             <a:r>
-              <a:rPr lang="en-US" dirty="0" smtClean="0"/>
+              <a:rPr lang="en-US" dirty="0"/>
               <a:t>Exercise 1-09</a:t>
             </a:r>
-            <a:endParaRPr lang="en-US" dirty="0"/>
           </a:p>
         </p:txBody>
       </p:sp>
@@ -21252,7 +20886,7 @@
           <a:lstStyle/>
           <a:p>
             <a:r>
-              <a:rPr lang="en-US" smtClean="0"/>
+              <a:rPr lang="en-US"/>
               <a:t>CONFIDENTIAL &amp; PROPRIETARY</a:t>
             </a:r>
             <a:endParaRPr lang="en-US" dirty="0"/>
@@ -21276,7 +20910,7 @@
           <a:p>
             <a:fld id="{CAEF89AF-97FF-41FD-A810-843DAB910B39}" type="datetime4">
               <a:rPr lang="en-US" smtClean="0"/>
-              <a:t>August 22, 2019</a:t>
+              <a:t>August 26, 2019</a:t>
             </a:fld>
             <a:endParaRPr lang="en-US" dirty="0"/>
           </a:p>
@@ -21320,18 +20954,17 @@
           <a:p>
             <a:pPr algn="ctr"/>
             <a:r>
-              <a:rPr lang="en-US" dirty="0" smtClean="0"/>
+              <a:rPr lang="en-US" dirty="0"/>
               <a:t>Change the time series plot to </a:t>
             </a:r>
             <a:r>
-              <a:rPr lang="en-US" dirty="0" err="1" smtClean="0"/>
+              <a:rPr lang="en-US" dirty="0" err="1"/>
               <a:t>dygraph</a:t>
             </a:r>
             <a:r>
-              <a:rPr lang="en-US" dirty="0" smtClean="0"/>
+              <a:rPr lang="en-US" dirty="0"/>
               <a:t>.</a:t>
             </a:r>
-            <a:endParaRPr lang="en-US" dirty="0"/>
           </a:p>
         </p:txBody>
       </p:sp>
@@ -21459,12 +21092,8 @@
           <a:lstStyle/>
           <a:p>
             <a:r>
-              <a:rPr lang="en-US" dirty="0" smtClean="0"/>
-              <a:t>Exercise </a:t>
-            </a:r>
-            <a:r>
-              <a:rPr lang="en-US" dirty="0"/>
-              <a:t>1-09</a:t>
+              <a:rPr lang="en-US" dirty="0"/>
+              <a:t>Exercise 1-09</a:t>
             </a:r>
           </a:p>
         </p:txBody>
@@ -21487,81 +21116,81 @@
           <a:lstStyle/>
           <a:p>
             <a:r>
-              <a:rPr lang="en-US" dirty="0" smtClean="0"/>
+              <a:rPr lang="en-US" dirty="0"/>
               <a:t>Use </a:t>
             </a:r>
             <a:r>
-              <a:rPr lang="en-US" dirty="0" err="1" smtClean="0"/>
+              <a:rPr lang="en-US" dirty="0" err="1"/>
               <a:t>Dygraph</a:t>
             </a:r>
             <a:r>
-              <a:rPr lang="en-US" dirty="0" smtClean="0"/>
+              <a:rPr lang="en-US" dirty="0"/>
               <a:t> for </a:t>
             </a:r>
             <a:r>
-              <a:rPr lang="en-US" dirty="0" err="1" smtClean="0"/>
+              <a:rPr lang="en-US" dirty="0" err="1"/>
               <a:t>tsplot</a:t>
             </a:r>
             <a:r>
-              <a:rPr lang="en-US" dirty="0" smtClean="0"/>
+              <a:rPr lang="en-US" dirty="0"/>
               <a:t>. </a:t>
             </a:r>
           </a:p>
           <a:p>
             <a:pPr lvl="1"/>
             <a:r>
-              <a:rPr lang="en-US" dirty="0" err="1" smtClean="0"/>
+              <a:rPr lang="en-US" dirty="0" err="1"/>
               <a:t>Dygraph</a:t>
             </a:r>
             <a:r>
-              <a:rPr lang="en-US" dirty="0" smtClean="0"/>
+              <a:rPr lang="en-US" dirty="0"/>
               <a:t> takes </a:t>
             </a:r>
             <a:r>
-              <a:rPr lang="en-US" dirty="0" err="1" smtClean="0"/>
+              <a:rPr lang="en-US" dirty="0" err="1"/>
               <a:t>xts</a:t>
             </a:r>
             <a:r>
-              <a:rPr lang="en-US" dirty="0" smtClean="0"/>
+              <a:rPr lang="en-US" dirty="0"/>
               <a:t> objects. Load both </a:t>
             </a:r>
             <a:r>
-              <a:rPr lang="en-US" dirty="0" err="1" smtClean="0"/>
+              <a:rPr lang="en-US" dirty="0" err="1"/>
               <a:t>dygraph</a:t>
             </a:r>
             <a:r>
-              <a:rPr lang="en-US" dirty="0" smtClean="0"/>
+              <a:rPr lang="en-US" dirty="0"/>
               <a:t> and </a:t>
             </a:r>
             <a:r>
-              <a:rPr lang="en-US" dirty="0" err="1" smtClean="0"/>
+              <a:rPr lang="en-US" dirty="0" err="1"/>
               <a:t>xts</a:t>
             </a:r>
             <a:r>
-              <a:rPr lang="en-US" dirty="0" smtClean="0"/>
+              <a:rPr lang="en-US" dirty="0"/>
               <a:t> libraries. </a:t>
             </a:r>
           </a:p>
           <a:p>
             <a:pPr lvl="1"/>
             <a:r>
-              <a:rPr lang="en-US" dirty="0" smtClean="0"/>
+              <a:rPr lang="en-US" dirty="0"/>
               <a:t>Convert data frame into </a:t>
             </a:r>
             <a:r>
-              <a:rPr lang="en-US" dirty="0" err="1" smtClean="0"/>
+              <a:rPr lang="en-US" dirty="0" err="1"/>
               <a:t>xts</a:t>
             </a:r>
             <a:r>
-              <a:rPr lang="en-US" dirty="0" smtClean="0"/>
+              <a:rPr lang="en-US" dirty="0"/>
               <a:t> before feeling into the </a:t>
             </a:r>
             <a:r>
-              <a:rPr lang="en-US" dirty="0" err="1" smtClean="0"/>
+              <a:rPr lang="en-US" dirty="0" err="1"/>
               <a:t>dygraph</a:t>
             </a:r>
             <a:r>
-              <a:rPr lang="en-US" dirty="0" smtClean="0"/>
+              <a:rPr lang="en-US" dirty="0"/>
               <a:t> function. </a:t>
             </a:r>
           </a:p>
@@ -21571,7 +21200,7 @@
           </a:p>
           <a:p>
             <a:r>
-              <a:rPr lang="en-US" dirty="0" smtClean="0"/>
+              <a:rPr lang="en-US" dirty="0"/>
               <a:t>Use: </a:t>
             </a:r>
           </a:p>
@@ -21601,18 +21230,18 @@
               <a:t>xts</a:t>
             </a:r>
             <a:r>
-              <a:rPr lang="en-US" dirty="0" smtClean="0"/>
+              <a:rPr lang="en-US" dirty="0"/>
               <a:t>)</a:t>
             </a:r>
           </a:p>
           <a:p>
             <a:pPr lvl="1"/>
             <a:r>
-              <a:rPr lang="en-US" dirty="0" err="1" smtClean="0"/>
+              <a:rPr lang="en-US" dirty="0" err="1"/>
               <a:t>Xts</a:t>
             </a:r>
             <a:r>
-              <a:rPr lang="en-US" dirty="0" smtClean="0"/>
+              <a:rPr lang="en-US" dirty="0"/>
               <a:t>(, order.by)</a:t>
             </a:r>
           </a:p>
@@ -21620,11 +21249,7 @@
             <a:pPr lvl="1"/>
             <a:r>
               <a:rPr lang="en-US" dirty="0" err="1"/>
-              <a:t>d</a:t>
-            </a:r>
-            <a:r>
-              <a:rPr lang="en-US" dirty="0" err="1" smtClean="0"/>
-              <a:t>ygraph</a:t>
+              <a:t>dygraph</a:t>
             </a:r>
             <a:r>
               <a:rPr lang="en-US" dirty="0"/>
@@ -21680,7 +21305,7 @@
           <a:lstStyle/>
           <a:p>
             <a:r>
-              <a:rPr lang="en-US" smtClean="0"/>
+              <a:rPr lang="en-US"/>
               <a:t>CONFIDENTIAL &amp; PROPRIETARY</a:t>
             </a:r>
             <a:endParaRPr lang="en-US" dirty="0"/>
@@ -21704,7 +21329,7 @@
           <a:p>
             <a:fld id="{CAEF89AF-97FF-41FD-A810-843DAB910B39}" type="datetime4">
               <a:rPr lang="en-US" smtClean="0"/>
-              <a:t>August 22, 2019</a:t>
+              <a:t>August 26, 2019</a:t>
             </a:fld>
             <a:endParaRPr lang="en-US" dirty="0"/>
           </a:p>
@@ -21720,13 +21345,6 @@
   <p:clrMapOvr>
     <a:masterClrMapping/>
   </p:clrMapOvr>
-  <p:timing>
-    <p:tnLst>
-      <p:par>
-        <p:cTn id="1" dur="indefinite" restart="never" nodeType="tmRoot"/>
-      </p:par>
-    </p:tnLst>
-  </p:timing>
 </p:sld>
 </file>
 
@@ -21782,10 +21400,9 @@
           <a:lstStyle/>
           <a:p>
             <a:r>
-              <a:rPr lang="en-US" dirty="0" smtClean="0"/>
+              <a:rPr lang="en-US" dirty="0"/>
               <a:t>Miscellaneous Tips</a:t>
             </a:r>
-            <a:endParaRPr lang="en-US" dirty="0"/>
           </a:p>
         </p:txBody>
       </p:sp>
@@ -21828,7 +21445,7 @@
           <a:lstStyle/>
           <a:p>
             <a:r>
-              <a:rPr lang="en-US" smtClean="0"/>
+              <a:rPr lang="en-US"/>
               <a:t>CONFIDENTIAL &amp; PROPRIETARY</a:t>
             </a:r>
             <a:endParaRPr lang="en-US" dirty="0"/>
@@ -21852,7 +21469,7 @@
           <a:p>
             <a:fld id="{CDB6A48C-7D50-4342-AD40-34A91176B866}" type="datetime4">
               <a:rPr lang="en-US" smtClean="0"/>
-              <a:t>August 22, 2019</a:t>
+              <a:t>August 26, 2019</a:t>
             </a:fld>
             <a:endParaRPr lang="en-US" dirty="0"/>
           </a:p>
@@ -21868,13 +21485,6 @@
   <p:clrMapOvr>
     <a:masterClrMapping/>
   </p:clrMapOvr>
-  <p:timing>
-    <p:tnLst>
-      <p:par>
-        <p:cTn id="1" dur="indefinite" restart="never" nodeType="tmRoot"/>
-      </p:par>
-    </p:tnLst>
-  </p:timing>
 </p:sld>
 </file>
 
@@ -21913,14 +21523,14 @@
           <a:lstStyle/>
           <a:p>
             <a:r>
-              <a:rPr lang="en-US" dirty="0" smtClean="0"/>
+              <a:rPr lang="en-US" dirty="0"/>
               <a:t>Download</a:t>
             </a:r>
             <a:br>
-              <a:rPr lang="en-US" dirty="0" smtClean="0"/>
+              <a:rPr lang="en-US" dirty="0"/>
             </a:br>
             <a:r>
-              <a:rPr lang="en-US" sz="2700" dirty="0" smtClean="0"/>
+              <a:rPr lang="en-US" sz="2700" dirty="0"/>
               <a:t>Demo 1-10</a:t>
             </a:r>
             <a:endParaRPr lang="en-US" dirty="0"/>
@@ -21950,70 +21560,70 @@
           <a:lstStyle/>
           <a:p>
             <a:r>
-              <a:rPr lang="en-US" dirty="0" err="1" smtClean="0"/>
+              <a:rPr lang="en-US" dirty="0" err="1"/>
               <a:t>downloadButton</a:t>
             </a:r>
-            <a:endParaRPr lang="en-US" dirty="0" smtClean="0"/>
+            <a:endParaRPr lang="en-US" dirty="0"/>
           </a:p>
           <a:p>
             <a:pPr marL="0" indent="0">
               <a:buNone/>
             </a:pPr>
             <a:r>
-              <a:rPr lang="en-US" dirty="0" smtClean="0"/>
+              <a:rPr lang="en-US" dirty="0"/>
               <a:t>      ↔ </a:t>
             </a:r>
             <a:r>
-              <a:rPr lang="en-US" dirty="0" err="1" smtClean="0"/>
+              <a:rPr lang="en-US" dirty="0" err="1"/>
               <a:t>downloadHandler</a:t>
             </a:r>
-            <a:endParaRPr lang="en-US" dirty="0" smtClean="0"/>
+            <a:endParaRPr lang="en-US" dirty="0"/>
           </a:p>
           <a:p>
             <a:pPr marL="0" indent="0">
               <a:buNone/>
             </a:pPr>
-            <a:endParaRPr lang="en-US" dirty="0" smtClean="0"/>
-          </a:p>
-          <a:p>
-            <a:r>
-              <a:rPr lang="en-US" dirty="0" smtClean="0"/>
+            <a:endParaRPr lang="en-US" dirty="0"/>
+          </a:p>
+          <a:p>
+            <a:r>
+              <a:rPr lang="en-US" dirty="0"/>
               <a:t>Arguments for </a:t>
             </a:r>
             <a:r>
-              <a:rPr lang="en-US" dirty="0" err="1" smtClean="0"/>
+              <a:rPr lang="en-US" dirty="0" err="1"/>
               <a:t>downloadHandler</a:t>
             </a:r>
-            <a:endParaRPr lang="en-US" dirty="0" smtClean="0"/>
+            <a:endParaRPr lang="en-US" dirty="0"/>
           </a:p>
           <a:p>
             <a:pPr lvl="1"/>
             <a:r>
-              <a:rPr lang="en-US" dirty="0" smtClean="0"/>
+              <a:rPr lang="en-US" dirty="0"/>
               <a:t>Function for filename. </a:t>
             </a:r>
           </a:p>
           <a:p>
             <a:pPr lvl="1"/>
             <a:r>
-              <a:rPr lang="en-US" dirty="0" smtClean="0"/>
+              <a:rPr lang="en-US" dirty="0"/>
               <a:t>Function for the file. </a:t>
             </a:r>
           </a:p>
           <a:p>
             <a:pPr lvl="1"/>
-            <a:endParaRPr lang="en-US" dirty="0" smtClean="0"/>
-          </a:p>
-          <a:p>
-            <a:r>
-              <a:rPr lang="en-US" dirty="0" smtClean="0"/>
+            <a:endParaRPr lang="en-US" dirty="0"/>
+          </a:p>
+          <a:p>
+            <a:r>
+              <a:rPr lang="en-US" dirty="0"/>
               <a:t>You can return any files</a:t>
             </a:r>
           </a:p>
           <a:p>
             <a:pPr lvl="1"/>
             <a:r>
-              <a:rPr lang="en-US" dirty="0" smtClean="0"/>
+              <a:rPr lang="en-US" dirty="0"/>
               <a:t>csv</a:t>
             </a:r>
           </a:p>
@@ -22021,29 +21631,25 @@
             <a:pPr lvl="1"/>
             <a:r>
               <a:rPr lang="en-US" dirty="0"/>
-              <a:t>e</a:t>
-            </a:r>
-            <a:r>
-              <a:rPr lang="en-US" dirty="0" smtClean="0"/>
-              <a:t>xcel</a:t>
+              <a:t>excel</a:t>
             </a:r>
           </a:p>
           <a:p>
             <a:pPr lvl="1"/>
             <a:r>
-              <a:rPr lang="en-US" dirty="0" smtClean="0"/>
+              <a:rPr lang="en-US" dirty="0"/>
               <a:t>Images</a:t>
             </a:r>
           </a:p>
           <a:p>
             <a:pPr lvl="1"/>
             <a:r>
-              <a:rPr lang="en-US" dirty="0" err="1" smtClean="0"/>
+              <a:rPr lang="en-US" dirty="0" err="1"/>
               <a:t>Rmarkdown</a:t>
             </a:r>
             <a:r>
-              <a:rPr lang="en-US" dirty="0" smtClean="0"/>
-              <a:t> file. </a:t>
+              <a:rPr lang="en-US" dirty="0"/>
+              <a:t> report </a:t>
             </a:r>
           </a:p>
           <a:p>
@@ -22091,7 +21697,7 @@
           <a:lstStyle/>
           <a:p>
             <a:r>
-              <a:rPr lang="en-US" smtClean="0"/>
+              <a:rPr lang="en-US"/>
               <a:t>CONFIDENTIAL &amp; PROPRIETARY</a:t>
             </a:r>
             <a:endParaRPr lang="en-US" dirty="0"/>
@@ -22115,7 +21721,7 @@
           <a:p>
             <a:fld id="{CAEF89AF-97FF-41FD-A810-843DAB910B39}" type="datetime4">
               <a:rPr lang="en-US" smtClean="0"/>
-              <a:t>August 22, 2019</a:t>
+              <a:t>August 26, 2019</a:t>
             </a:fld>
             <a:endParaRPr lang="en-US" dirty="0"/>
           </a:p>
@@ -22198,17 +21804,7 @@
                   </a:schemeClr>
                 </a:solidFill>
               </a:rPr>
-              <a:t>u</a:t>
-            </a:r>
-            <a:r>
-              <a:rPr lang="en-US" b="1" dirty="0" err="1" smtClean="0">
-                <a:solidFill>
-                  <a:schemeClr val="bg1">
-                    <a:lumMod val="50000"/>
-                  </a:schemeClr>
-                </a:solidFill>
-              </a:rPr>
-              <a:t>i.r</a:t>
+              <a:t>ui.r</a:t>
             </a:r>
             <a:endParaRPr lang="en-US" b="1" dirty="0">
               <a:solidFill>
@@ -22243,7 +21839,7 @@
           <a:lstStyle/>
           <a:p>
             <a:r>
-              <a:rPr lang="en-US" b="1" dirty="0" err="1" smtClean="0">
+              <a:rPr lang="en-US" b="1" dirty="0" err="1">
                 <a:solidFill>
                   <a:schemeClr val="bg1">
                     <a:lumMod val="50000"/>
@@ -22272,13 +21868,6 @@
   <p:clrMapOvr>
     <a:masterClrMapping/>
   </p:clrMapOvr>
-  <p:timing>
-    <p:tnLst>
-      <p:par>
-        <p:cTn id="1" dur="indefinite" restart="never" nodeType="tmRoot"/>
-      </p:par>
-    </p:tnLst>
-  </p:timing>
 </p:sld>
 </file>
 
@@ -22317,29 +21906,20 @@
           <a:lstStyle/>
           <a:p>
             <a:r>
-              <a:rPr lang="en-US" dirty="0" err="1" smtClean="0"/>
+              <a:rPr lang="en-US" dirty="0" err="1"/>
               <a:t>Rmarkdown</a:t>
             </a:r>
             <a:r>
-              <a:rPr lang="en-US" dirty="0" smtClean="0"/>
-              <a:t> </a:t>
-            </a:r>
-            <a:r>
-              <a:rPr lang="en-US" dirty="0"/>
-              <a:t>Report </a:t>
-            </a:r>
-            <a:r>
-              <a:rPr lang="en-US" dirty="0" smtClean="0"/>
-              <a:t/>
+              <a:rPr lang="en-US" dirty="0"/>
+              <a:t> Report </a:t>
             </a:r>
             <a:br>
-              <a:rPr lang="en-US" dirty="0" smtClean="0"/>
+              <a:rPr lang="en-US" dirty="0"/>
             </a:br>
             <a:r>
-              <a:rPr lang="en-US" sz="2700" dirty="0" smtClean="0"/>
+              <a:rPr lang="en-US" sz="2700" dirty="0"/>
               <a:t>Demo 1-11</a:t>
             </a:r>
-            <a:endParaRPr lang="en-US" sz="2700" dirty="0"/>
           </a:p>
         </p:txBody>
       </p:sp>
@@ -22366,38 +21946,34 @@
           <a:lstStyle/>
           <a:p>
             <a:r>
-              <a:rPr lang="en-US" sz="2400" dirty="0" smtClean="0"/>
+              <a:rPr lang="en-US" sz="2400" dirty="0"/>
               <a:t>Rendered </a:t>
             </a:r>
             <a:r>
               <a:rPr lang="en-US" sz="2400" dirty="0" err="1"/>
-              <a:t>r</a:t>
-            </a:r>
-            <a:r>
-              <a:rPr lang="en-US" sz="2400" dirty="0" err="1" smtClean="0"/>
-              <a:t>markdown</a:t>
-            </a:r>
-            <a:r>
-              <a:rPr lang="en-US" sz="2400" dirty="0" smtClean="0"/>
+              <a:t>rmarkdown</a:t>
+            </a:r>
+            <a:r>
+              <a:rPr lang="en-US" sz="2400" dirty="0"/>
               <a:t> can be downloaded using </a:t>
             </a:r>
             <a:r>
-              <a:rPr lang="en-US" sz="2400" dirty="0" err="1" smtClean="0"/>
+              <a:rPr lang="en-US" sz="2400" dirty="0" err="1"/>
               <a:t>downloadHandler</a:t>
             </a:r>
             <a:r>
-              <a:rPr lang="en-US" sz="2400" dirty="0" smtClean="0"/>
+              <a:rPr lang="en-US" sz="2400" dirty="0"/>
               <a:t>.</a:t>
             </a:r>
           </a:p>
           <a:p>
             <a:r>
-              <a:rPr lang="en-US" sz="2400" dirty="0" smtClean="0"/>
+              <a:rPr lang="en-US" sz="2400" dirty="0"/>
               <a:t>HTML recommended.  </a:t>
             </a:r>
           </a:p>
           <a:p>
-            <a:endParaRPr lang="en-US" sz="2400" dirty="0" smtClean="0"/>
+            <a:endParaRPr lang="en-US" sz="2400" dirty="0"/>
           </a:p>
           <a:p>
             <a:endParaRPr lang="en-US" sz="2400" dirty="0"/>
@@ -22443,7 +22019,7 @@
           <a:lstStyle/>
           <a:p>
             <a:r>
-              <a:rPr lang="en-US" smtClean="0"/>
+              <a:rPr lang="en-US"/>
               <a:t>CONFIDENTIAL &amp; PROPRIETARY</a:t>
             </a:r>
             <a:endParaRPr lang="en-US" dirty="0"/>
@@ -22467,7 +22043,7 @@
           <a:p>
             <a:fld id="{CAEF89AF-97FF-41FD-A810-843DAB910B39}" type="datetime4">
               <a:rPr lang="en-US" smtClean="0"/>
-              <a:t>August 22, 2019</a:t>
+              <a:t>August 26, 2019</a:t>
             </a:fld>
             <a:endParaRPr lang="en-US" dirty="0"/>
           </a:p>
@@ -22551,17 +22127,7 @@
                   </a:schemeClr>
                 </a:solidFill>
               </a:rPr>
-              <a:t>u</a:t>
-            </a:r>
-            <a:r>
-              <a:rPr lang="en-US" b="1" dirty="0" err="1" smtClean="0">
-                <a:solidFill>
-                  <a:schemeClr val="bg1">
-                    <a:lumMod val="50000"/>
-                  </a:schemeClr>
-                </a:solidFill>
-              </a:rPr>
-              <a:t>i.r</a:t>
+              <a:t>ui.r</a:t>
             </a:r>
             <a:endParaRPr lang="en-US" b="1" dirty="0">
               <a:solidFill>
@@ -22596,7 +22162,7 @@
           <a:lstStyle/>
           <a:p>
             <a:r>
-              <a:rPr lang="en-US" b="1" dirty="0" err="1" smtClean="0">
+              <a:rPr lang="en-US" b="1" dirty="0" err="1">
                 <a:solidFill>
                   <a:schemeClr val="bg1">
                     <a:lumMod val="50000"/>
@@ -22638,7 +22204,7 @@
           <a:lstStyle/>
           <a:p>
             <a:r>
-              <a:rPr lang="en-US" b="1" dirty="0" err="1" smtClean="0">
+              <a:rPr lang="en-US" b="1" dirty="0" err="1">
                 <a:solidFill>
                   <a:schemeClr val="bg1">
                     <a:lumMod val="50000"/>
@@ -22840,19 +22406,19 @@
           </a:lstStyle>
           <a:p>
             <a:r>
-              <a:rPr lang="en-US" sz="2400" dirty="0" err="1" smtClean="0"/>
+              <a:rPr lang="en-US" sz="2400" dirty="0" err="1"/>
               <a:t>Input$xxx</a:t>
             </a:r>
             <a:r>
-              <a:rPr lang="en-US" sz="2400" dirty="0" smtClean="0"/>
+              <a:rPr lang="en-US" sz="2400" dirty="0"/>
               <a:t> and any other reactive values within a shiny app are available in </a:t>
             </a:r>
             <a:r>
-              <a:rPr lang="en-US" sz="2400" dirty="0" err="1" smtClean="0"/>
+              <a:rPr lang="en-US" sz="2400" dirty="0" err="1"/>
               <a:t>rmarkdown</a:t>
             </a:r>
             <a:r>
-              <a:rPr lang="en-US" sz="2400" dirty="0" smtClean="0"/>
+              <a:rPr lang="en-US" sz="2400" dirty="0"/>
               <a:t> called within a shiny app. </a:t>
             </a:r>
           </a:p>
@@ -22871,13 +22437,6 @@
   <p:clrMapOvr>
     <a:masterClrMapping/>
   </p:clrMapOvr>
-  <p:timing>
-    <p:tnLst>
-      <p:par>
-        <p:cTn id="1" dur="indefinite" restart="never" nodeType="tmRoot"/>
-      </p:par>
-    </p:tnLst>
-  </p:timing>
 </p:sld>
 </file>
 
@@ -22914,10 +22473,9 @@
           <a:lstStyle/>
           <a:p>
             <a:r>
-              <a:rPr lang="en-US" dirty="0" smtClean="0"/>
+              <a:rPr lang="en-US" dirty="0"/>
               <a:t>Progress bars</a:t>
             </a:r>
-            <a:endParaRPr lang="en-US" dirty="0"/>
           </a:p>
         </p:txBody>
       </p:sp>
@@ -22944,60 +22502,59 @@
           <a:lstStyle/>
           <a:p>
             <a:r>
-              <a:rPr lang="en-US" dirty="0" smtClean="0"/>
+              <a:rPr lang="en-US" dirty="0"/>
               <a:t>Progress messages for: </a:t>
             </a:r>
           </a:p>
           <a:p>
             <a:pPr lvl="1"/>
             <a:r>
-              <a:rPr lang="en-US" dirty="0" smtClean="0"/>
+              <a:rPr lang="en-US" dirty="0"/>
               <a:t>data imports</a:t>
             </a:r>
           </a:p>
           <a:p>
             <a:pPr lvl="1"/>
             <a:r>
-              <a:rPr lang="en-US" dirty="0" smtClean="0"/>
+              <a:rPr lang="en-US" dirty="0"/>
               <a:t>Calculations</a:t>
             </a:r>
           </a:p>
           <a:p>
             <a:pPr lvl="1"/>
-            <a:endParaRPr lang="en-US" dirty="0" smtClean="0"/>
-          </a:p>
-          <a:p>
-            <a:r>
-              <a:rPr lang="en-US" dirty="0" smtClean="0"/>
+            <a:endParaRPr lang="en-US" dirty="0"/>
+          </a:p>
+          <a:p>
+            <a:r>
+              <a:rPr lang="en-US" dirty="0"/>
               <a:t>Use within reactive environments.  </a:t>
             </a:r>
           </a:p>
           <a:p>
-            <a:endParaRPr lang="en-US" dirty="0" smtClean="0"/>
-          </a:p>
-          <a:p>
-            <a:r>
-              <a:rPr lang="en-US" dirty="0" smtClean="0"/>
+            <a:endParaRPr lang="en-US" dirty="0"/>
+          </a:p>
+          <a:p>
+            <a:r>
+              <a:rPr lang="en-US" dirty="0"/>
               <a:t>The computation lives within the </a:t>
             </a:r>
             <a:r>
-              <a:rPr lang="en-US" dirty="0" err="1" smtClean="0"/>
+              <a:rPr lang="en-US" dirty="0" err="1"/>
               <a:t>withProgress</a:t>
             </a:r>
             <a:r>
-              <a:rPr lang="en-US" dirty="0" smtClean="0"/>
+              <a:rPr lang="en-US" dirty="0"/>
               <a:t> function. </a:t>
             </a:r>
           </a:p>
           <a:p>
-            <a:endParaRPr lang="en-US" dirty="0" smtClean="0"/>
-          </a:p>
-          <a:p>
-            <a:r>
-              <a:rPr lang="en-US" dirty="0" smtClean="0"/>
+            <a:endParaRPr lang="en-US" dirty="0"/>
+          </a:p>
+          <a:p>
+            <a:r>
+              <a:rPr lang="en-US" dirty="0"/>
               <a:t>Manually set progress increments. </a:t>
             </a:r>
-            <a:endParaRPr lang="en-US" dirty="0"/>
           </a:p>
         </p:txBody>
       </p:sp>
@@ -23040,7 +22597,7 @@
           <a:lstStyle/>
           <a:p>
             <a:r>
-              <a:rPr lang="en-US" smtClean="0"/>
+              <a:rPr lang="en-US"/>
               <a:t>CONFIDENTIAL &amp; PROPRIETARY</a:t>
             </a:r>
             <a:endParaRPr lang="en-US" dirty="0"/>
@@ -23064,7 +22621,7 @@
           <a:p>
             <a:fld id="{58C37697-90A4-4007-8C23-BAAA588B27B3}" type="datetime4">
               <a:rPr lang="en-US" smtClean="0"/>
-              <a:t>August 22, 2019</a:t>
+              <a:t>August 26, 2019</a:t>
             </a:fld>
             <a:endParaRPr lang="en-US" dirty="0"/>
           </a:p>
@@ -23219,13 +22776,6 @@
   <p:clrMapOvr>
     <a:masterClrMapping/>
   </p:clrMapOvr>
-  <p:timing>
-    <p:tnLst>
-      <p:par>
-        <p:cTn id="1" dur="indefinite" restart="never" nodeType="tmRoot"/>
-      </p:par>
-    </p:tnLst>
-  </p:timing>
 </p:sld>
 </file>
 
@@ -23264,17 +22814,16 @@
           <a:lstStyle/>
           <a:p>
             <a:r>
-              <a:rPr lang="en-US" dirty="0" smtClean="0"/>
+              <a:rPr lang="en-US" dirty="0"/>
               <a:t>Hiding Items</a:t>
             </a:r>
             <a:br>
-              <a:rPr lang="en-US" dirty="0" smtClean="0"/>
+              <a:rPr lang="en-US" dirty="0"/>
             </a:br>
             <a:r>
-              <a:rPr lang="en-US" sz="2700" dirty="0" smtClean="0"/>
+              <a:rPr lang="en-US" sz="2700" dirty="0"/>
               <a:t>Demo 1-12</a:t>
             </a:r>
-            <a:endParaRPr lang="en-US" sz="2700" dirty="0"/>
           </a:p>
         </p:txBody>
       </p:sp>
@@ -23301,11 +22850,11 @@
           <a:lstStyle/>
           <a:p>
             <a:r>
-              <a:rPr lang="en-US" dirty="0" smtClean="0"/>
+              <a:rPr lang="en-US" dirty="0"/>
               <a:t>Hide </a:t>
             </a:r>
             <a:r>
-              <a:rPr lang="en-US" dirty="0" smtClean="0">
+              <a:rPr lang="en-US" dirty="0">
                 <a:solidFill>
                   <a:schemeClr val="accent2"/>
                 </a:solidFill>
@@ -23316,28 +22865,28 @@
           <a:p>
             <a:pPr lvl="1"/>
             <a:r>
-              <a:rPr lang="en-US" dirty="0" smtClean="0"/>
+              <a:rPr lang="en-US" dirty="0"/>
               <a:t>Use Dynamic UI with conditions. </a:t>
             </a:r>
           </a:p>
           <a:p>
             <a:pPr lvl="1"/>
             <a:r>
-              <a:rPr lang="en-US" dirty="0" smtClean="0"/>
+              <a:rPr lang="en-US" dirty="0"/>
               <a:t>Note: active tab names can be returned as inputs. </a:t>
             </a:r>
           </a:p>
           <a:p>
             <a:pPr lvl="1"/>
-            <a:endParaRPr lang="en-US" dirty="0" smtClean="0"/>
-          </a:p>
-          <a:p>
-            <a:r>
-              <a:rPr lang="en-US" dirty="0" smtClean="0"/>
+            <a:endParaRPr lang="en-US" dirty="0"/>
+          </a:p>
+          <a:p>
+            <a:r>
+              <a:rPr lang="en-US" dirty="0"/>
               <a:t>Hide </a:t>
             </a:r>
             <a:r>
-              <a:rPr lang="en-US" dirty="0" smtClean="0">
+              <a:rPr lang="en-US" dirty="0">
                 <a:solidFill>
                   <a:schemeClr val="accent2"/>
                 </a:solidFill>
@@ -23348,25 +22897,25 @@
           <a:p>
             <a:pPr lvl="1"/>
             <a:r>
-              <a:rPr lang="en-US" dirty="0" err="1" smtClean="0"/>
+              <a:rPr lang="en-US" dirty="0" err="1"/>
               <a:t>Shinyjs</a:t>
             </a:r>
             <a:r>
-              <a:rPr lang="en-US" dirty="0" smtClean="0"/>
+              <a:rPr lang="en-US" dirty="0"/>
               <a:t> (see the next slide)</a:t>
             </a:r>
           </a:p>
           <a:p>
             <a:pPr lvl="1"/>
-            <a:endParaRPr lang="en-US" dirty="0" smtClean="0"/>
-          </a:p>
-          <a:p>
-            <a:r>
-              <a:rPr lang="en-US" dirty="0" smtClean="0"/>
+            <a:endParaRPr lang="en-US" dirty="0"/>
+          </a:p>
+          <a:p>
+            <a:r>
+              <a:rPr lang="en-US" dirty="0"/>
               <a:t>Hide </a:t>
             </a:r>
             <a:r>
-              <a:rPr lang="en-US" dirty="0" smtClean="0">
+              <a:rPr lang="en-US" dirty="0">
                 <a:solidFill>
                   <a:schemeClr val="accent2"/>
                 </a:solidFill>
@@ -23377,26 +22926,25 @@
           <a:p>
             <a:pPr lvl="1"/>
             <a:r>
-              <a:rPr lang="en-US" dirty="0" err="1" smtClean="0"/>
+              <a:rPr lang="en-US" dirty="0" err="1"/>
               <a:t>menuItemOutput</a:t>
             </a:r>
             <a:r>
-              <a:rPr lang="en-US" dirty="0" smtClean="0"/>
+              <a:rPr lang="en-US" dirty="0"/>
               <a:t> / </a:t>
             </a:r>
             <a:r>
-              <a:rPr lang="en-US" dirty="0" err="1" smtClean="0"/>
+              <a:rPr lang="en-US" dirty="0" err="1"/>
               <a:t>renderMenu</a:t>
             </a:r>
-            <a:endParaRPr lang="en-US" dirty="0" smtClean="0"/>
+            <a:endParaRPr lang="en-US" dirty="0"/>
           </a:p>
           <a:p>
             <a:pPr lvl="1"/>
             <a:r>
-              <a:rPr lang="en-US" dirty="0" smtClean="0"/>
+              <a:rPr lang="en-US" dirty="0"/>
               <a:t>You may want to hide certain sections based on the user groups. </a:t>
             </a:r>
-            <a:endParaRPr lang="en-US" dirty="0"/>
           </a:p>
         </p:txBody>
       </p:sp>
@@ -23439,7 +22987,7 @@
           <a:lstStyle/>
           <a:p>
             <a:r>
-              <a:rPr lang="en-US" smtClean="0"/>
+              <a:rPr lang="en-US"/>
               <a:t>CONFIDENTIAL &amp; PROPRIETARY</a:t>
             </a:r>
             <a:endParaRPr lang="en-US" dirty="0"/>
@@ -23463,7 +23011,7 @@
           <a:p>
             <a:fld id="{CAEF89AF-97FF-41FD-A810-843DAB910B39}" type="datetime4">
               <a:rPr lang="en-US" smtClean="0"/>
-              <a:t>August 22, 2019</a:t>
+              <a:t>August 26, 2019</a:t>
             </a:fld>
             <a:endParaRPr lang="en-US" dirty="0"/>
           </a:p>
@@ -23479,13 +23027,6 @@
   <p:clrMapOvr>
     <a:masterClrMapping/>
   </p:clrMapOvr>
-  <p:timing>
-    <p:tnLst>
-      <p:par>
-        <p:cTn id="1" dur="indefinite" restart="never" nodeType="tmRoot"/>
-      </p:par>
-    </p:tnLst>
-  </p:timing>
 </p:sld>
 </file>
 
@@ -23522,7 +23063,7 @@
           <a:lstStyle/>
           <a:p>
             <a:r>
-              <a:rPr lang="en-US" dirty="0" err="1" smtClean="0"/>
+              <a:rPr lang="en-US" dirty="0" err="1"/>
               <a:t>Shinyjs</a:t>
             </a:r>
             <a:endParaRPr lang="en-US" dirty="0"/>
@@ -23553,29 +23094,25 @@
               <a:buNone/>
             </a:pPr>
             <a:r>
-              <a:rPr lang="en-US" dirty="0" smtClean="0"/>
+              <a:rPr lang="en-US" dirty="0"/>
               <a:t>Use it for:</a:t>
             </a:r>
           </a:p>
           <a:p>
             <a:r>
-              <a:rPr lang="en-US" dirty="0" smtClean="0"/>
+              <a:rPr lang="en-US" dirty="0"/>
               <a:t>Hide</a:t>
             </a:r>
           </a:p>
           <a:p>
             <a:r>
               <a:rPr lang="en-US" dirty="0"/>
-              <a:t>T</a:t>
-            </a:r>
-            <a:r>
-              <a:rPr lang="en-US" dirty="0" smtClean="0"/>
-              <a:t>oggle</a:t>
-            </a:r>
-          </a:p>
-          <a:p>
-            <a:r>
-              <a:rPr lang="en-US" dirty="0" smtClean="0"/>
+              <a:t>Toggle</a:t>
+            </a:r>
+          </a:p>
+          <a:p>
+            <a:r>
+              <a:rPr lang="en-US" dirty="0"/>
               <a:t>Disable</a:t>
             </a:r>
           </a:p>
@@ -23623,7 +23160,7 @@
           <a:lstStyle/>
           <a:p>
             <a:r>
-              <a:rPr lang="en-US" smtClean="0"/>
+              <a:rPr lang="en-US"/>
               <a:t>CONFIDENTIAL &amp; PROPRIETARY</a:t>
             </a:r>
             <a:endParaRPr lang="en-US" dirty="0"/>
@@ -23647,7 +23184,7 @@
           <a:p>
             <a:fld id="{CAEF89AF-97FF-41FD-A810-843DAB910B39}" type="datetime4">
               <a:rPr lang="en-US" smtClean="0"/>
-              <a:t>August 22, 2019</a:t>
+              <a:t>August 26, 2019</a:t>
             </a:fld>
             <a:endParaRPr lang="en-US" dirty="0"/>
           </a:p>
@@ -23731,17 +23268,7 @@
                   </a:schemeClr>
                 </a:solidFill>
               </a:rPr>
-              <a:t>u</a:t>
-            </a:r>
-            <a:r>
-              <a:rPr lang="en-US" b="1" dirty="0" err="1" smtClean="0">
-                <a:solidFill>
-                  <a:schemeClr val="bg1">
-                    <a:lumMod val="50000"/>
-                  </a:schemeClr>
-                </a:solidFill>
-              </a:rPr>
-              <a:t>i.r</a:t>
+              <a:t>ui.r</a:t>
             </a:r>
             <a:endParaRPr lang="en-US" b="1" dirty="0">
               <a:solidFill>
@@ -23776,7 +23303,7 @@
           <a:lstStyle/>
           <a:p>
             <a:r>
-              <a:rPr lang="en-US" b="1" dirty="0" err="1" smtClean="0">
+              <a:rPr lang="en-US" b="1" dirty="0" err="1">
                 <a:solidFill>
                   <a:schemeClr val="bg1">
                     <a:lumMod val="50000"/>
@@ -23818,7 +23345,7 @@
           <a:lstStyle/>
           <a:p>
             <a:r>
-              <a:rPr lang="en-US" b="1" dirty="0" err="1" smtClean="0">
+              <a:rPr lang="en-US" b="1" dirty="0" err="1">
                 <a:solidFill>
                   <a:schemeClr val="bg1">
                     <a:lumMod val="50000"/>
@@ -23871,13 +23398,6 @@
   <p:clrMapOvr>
     <a:masterClrMapping/>
   </p:clrMapOvr>
-  <p:timing>
-    <p:tnLst>
-      <p:par>
-        <p:cTn id="1" dur="indefinite" restart="never" nodeType="tmRoot"/>
-      </p:par>
-    </p:tnLst>
-  </p:timing>
 </p:sld>
 </file>
 
@@ -23914,10 +23434,9 @@
           <a:lstStyle/>
           <a:p>
             <a:r>
-              <a:rPr lang="en-US" dirty="0" smtClean="0"/>
+              <a:rPr lang="en-US" dirty="0"/>
               <a:t>Server and Shiny-Server</a:t>
             </a:r>
-            <a:endParaRPr lang="en-US" dirty="0"/>
           </a:p>
         </p:txBody>
       </p:sp>
@@ -23943,12 +23462,8 @@
               <a:buAutoNum type="arabicPeriod"/>
             </a:pPr>
             <a:r>
-              <a:rPr lang="en-US" sz="2800" dirty="0" smtClean="0"/>
-              <a:t>“</a:t>
-            </a:r>
-            <a:r>
-              <a:rPr lang="en-US" sz="2800" dirty="0" smtClean="0"/>
-              <a:t>Server” may refer to the server section of the app. </a:t>
+              <a:rPr lang="en-US" sz="2800" dirty="0"/>
+              <a:t>“Server” may refer to the server section of the app. </a:t>
             </a:r>
           </a:p>
           <a:p>
@@ -23957,46 +23472,40 @@
               <a:buAutoNum type="arabicPeriod"/>
             </a:pPr>
             <a:r>
-              <a:rPr lang="en-US" sz="2800" dirty="0" smtClean="0"/>
+              <a:rPr lang="en-US" sz="2800" dirty="0"/>
               <a:t>“Shiny Server” may mean an actual web server that hosts shiny apps. </a:t>
             </a:r>
           </a:p>
           <a:p>
             <a:pPr lvl="1"/>
             <a:r>
-              <a:rPr lang="en-US" sz="2400" dirty="0" smtClean="0"/>
+              <a:rPr lang="en-US" sz="2400" dirty="0"/>
               <a:t>Topics of deployment will be covered tomorrow. </a:t>
             </a:r>
-            <a:endParaRPr lang="en-US" sz="2400" dirty="0" smtClean="0"/>
           </a:p>
           <a:p>
             <a:pPr lvl="1"/>
-            <a:endParaRPr lang="en-US" sz="2400" dirty="0" smtClean="0"/>
-          </a:p>
-          <a:p>
-            <a:r>
-              <a:rPr lang="en-US" sz="2800" dirty="0" smtClean="0"/>
-              <a:t>You have to know the context for knowing </a:t>
-            </a:r>
-            <a:r>
-              <a:rPr lang="en-US" sz="2800" dirty="0" smtClean="0"/>
-              <a:t>which. </a:t>
+            <a:endParaRPr lang="en-US" sz="2400" dirty="0"/>
+          </a:p>
+          <a:p>
+            <a:r>
+              <a:rPr lang="en-US" sz="2800" dirty="0"/>
+              <a:t>You have to know the context for knowing which. </a:t>
             </a:r>
           </a:p>
           <a:p>
             <a:pPr lvl="1"/>
             <a:r>
-              <a:rPr lang="en-US" sz="2400" dirty="0" smtClean="0"/>
+              <a:rPr lang="en-US" sz="2400" dirty="0"/>
               <a:t>We’ll talk more about (1) today. </a:t>
             </a:r>
           </a:p>
           <a:p>
             <a:pPr lvl="1"/>
             <a:r>
-              <a:rPr lang="en-US" sz="2400" dirty="0" smtClean="0"/>
+              <a:rPr lang="en-US" sz="2400" dirty="0"/>
               <a:t>We’ll talk more about (2) tomorrow. </a:t>
             </a:r>
-            <a:endParaRPr lang="en-US" sz="2400" dirty="0" smtClean="0"/>
           </a:p>
           <a:p>
             <a:pPr lvl="1"/>
@@ -24043,7 +23552,7 @@
           <a:lstStyle/>
           <a:p>
             <a:r>
-              <a:rPr lang="en-US" smtClean="0"/>
+              <a:rPr lang="en-US"/>
               <a:t>CONFIDENTIAL &amp; PROPRIETARY</a:t>
             </a:r>
             <a:endParaRPr lang="en-US" dirty="0"/>
@@ -24067,7 +23576,7 @@
           <a:p>
             <a:fld id="{CAEF89AF-97FF-41FD-A810-843DAB910B39}" type="datetime4">
               <a:rPr lang="en-US" smtClean="0"/>
-              <a:t>August 22, 2019</a:t>
+              <a:t>August 26, 2019</a:t>
             </a:fld>
             <a:endParaRPr lang="en-US" dirty="0"/>
           </a:p>
@@ -24083,13 +23592,6 @@
   <p:clrMapOvr>
     <a:masterClrMapping/>
   </p:clrMapOvr>
-  <p:timing>
-    <p:tnLst>
-      <p:par>
-        <p:cTn id="1" dur="indefinite" restart="never" nodeType="tmRoot"/>
-      </p:par>
-    </p:tnLst>
-  </p:timing>
 </p:sld>
 </file>
 
@@ -24190,7 +23692,7 @@
           <a:lstStyle/>
           <a:p>
             <a:r>
-              <a:rPr lang="en-US" smtClean="0"/>
+              <a:rPr lang="en-US"/>
               <a:t>CONFIDENTIAL &amp; PROPRIETARY</a:t>
             </a:r>
             <a:endParaRPr lang="en-US" dirty="0"/>
@@ -24214,7 +23716,7 @@
           <a:p>
             <a:fld id="{CAEF89AF-97FF-41FD-A810-843DAB910B39}" type="datetime4">
               <a:rPr lang="en-US" smtClean="0"/>
-              <a:t>August 22, 2019</a:t>
+              <a:t>August 26, 2019</a:t>
             </a:fld>
             <a:endParaRPr lang="en-US" dirty="0"/>
           </a:p>
@@ -24230,13 +23732,6 @@
   <p:clrMapOvr>
     <a:masterClrMapping/>
   </p:clrMapOvr>
-  <p:timing>
-    <p:tnLst>
-      <p:par>
-        <p:cTn id="1" dur="indefinite" restart="never" nodeType="tmRoot"/>
-      </p:par>
-    </p:tnLst>
-  </p:timing>
 </p:sld>
 </file>
 
@@ -24273,10 +23768,9 @@
           <a:lstStyle/>
           <a:p>
             <a:r>
-              <a:rPr lang="en-US" dirty="0" smtClean="0"/>
+              <a:rPr lang="en-US" dirty="0"/>
               <a:t>Shiny Pros vs Cons</a:t>
             </a:r>
-            <a:endParaRPr lang="en-US" dirty="0"/>
           </a:p>
         </p:txBody>
       </p:sp>
@@ -24357,7 +23851,7 @@
           <a:lstStyle/>
           <a:p>
             <a:r>
-              <a:rPr lang="en-US" smtClean="0"/>
+              <a:rPr lang="en-US"/>
               <a:t>CONFIDENTIAL &amp; PROPRIETARY</a:t>
             </a:r>
             <a:endParaRPr lang="en-US" dirty="0"/>
@@ -24381,7 +23875,7 @@
           <a:p>
             <a:fld id="{58C37697-90A4-4007-8C23-BAAA588B27B3}" type="datetime4">
               <a:rPr lang="en-US" smtClean="0"/>
-              <a:t>August 22, 2019</a:t>
+              <a:t>August 26, 2019</a:t>
             </a:fld>
             <a:endParaRPr lang="en-US" dirty="0"/>
           </a:p>
@@ -24397,13 +23891,6 @@
   <p:clrMapOvr>
     <a:masterClrMapping/>
   </p:clrMapOvr>
-  <p:timing>
-    <p:tnLst>
-      <p:par>
-        <p:cTn id="1" dur="indefinite" restart="never" nodeType="tmRoot"/>
-      </p:par>
-    </p:tnLst>
-  </p:timing>
 </p:sld>
 </file>
 
@@ -24469,10 +23956,9 @@
           <a:lstStyle/>
           <a:p>
             <a:r>
-              <a:rPr lang="en-US" dirty="0" smtClean="0"/>
+              <a:rPr lang="en-US" dirty="0"/>
               <a:t>File structures</a:t>
             </a:r>
-            <a:endParaRPr lang="en-US" dirty="0"/>
           </a:p>
         </p:txBody>
       </p:sp>
@@ -24499,54 +23985,54 @@
           <a:lstStyle/>
           <a:p>
             <a:r>
-              <a:rPr lang="en-US" sz="2000" dirty="0" smtClean="0"/>
+              <a:rPr lang="en-US" sz="2000" dirty="0"/>
               <a:t>Many examples online will have everything in one script called </a:t>
             </a:r>
             <a:r>
-              <a:rPr lang="en-US" sz="2000" dirty="0" err="1" smtClean="0"/>
+              <a:rPr lang="en-US" sz="2000" dirty="0" err="1"/>
               <a:t>app.r</a:t>
             </a:r>
             <a:r>
-              <a:rPr lang="en-US" sz="2000" dirty="0" smtClean="0"/>
+              <a:rPr lang="en-US" sz="2000" dirty="0"/>
               <a:t>. </a:t>
             </a:r>
           </a:p>
           <a:p>
             <a:pPr lvl="1"/>
             <a:r>
-              <a:rPr lang="en-US" sz="1800" dirty="0" smtClean="0"/>
+              <a:rPr lang="en-US" sz="1800" dirty="0"/>
               <a:t>Use </a:t>
             </a:r>
             <a:r>
-              <a:rPr lang="en-US" sz="1800" dirty="0" err="1" smtClean="0"/>
+              <a:rPr lang="en-US" sz="1800" dirty="0" err="1"/>
               <a:t>ShinyApp</a:t>
             </a:r>
             <a:r>
-              <a:rPr lang="en-US" sz="1800" dirty="0" smtClean="0"/>
+              <a:rPr lang="en-US" sz="1800" dirty="0"/>
               <a:t>(</a:t>
             </a:r>
             <a:r>
-              <a:rPr lang="en-US" sz="1800" dirty="0" err="1" smtClean="0"/>
+              <a:rPr lang="en-US" sz="1800" dirty="0" err="1"/>
               <a:t>ui</a:t>
             </a:r>
             <a:r>
-              <a:rPr lang="en-US" sz="1800" dirty="0" smtClean="0"/>
+              <a:rPr lang="en-US" sz="1800" dirty="0"/>
               <a:t>, server) to run the code. </a:t>
             </a:r>
           </a:p>
           <a:p>
             <a:pPr lvl="1"/>
             <a:r>
-              <a:rPr lang="en-US" sz="1800" dirty="0" smtClean="0"/>
+              <a:rPr lang="en-US" sz="1800" dirty="0"/>
               <a:t>For a small app, it’s easy to see everything. </a:t>
             </a:r>
           </a:p>
           <a:p>
-            <a:endParaRPr lang="en-US" sz="1200" dirty="0" smtClean="0"/>
-          </a:p>
-          <a:p>
-            <a:r>
-              <a:rPr lang="en-US" sz="2000" b="1" dirty="0" smtClean="0">
+            <a:endParaRPr lang="en-US" sz="1200" dirty="0"/>
+          </a:p>
+          <a:p>
+            <a:r>
+              <a:rPr lang="en-US" sz="2000" b="1" dirty="0">
                 <a:solidFill>
                   <a:srgbClr val="C00000"/>
                 </a:solidFill>
@@ -24554,77 +24040,77 @@
               <a:t>Our default </a:t>
             </a:r>
             <a:r>
-              <a:rPr lang="en-US" sz="2000" dirty="0" smtClean="0"/>
+              <a:rPr lang="en-US" sz="2000" dirty="0"/>
               <a:t>file structure is to break it down to 3 (or more) files: </a:t>
             </a:r>
           </a:p>
           <a:p>
             <a:pPr lvl="1"/>
             <a:r>
-              <a:rPr lang="en-US" sz="1800" dirty="0" err="1" smtClean="0"/>
+              <a:rPr lang="en-US" sz="1800" dirty="0" err="1"/>
               <a:t>Ui.r</a:t>
             </a:r>
-            <a:endParaRPr lang="en-US" sz="1800" dirty="0" smtClean="0"/>
+            <a:endParaRPr lang="en-US" sz="1800" dirty="0"/>
           </a:p>
           <a:p>
             <a:pPr lvl="1"/>
             <a:r>
-              <a:rPr lang="en-US" sz="1800" dirty="0" err="1" smtClean="0"/>
+              <a:rPr lang="en-US" sz="1800" dirty="0" err="1"/>
               <a:t>Server.r</a:t>
             </a:r>
-            <a:endParaRPr lang="en-US" sz="1800" dirty="0" smtClean="0"/>
+            <a:endParaRPr lang="en-US" sz="1800" dirty="0"/>
           </a:p>
           <a:p>
             <a:pPr lvl="1"/>
             <a:r>
-              <a:rPr lang="en-US" sz="1800" dirty="0" err="1" smtClean="0"/>
+              <a:rPr lang="en-US" sz="1800" dirty="0" err="1"/>
               <a:t>Global.r</a:t>
             </a:r>
             <a:r>
-              <a:rPr lang="en-US" sz="1800" dirty="0" smtClean="0"/>
+              <a:rPr lang="en-US" sz="1800" dirty="0"/>
               <a:t> (Optional)</a:t>
             </a:r>
           </a:p>
           <a:p>
             <a:r>
-              <a:rPr lang="en-US" sz="2000" dirty="0" smtClean="0"/>
+              <a:rPr lang="en-US" sz="2000" dirty="0"/>
               <a:t>All these 3 files needs to be in a same folder. </a:t>
             </a:r>
           </a:p>
           <a:p>
             <a:pPr lvl="1"/>
             <a:r>
-              <a:rPr lang="en-US" sz="1800" dirty="0" smtClean="0"/>
+              <a:rPr lang="en-US" sz="1800" dirty="0"/>
               <a:t>Use </a:t>
             </a:r>
             <a:r>
-              <a:rPr lang="en-US" sz="1800" dirty="0" err="1" smtClean="0"/>
+              <a:rPr lang="en-US" sz="1800" dirty="0" err="1"/>
               <a:t>runApp</a:t>
             </a:r>
             <a:r>
-              <a:rPr lang="en-US" sz="1800" dirty="0" smtClean="0"/>
+              <a:rPr lang="en-US" sz="1800" dirty="0"/>
               <a:t>(‘</a:t>
             </a:r>
             <a:r>
-              <a:rPr lang="en-US" sz="1800" dirty="0" err="1" smtClean="0"/>
+              <a:rPr lang="en-US" sz="1800" dirty="0" err="1"/>
               <a:t>foldername</a:t>
             </a:r>
             <a:r>
-              <a:rPr lang="en-US" sz="1800" dirty="0" smtClean="0"/>
+              <a:rPr lang="en-US" sz="1800" dirty="0"/>
               <a:t>’) or ‘Run App’ button in </a:t>
             </a:r>
             <a:r>
-              <a:rPr lang="en-US" sz="1800" dirty="0" err="1" smtClean="0"/>
+              <a:rPr lang="en-US" sz="1800" dirty="0" err="1"/>
               <a:t>RStudio</a:t>
             </a:r>
             <a:r>
-              <a:rPr lang="en-US" sz="1800" dirty="0" smtClean="0"/>
+              <a:rPr lang="en-US" sz="1800" dirty="0"/>
               <a:t>.</a:t>
             </a:r>
           </a:p>
           <a:p>
             <a:pPr lvl="1"/>
-            <a:endParaRPr lang="en-US" sz="1800" dirty="0" smtClean="0"/>
+            <a:endParaRPr lang="en-US" sz="1800" dirty="0"/>
           </a:p>
           <a:p>
             <a:pPr marL="0" indent="0">
@@ -24673,7 +24159,7 @@
           <a:lstStyle/>
           <a:p>
             <a:r>
-              <a:rPr lang="en-US" smtClean="0"/>
+              <a:rPr lang="en-US"/>
               <a:t>CONFIDENTIAL &amp; PROPRIETARY</a:t>
             </a:r>
             <a:endParaRPr lang="en-US" dirty="0"/>
@@ -24697,7 +24183,7 @@
           <a:p>
             <a:fld id="{CAEF89AF-97FF-41FD-A810-843DAB910B39}" type="datetime4">
               <a:rPr lang="en-US" smtClean="0"/>
-              <a:t>August 22, 2019</a:t>
+              <a:t>August 26, 2019</a:t>
             </a:fld>
             <a:endParaRPr lang="en-US" dirty="0"/>
           </a:p>
@@ -24737,13 +24223,6 @@
   <p:clrMapOvr>
     <a:masterClrMapping/>
   </p:clrMapOvr>
-  <p:timing>
-    <p:tnLst>
-      <p:par>
-        <p:cTn id="1" dur="indefinite" restart="never" nodeType="tmRoot"/>
-      </p:par>
-    </p:tnLst>
-  </p:timing>
 </p:sld>
 </file>
 
@@ -24821,10 +24300,9 @@
           <a:lstStyle/>
           <a:p>
             <a:r>
-              <a:rPr lang="en-US" dirty="0" smtClean="0"/>
+              <a:rPr lang="en-US" dirty="0"/>
               <a:t>Basic Code Structures</a:t>
             </a:r>
-            <a:endParaRPr lang="en-US" dirty="0"/>
           </a:p>
         </p:txBody>
       </p:sp>
@@ -24867,7 +24345,7 @@
           <a:lstStyle/>
           <a:p>
             <a:r>
-              <a:rPr lang="en-US" smtClean="0"/>
+              <a:rPr lang="en-US"/>
               <a:t>CONFIDENTIAL &amp; PROPRIETARY</a:t>
             </a:r>
             <a:endParaRPr lang="en-US" dirty="0"/>
@@ -24891,7 +24369,7 @@
           <a:p>
             <a:fld id="{CAEF89AF-97FF-41FD-A810-843DAB910B39}" type="datetime4">
               <a:rPr lang="en-US" smtClean="0"/>
-              <a:t>August 22, 2019</a:t>
+              <a:t>August 26, 2019</a:t>
             </a:fld>
             <a:endParaRPr lang="en-US" dirty="0"/>
           </a:p>
@@ -25290,10 +24768,9 @@
           <a:lstStyle/>
           <a:p>
             <a:r>
-              <a:rPr lang="en-US" dirty="0" smtClean="0"/>
+              <a:rPr lang="en-US" dirty="0"/>
               <a:t>Server</a:t>
             </a:r>
-            <a:endParaRPr lang="en-US" dirty="0"/>
           </a:p>
         </p:txBody>
       </p:sp>
@@ -25320,10 +24797,9 @@
           <a:lstStyle/>
           <a:p>
             <a:r>
-              <a:rPr lang="en-US" dirty="0" smtClean="0"/>
+              <a:rPr lang="en-US" dirty="0"/>
               <a:t>UI</a:t>
             </a:r>
-            <a:endParaRPr lang="en-US" dirty="0"/>
           </a:p>
         </p:txBody>
       </p:sp>
@@ -25373,22 +24849,21 @@
           <a:p>
             <a:pPr algn="ctr"/>
             <a:r>
-              <a:rPr lang="en-US" sz="1200" dirty="0" err="1" smtClean="0"/>
+              <a:rPr lang="en-US" sz="1200" dirty="0" err="1"/>
               <a:t>plotOutput</a:t>
             </a:r>
             <a:r>
-              <a:rPr lang="en-US" sz="1200" dirty="0" smtClean="0"/>
+              <a:rPr lang="en-US" sz="1200" dirty="0"/>
               <a:t> requests “</a:t>
             </a:r>
             <a:r>
-              <a:rPr lang="en-US" sz="1200" dirty="0" err="1" smtClean="0"/>
+              <a:rPr lang="en-US" sz="1200" dirty="0" err="1"/>
               <a:t>hist</a:t>
             </a:r>
             <a:r>
-              <a:rPr lang="en-US" sz="1200" dirty="0" smtClean="0"/>
+              <a:rPr lang="en-US" sz="1200" dirty="0"/>
               <a:t>”</a:t>
             </a:r>
-            <a:endParaRPr lang="en-US" sz="1200" dirty="0"/>
           </a:p>
         </p:txBody>
       </p:sp>
@@ -25438,22 +24913,17 @@
           <a:p>
             <a:pPr algn="ctr"/>
             <a:r>
-              <a:rPr lang="en-US" sz="1200" dirty="0" smtClean="0"/>
+              <a:rPr lang="en-US" sz="1200" dirty="0"/>
               <a:t>Here is </a:t>
             </a:r>
             <a:r>
               <a:rPr lang="en-US" sz="1200" dirty="0" err="1"/>
-              <a:t>o</a:t>
-            </a:r>
-            <a:r>
-              <a:rPr lang="en-US" sz="1200" dirty="0" err="1" smtClean="0"/>
-              <a:t>utput$hist</a:t>
-            </a:r>
-            <a:r>
-              <a:rPr lang="en-US" sz="1200" dirty="0" smtClean="0"/>
+              <a:t>output$hist</a:t>
+            </a:r>
+            <a:r>
+              <a:rPr lang="en-US" sz="1200" dirty="0"/>
               <a:t> </a:t>
             </a:r>
-            <a:endParaRPr lang="en-US" sz="1200" dirty="0"/>
           </a:p>
         </p:txBody>
       </p:sp>
@@ -25503,11 +24973,11 @@
           <a:p>
             <a:pPr algn="ctr"/>
             <a:r>
-              <a:rPr lang="en-US" sz="1200" dirty="0" smtClean="0"/>
+              <a:rPr lang="en-US" sz="1200" dirty="0"/>
               <a:t>I can access values for “n” as </a:t>
             </a:r>
             <a:r>
-              <a:rPr lang="en-US" sz="1200" dirty="0" err="1" smtClean="0"/>
+              <a:rPr lang="en-US" sz="1200" dirty="0" err="1"/>
               <a:t>input$n</a:t>
             </a:r>
             <a:endParaRPr lang="en-US" sz="1200" dirty="0"/>
@@ -25560,10 +25030,9 @@
           <a:p>
             <a:pPr algn="ctr"/>
             <a:r>
-              <a:rPr lang="en-US" sz="1200" dirty="0" smtClean="0"/>
+              <a:rPr lang="en-US" sz="1200" dirty="0"/>
               <a:t>User gave me a value for “n”</a:t>
             </a:r>
-            <a:endParaRPr lang="en-US" sz="1200" dirty="0"/>
           </a:p>
         </p:txBody>
       </p:sp>
@@ -25577,13 +25046,6 @@
   <p:clrMapOvr>
     <a:masterClrMapping/>
   </p:clrMapOvr>
-  <p:timing>
-    <p:tnLst>
-      <p:par>
-        <p:cTn id="1" dur="indefinite" restart="never" nodeType="tmRoot"/>
-      </p:par>
-    </p:tnLst>
-  </p:timing>
 </p:sld>
 </file>
 
@@ -25620,10 +25082,9 @@
           <a:lstStyle/>
           <a:p>
             <a:r>
-              <a:rPr lang="en-US" dirty="0" smtClean="0"/>
+              <a:rPr lang="en-US" dirty="0"/>
               <a:t>Basic Code Structures</a:t>
             </a:r>
-            <a:endParaRPr lang="en-US" dirty="0"/>
           </a:p>
         </p:txBody>
       </p:sp>
@@ -25650,52 +25111,36 @@
           <a:lstStyle/>
           <a:p>
             <a:r>
-              <a:rPr lang="en-US" dirty="0" smtClean="0"/>
+              <a:rPr lang="en-US" dirty="0"/>
               <a:t>Both input and output ids need to be unique. </a:t>
             </a:r>
           </a:p>
           <a:p>
             <a:r>
-              <a:rPr lang="en-US" dirty="0" smtClean="0"/>
+              <a:rPr lang="en-US" dirty="0"/>
               <a:t>User inputs are available as </a:t>
             </a:r>
             <a:r>
-              <a:rPr lang="en-US" dirty="0" err="1" smtClean="0"/>
+              <a:rPr lang="en-US" dirty="0" err="1"/>
               <a:t>input$inputid</a:t>
             </a:r>
             <a:r>
-              <a:rPr lang="en-US" dirty="0" smtClean="0"/>
+              <a:rPr lang="en-US" dirty="0"/>
               <a:t> in the server. </a:t>
             </a:r>
           </a:p>
           <a:p>
             <a:r>
-              <a:rPr lang="en-US" dirty="0" smtClean="0"/>
+              <a:rPr lang="en-US" dirty="0"/>
               <a:t>The </a:t>
             </a:r>
             <a:r>
-              <a:rPr lang="en-US" dirty="0" err="1" smtClean="0"/>
+              <a:rPr lang="en-US" dirty="0" err="1"/>
               <a:t>ui</a:t>
             </a:r>
             <a:r>
-              <a:rPr lang="en-US" dirty="0" smtClean="0"/>
-              <a:t> requests * when it encounters *Output(). The server returns </a:t>
-            </a:r>
-            <a:r>
-              <a:rPr lang="en-US" dirty="0"/>
-              <a:t>o</a:t>
-            </a:r>
-            <a:r>
-              <a:rPr lang="en-US" dirty="0" smtClean="0"/>
-              <a:t>utput$* of a corresponding data type, </a:t>
-            </a:r>
-            <a:r>
-              <a:rPr lang="en-US" dirty="0"/>
-              <a:t>render</a:t>
-            </a:r>
-            <a:r>
-              <a:rPr lang="en-US" dirty="0" smtClean="0"/>
-              <a:t>*().</a:t>
+              <a:rPr lang="en-US" dirty="0"/>
+              <a:t> requests * when it encounters *Output(). The server returns output$* of a corresponding data type, render*().</a:t>
             </a:r>
           </a:p>
           <a:p>
@@ -25703,46 +25148,33 @@
           </a:p>
           <a:p>
             <a:r>
-              <a:rPr lang="en-US" sz="2900" dirty="0" smtClean="0"/>
+              <a:rPr lang="en-US" sz="2900" dirty="0"/>
               <a:t>Reference</a:t>
             </a:r>
           </a:p>
           <a:p>
             <a:pPr lvl="1"/>
             <a:r>
-              <a:rPr lang="en-US" sz="2500" dirty="0" smtClean="0"/>
+              <a:rPr lang="en-US" sz="2500" dirty="0"/>
               <a:t>Cheat Sheet</a:t>
             </a:r>
           </a:p>
           <a:p>
             <a:pPr lvl="1"/>
             <a:r>
-              <a:rPr lang="en-US" sz="2500" dirty="0" smtClean="0"/>
+              <a:rPr lang="en-US" sz="2500" dirty="0"/>
               <a:t>Shiny Widget Gallery (</a:t>
-            </a:r>
-            <a:r>
-              <a:rPr lang="en-US" sz="2500" dirty="0" smtClean="0">
-                <a:hlinkClick r:id="rId2"/>
-              </a:rPr>
-              <a:t>https</a:t>
             </a:r>
             <a:r>
               <a:rPr lang="en-US" sz="2500" dirty="0">
                 <a:hlinkClick r:id="rId2"/>
               </a:rPr>
-              <a:t>://</a:t>
-            </a:r>
-            <a:r>
-              <a:rPr lang="en-US" sz="2500" dirty="0" smtClean="0">
-                <a:hlinkClick r:id="rId2"/>
-              </a:rPr>
-              <a:t>shiny.rstudio.com/gallery/widget-gallery.html</a:t>
-            </a:r>
-            <a:r>
-              <a:rPr lang="en-US" sz="2500" dirty="0" smtClean="0"/>
+              <a:t>https://shiny.rstudio.com/gallery/widget-gallery.html</a:t>
+            </a:r>
+            <a:r>
+              <a:rPr lang="en-US" sz="2500" dirty="0"/>
               <a:t>)</a:t>
             </a:r>
-            <a:endParaRPr lang="en-US" sz="2500" dirty="0"/>
           </a:p>
           <a:p>
             <a:endParaRPr lang="en-US" dirty="0"/>
@@ -25788,7 +25220,7 @@
           <a:lstStyle/>
           <a:p>
             <a:r>
-              <a:rPr lang="en-US" smtClean="0"/>
+              <a:rPr lang="en-US"/>
               <a:t>CONFIDENTIAL &amp; PROPRIETARY</a:t>
             </a:r>
             <a:endParaRPr lang="en-US" dirty="0"/>
@@ -25812,7 +25244,7 @@
           <a:p>
             <a:fld id="{CAEF89AF-97FF-41FD-A810-843DAB910B39}" type="datetime4">
               <a:rPr lang="en-US" smtClean="0"/>
-              <a:t>August 22, 2019</a:t>
+              <a:t>August 26, 2019</a:t>
             </a:fld>
             <a:endParaRPr lang="en-US" dirty="0"/>
           </a:p>
@@ -26358,13 +25790,6 @@
   <p:clrMapOvr>
     <a:masterClrMapping/>
   </p:clrMapOvr>
-  <p:timing>
-    <p:tnLst>
-      <p:par>
-        <p:cTn id="1" dur="indefinite" restart="never" nodeType="tmRoot"/>
-      </p:par>
-    </p:tnLst>
-  </p:timing>
 </p:sld>
 </file>
 
